--- a/docs/Poster.pptx
+++ b/docs/Poster.pptx
@@ -5,16 +5,15 @@
     <p:sldMasterId id="2147483744" r:id="rId1"/>
   </p:sldMasterIdLst>
   <p:notesMasterIdLst>
-    <p:notesMasterId r:id="rId7"/>
+    <p:notesMasterId r:id="rId6"/>
   </p:notesMasterIdLst>
   <p:sldIdLst>
     <p:sldId id="257" r:id="rId2"/>
     <p:sldId id="298" r:id="rId3"/>
     <p:sldId id="302" r:id="rId4"/>
     <p:sldId id="303" r:id="rId5"/>
-    <p:sldId id="304" r:id="rId6"/>
   </p:sldIdLst>
-  <p:sldSz cx="9144000" cy="6858000" type="screen4x3"/>
+  <p:sldSz cx="9144000" cy="5715000" type="screen16x10"/>
   <p:notesSz cx="6858000" cy="9296400"/>
   <p:defaultTextStyle>
     <a:defPPr>
@@ -262,7 +261,7 @@
               <a:pPr>
                 <a:defRPr/>
               </a:pPr>
-              <a:t>1/27/2011</a:t>
+              <a:t>2/1/2011</a:t>
             </a:fld>
             <a:endParaRPr lang="en-US"/>
           </a:p>
@@ -280,8 +279,8 @@
         </p:nvSpPr>
         <p:spPr bwMode="auto">
           <a:xfrm>
-            <a:off x="1104900" y="696913"/>
-            <a:ext cx="4648200" cy="3486150"/>
+            <a:off x="641350" y="696913"/>
+            <a:ext cx="5575300" cy="3486150"/>
           </a:xfrm>
           <a:prstGeom prst="rect">
             <a:avLst/>
@@ -623,6 +622,10 @@
           </p:nvPr>
         </p:nvSpPr>
         <p:spPr>
+          <a:xfrm>
+            <a:off x="641350" y="696913"/>
+            <a:ext cx="5575300" cy="3486150"/>
+          </a:xfrm>
           <a:ln/>
         </p:spPr>
       </p:sp>
@@ -685,6 +688,10 @@
           </p:nvPr>
         </p:nvSpPr>
         <p:spPr>
+          <a:xfrm>
+            <a:off x="641350" y="696913"/>
+            <a:ext cx="5575300" cy="3486150"/>
+          </a:xfrm>
           <a:ln/>
         </p:spPr>
       </p:sp>
@@ -746,7 +753,12 @@
             <p:ph type="sldImg"/>
           </p:nvPr>
         </p:nvSpPr>
-        <p:spPr/>
+        <p:spPr>
+          <a:xfrm>
+            <a:off x="641350" y="696913"/>
+            <a:ext cx="5575300" cy="3486150"/>
+          </a:xfrm>
+        </p:spPr>
       </p:sp>
       <p:sp>
         <p:nvSpPr>
@@ -959,7 +971,12 @@
             <p:ph type="sldImg"/>
           </p:nvPr>
         </p:nvSpPr>
-        <p:spPr/>
+        <p:spPr>
+          <a:xfrm>
+            <a:off x="641350" y="696913"/>
+            <a:ext cx="5575300" cy="3486150"/>
+          </a:xfrm>
+        </p:spPr>
       </p:sp>
       <p:sp>
         <p:nvSpPr>
@@ -1179,8 +1196,8 @@
         </p:nvSpPr>
         <p:spPr>
           <a:xfrm>
-            <a:off x="533400" y="1371600"/>
-            <a:ext cx="7851648" cy="1828800"/>
+            <a:off x="533400" y="1143000"/>
+            <a:ext cx="7851648" cy="1524000"/>
           </a:xfrm>
           <a:ln>
             <a:noFill/>
@@ -1252,8 +1269,8 @@
         </p:nvSpPr>
         <p:spPr>
           <a:xfrm>
-            <a:off x="533400" y="3228536"/>
-            <a:ext cx="7854696" cy="1752600"/>
+            <a:off x="533400" y="2690447"/>
+            <a:ext cx="7854696" cy="1460500"/>
           </a:xfrm>
         </p:spPr>
         <p:txBody>
@@ -1621,8 +1638,8 @@
         </p:nvSpPr>
         <p:spPr>
           <a:xfrm>
-            <a:off x="6629400" y="914401"/>
-            <a:ext cx="2057400" cy="5211763"/>
+            <a:off x="6629400" y="762001"/>
+            <a:ext cx="2057400" cy="4343136"/>
           </a:xfrm>
         </p:spPr>
         <p:txBody>
@@ -1649,8 +1666,8 @@
         </p:nvSpPr>
         <p:spPr>
           <a:xfrm>
-            <a:off x="457200" y="914401"/>
-            <a:ext cx="6019800" cy="5211763"/>
+            <a:off x="457200" y="762001"/>
+            <a:ext cx="6019800" cy="4343136"/>
           </a:xfrm>
         </p:spPr>
         <p:txBody>
@@ -2012,8 +2029,8 @@
         </p:nvSpPr>
         <p:spPr>
           <a:xfrm>
-            <a:off x="530352" y="1316736"/>
-            <a:ext cx="7772400" cy="1362456"/>
+            <a:off x="530352" y="1097280"/>
+            <a:ext cx="7772400" cy="1135380"/>
           </a:xfrm>
           <a:ln>
             <a:noFill/>
@@ -2082,8 +2099,8 @@
         </p:nvSpPr>
         <p:spPr>
           <a:xfrm>
-            <a:off x="530352" y="2704664"/>
-            <a:ext cx="7772400" cy="1509712"/>
+            <a:off x="530352" y="2253887"/>
+            <a:ext cx="7772400" cy="1258093"/>
           </a:xfrm>
         </p:spPr>
         <p:txBody>
@@ -2279,8 +2296,8 @@
         </p:nvSpPr>
         <p:spPr>
           <a:xfrm>
-            <a:off x="457200" y="704088"/>
-            <a:ext cx="8229600" cy="1143000"/>
+            <a:off x="457200" y="586740"/>
+            <a:ext cx="8229600" cy="952500"/>
           </a:xfrm>
         </p:spPr>
         <p:txBody>
@@ -2307,8 +2324,8 @@
         </p:nvSpPr>
         <p:spPr>
           <a:xfrm>
-            <a:off x="457200" y="1920085"/>
-            <a:ext cx="4038600" cy="4434840"/>
+            <a:off x="457200" y="1600071"/>
+            <a:ext cx="4038600" cy="3695700"/>
           </a:xfrm>
         </p:spPr>
         <p:txBody>
@@ -2380,8 +2397,8 @@
         </p:nvSpPr>
         <p:spPr>
           <a:xfrm>
-            <a:off x="4648200" y="1920085"/>
-            <a:ext cx="4038600" cy="4434840"/>
+            <a:off x="4648200" y="1600071"/>
+            <a:ext cx="4038600" cy="3695700"/>
           </a:xfrm>
         </p:spPr>
         <p:txBody>
@@ -2566,8 +2583,8 @@
         </p:nvSpPr>
         <p:spPr>
           <a:xfrm>
-            <a:off x="457200" y="704088"/>
-            <a:ext cx="8229600" cy="1143000"/>
+            <a:off x="457200" y="586740"/>
+            <a:ext cx="8229600" cy="952500"/>
           </a:xfrm>
         </p:spPr>
         <p:txBody>
@@ -2598,8 +2615,8 @@
         </p:nvSpPr>
         <p:spPr>
           <a:xfrm>
-            <a:off x="457200" y="1855248"/>
-            <a:ext cx="4040188" cy="659352"/>
+            <a:off x="457200" y="1546040"/>
+            <a:ext cx="4040188" cy="549460"/>
           </a:xfrm>
         </p:spPr>
         <p:txBody>
@@ -2654,8 +2671,8 @@
         </p:nvSpPr>
         <p:spPr>
           <a:xfrm>
-            <a:off x="4645025" y="1859757"/>
-            <a:ext cx="4041775" cy="654843"/>
+            <a:off x="4645026" y="1549798"/>
+            <a:ext cx="4041775" cy="545703"/>
           </a:xfrm>
         </p:spPr>
         <p:txBody>
@@ -2708,8 +2725,8 @@
         </p:nvSpPr>
         <p:spPr>
           <a:xfrm>
-            <a:off x="457200" y="2514600"/>
-            <a:ext cx="4040188" cy="3845720"/>
+            <a:off x="457200" y="2095500"/>
+            <a:ext cx="4040188" cy="3204767"/>
           </a:xfrm>
         </p:spPr>
         <p:txBody>
@@ -2781,8 +2798,8 @@
         </p:nvSpPr>
         <p:spPr>
           <a:xfrm>
-            <a:off x="4645025" y="2514600"/>
-            <a:ext cx="4041775" cy="3845720"/>
+            <a:off x="4645026" y="2095500"/>
+            <a:ext cx="4041775" cy="3204767"/>
           </a:xfrm>
         </p:spPr>
         <p:txBody>
@@ -2967,8 +2984,8 @@
         </p:nvSpPr>
         <p:spPr>
           <a:xfrm>
-            <a:off x="457200" y="704088"/>
-            <a:ext cx="8305800" cy="1143000"/>
+            <a:off x="457200" y="586740"/>
+            <a:ext cx="8305800" cy="952500"/>
           </a:xfrm>
         </p:spPr>
         <p:txBody>
@@ -3253,8 +3270,8 @@
         </p:nvSpPr>
         <p:spPr>
           <a:xfrm>
-            <a:off x="685800" y="514352"/>
-            <a:ext cx="2743200" cy="1162050"/>
+            <a:off x="685800" y="428627"/>
+            <a:ext cx="2743200" cy="968375"/>
           </a:xfrm>
         </p:spPr>
         <p:txBody>
@@ -3302,8 +3319,8 @@
         </p:nvSpPr>
         <p:spPr>
           <a:xfrm>
-            <a:off x="685800" y="1676400"/>
-            <a:ext cx="2743200" cy="4572000"/>
+            <a:off x="685800" y="1397000"/>
+            <a:ext cx="2743200" cy="3810000"/>
           </a:xfrm>
         </p:spPr>
         <p:txBody>
@@ -3351,8 +3368,8 @@
         </p:nvSpPr>
         <p:spPr>
           <a:xfrm>
-            <a:off x="3575050" y="1676400"/>
-            <a:ext cx="5111750" cy="4572000"/>
+            <a:off x="3575050" y="1397000"/>
+            <a:ext cx="5111750" cy="3810000"/>
           </a:xfrm>
         </p:spPr>
         <p:txBody>
@@ -3533,8 +3550,8 @@
         </p:nvSpPr>
         <p:spPr>
           <a:xfrm rot="420000" flipV="1">
-            <a:off x="3165475" y="1108075"/>
-            <a:ext cx="5257800" cy="4114800"/>
+            <a:off x="3165475" y="923396"/>
+            <a:ext cx="5257800" cy="3429000"/>
           </a:xfrm>
           <a:prstGeom prst="snipRoundRect">
             <a:avLst>
@@ -3592,8 +3609,8 @@
         </p:nvSpPr>
         <p:spPr>
           <a:xfrm rot="420000" flipV="1">
-            <a:off x="8004175" y="5359400"/>
-            <a:ext cx="155575" cy="155575"/>
+            <a:off x="8004176" y="4466167"/>
+            <a:ext cx="155575" cy="129646"/>
           </a:xfrm>
           <a:prstGeom prst="rtTriangle">
             <a:avLst/>
@@ -3651,8 +3668,8 @@
         </p:nvSpPr>
         <p:spPr bwMode="auto">
           <a:xfrm flipV="1">
-            <a:off x="-9525" y="5816600"/>
-            <a:ext cx="9163050" cy="1041400"/>
+            <a:off x="-9525" y="4847167"/>
+            <a:ext cx="9163050" cy="867833"/>
           </a:xfrm>
           <a:custGeom>
             <a:avLst>
@@ -3792,8 +3809,8 @@
         </p:nvSpPr>
         <p:spPr bwMode="auto">
           <a:xfrm flipV="1">
-            <a:off x="4381500" y="6219825"/>
-            <a:ext cx="4762500" cy="638175"/>
+            <a:off x="4381500" y="5183188"/>
+            <a:ext cx="4762500" cy="531813"/>
           </a:xfrm>
           <a:custGeom>
             <a:avLst>
@@ -3905,8 +3922,8 @@
         </p:nvSpPr>
         <p:spPr>
           <a:xfrm>
-            <a:off x="609600" y="1176996"/>
-            <a:ext cx="2212848" cy="1582621"/>
+            <a:off x="609600" y="980830"/>
+            <a:ext cx="2212848" cy="1318851"/>
           </a:xfrm>
         </p:spPr>
         <p:txBody>
@@ -3942,8 +3959,8 @@
         </p:nvSpPr>
         <p:spPr>
           <a:xfrm>
-            <a:off x="609600" y="2828785"/>
-            <a:ext cx="2209800" cy="2179320"/>
+            <a:off x="609600" y="2357321"/>
+            <a:ext cx="2209800" cy="1816100"/>
           </a:xfrm>
         </p:spPr>
         <p:txBody>
@@ -3991,8 +4008,8 @@
         </p:nvSpPr>
         <p:spPr>
           <a:xfrm rot="420000">
-            <a:off x="3485793" y="1199517"/>
-            <a:ext cx="4617720" cy="3931920"/>
+            <a:off x="3485793" y="999598"/>
+            <a:ext cx="4617720" cy="3276600"/>
           </a:xfrm>
           <a:prstGeom prst="rect">
             <a:avLst/>
@@ -4092,8 +4109,8 @@
         </p:nvSpPr>
         <p:spPr>
           <a:xfrm>
-            <a:off x="8077200" y="6356350"/>
-            <a:ext cx="609600" cy="365125"/>
+            <a:off x="8077200" y="5296959"/>
+            <a:ext cx="609600" cy="304271"/>
           </a:xfrm>
         </p:spPr>
         <p:txBody>
@@ -4161,8 +4178,8 @@
         </p:nvSpPr>
         <p:spPr bwMode="auto">
           <a:xfrm>
-            <a:off x="-9525" y="-7938"/>
-            <a:ext cx="9163050" cy="1041401"/>
+            <a:off x="-9525" y="-6615"/>
+            <a:ext cx="9163050" cy="867834"/>
           </a:xfrm>
           <a:custGeom>
             <a:avLst>
@@ -4302,8 +4319,8 @@
         </p:nvSpPr>
         <p:spPr bwMode="auto">
           <a:xfrm>
-            <a:off x="4381500" y="-7938"/>
-            <a:ext cx="4762500" cy="638176"/>
+            <a:off x="4381500" y="-6615"/>
+            <a:ext cx="4762500" cy="531813"/>
           </a:xfrm>
           <a:custGeom>
             <a:avLst>
@@ -4415,8 +4432,8 @@
         </p:nvSpPr>
         <p:spPr bwMode="auto">
           <a:xfrm>
-            <a:off x="457200" y="704850"/>
-            <a:ext cx="8229600" cy="1143000"/>
+            <a:off x="457200" y="587375"/>
+            <a:ext cx="8229600" cy="952500"/>
           </a:xfrm>
           <a:prstGeom prst="rect">
             <a:avLst/>
@@ -4457,8 +4474,8 @@
         </p:nvSpPr>
         <p:spPr bwMode="auto">
           <a:xfrm>
-            <a:off x="457200" y="1935163"/>
-            <a:ext cx="8229600" cy="4389437"/>
+            <a:off x="457200" y="1612636"/>
+            <a:ext cx="8229600" cy="3657864"/>
           </a:xfrm>
           <a:prstGeom prst="rect">
             <a:avLst/>
@@ -4527,8 +4544,8 @@
         </p:nvSpPr>
         <p:spPr>
           <a:xfrm>
-            <a:off x="457200" y="6356350"/>
-            <a:ext cx="2133600" cy="365125"/>
+            <a:off x="457200" y="5296959"/>
+            <a:ext cx="2133600" cy="304271"/>
           </a:xfrm>
           <a:prstGeom prst="rect">
             <a:avLst/>
@@ -4567,8 +4584,8 @@
         </p:nvSpPr>
         <p:spPr>
           <a:xfrm>
-            <a:off x="2667000" y="6356350"/>
-            <a:ext cx="3352800" cy="365125"/>
+            <a:off x="2667000" y="5296959"/>
+            <a:ext cx="3352800" cy="304271"/>
           </a:xfrm>
           <a:prstGeom prst="rect">
             <a:avLst/>
@@ -4607,8 +4624,8 @@
         </p:nvSpPr>
         <p:spPr>
           <a:xfrm>
-            <a:off x="7924800" y="6356350"/>
-            <a:ext cx="762000" cy="365125"/>
+            <a:off x="7924800" y="5296959"/>
+            <a:ext cx="762000" cy="304271"/>
           </a:xfrm>
           <a:prstGeom prst="rect">
             <a:avLst/>
@@ -4652,8 +4669,8 @@
         </p:nvGrpSpPr>
         <p:grpSpPr bwMode="auto">
           <a:xfrm>
-            <a:off x="-19050" y="203200"/>
-            <a:ext cx="9180513" cy="647700"/>
+            <a:off x="-19050" y="169333"/>
+            <a:ext cx="9180513" cy="539750"/>
             <a:chOff x="-19045" y="216550"/>
             <a:chExt cx="9180548" cy="649224"/>
           </a:xfrm>
@@ -5331,8 +5348,8 @@
         </p:nvSpPr>
         <p:spPr>
           <a:xfrm>
-            <a:off x="609600" y="914400"/>
-            <a:ext cx="2667000" cy="2286000"/>
+            <a:off x="-33668" y="723900"/>
+            <a:ext cx="4495800" cy="1905000"/>
           </a:xfrm>
         </p:spPr>
         <p:txBody>
@@ -5391,17 +5408,21 @@
                 <a:latin typeface="Times New Roman" pitchFamily="18" charset="0"/>
                 <a:cs typeface="Times New Roman" pitchFamily="18" charset="0"/>
               </a:rPr>
-              <a:t>Hani Ayoub</a:t>
-            </a:r>
-          </a:p>
-          <a:p>
-            <a:pPr lvl="1"/>
+              <a:t>Hani </a:t>
+            </a:r>
             <a:r>
               <a:rPr lang="en-US" i="1" dirty="0" smtClean="0">
                 <a:latin typeface="Times New Roman" pitchFamily="18" charset="0"/>
                 <a:cs typeface="Times New Roman" pitchFamily="18" charset="0"/>
               </a:rPr>
-              <a:t>Daniel Aranki</a:t>
+              <a:t>Ayoub &amp; Daniel </a:t>
+            </a:r>
+            <a:r>
+              <a:rPr lang="en-US" i="1" dirty="0" smtClean="0">
+                <a:latin typeface="Times New Roman" pitchFamily="18" charset="0"/>
+                <a:cs typeface="Times New Roman" pitchFamily="18" charset="0"/>
+              </a:rPr>
+              <a:t>Aranki</a:t>
             </a:r>
           </a:p>
         </p:txBody>
@@ -5416,8 +5437,8 @@
         </p:nvSpPr>
         <p:spPr bwMode="auto">
           <a:xfrm>
-            <a:off x="76200" y="285750"/>
-            <a:ext cx="4267200" cy="552450"/>
+            <a:off x="76200" y="238125"/>
+            <a:ext cx="4267200" cy="460375"/>
           </a:xfrm>
           <a:prstGeom prst="rect">
             <a:avLst/>
@@ -5514,8 +5535,8 @@
         </p:nvCxnSpPr>
         <p:spPr>
           <a:xfrm rot="5400000">
-            <a:off x="2628900" y="1714500"/>
-            <a:ext cx="3429000" cy="0"/>
+            <a:off x="2914650" y="1428750"/>
+            <a:ext cx="2857500" cy="0"/>
           </a:xfrm>
           <a:prstGeom prst="line">
             <a:avLst/>
@@ -5546,8 +5567,8 @@
         </p:nvSpPr>
         <p:spPr bwMode="auto">
           <a:xfrm>
-            <a:off x="4343400" y="285750"/>
-            <a:ext cx="4800600" cy="552450"/>
+            <a:off x="4343400" y="238125"/>
+            <a:ext cx="4800600" cy="460375"/>
           </a:xfrm>
           <a:prstGeom prst="rect">
             <a:avLst/>
@@ -5600,41 +5621,7 @@
                 <a:ea typeface="+mj-ea"/>
                 <a:cs typeface="Times New Roman" pitchFamily="18" charset="0"/>
               </a:rPr>
-              <a:t>What </a:t>
-            </a:r>
-            <a:r>
-              <a:rPr kumimoji="0" lang="en-US" sz="3500" b="0" i="0" u="none" strike="noStrike" kern="1200" cap="none" spc="0" normalizeH="0" baseline="0" noProof="0" dirty="0" smtClean="0">
-                <a:ln>
-                  <a:noFill/>
-                </a:ln>
-                <a:solidFill>
-                  <a:schemeClr val="tx2"/>
-                </a:solidFill>
-                <a:effectLst/>
-                <a:uLnTx/>
-                <a:uFillTx/>
-                <a:latin typeface="Times New Roman" pitchFamily="18" charset="0"/>
-                <a:ea typeface="+mj-ea"/>
-                <a:cs typeface="Times New Roman" pitchFamily="18" charset="0"/>
-              </a:rPr>
-              <a:t>is a </a:t>
-            </a:r>
-            <a:r>
-              <a:rPr kumimoji="0" lang="en-US" sz="3500" b="0" i="0" u="none" strike="noStrike" kern="1200" cap="none" spc="0" normalizeH="0" baseline="0" noProof="0" dirty="0" smtClean="0">
-                <a:ln>
-                  <a:noFill/>
-                </a:ln>
-                <a:solidFill>
-                  <a:schemeClr val="tx2"/>
-                </a:solidFill>
-                <a:effectLst/>
-                <a:uLnTx/>
-                <a:uFillTx/>
-                <a:latin typeface="Times New Roman" pitchFamily="18" charset="0"/>
-                <a:ea typeface="+mj-ea"/>
-                <a:cs typeface="Times New Roman" pitchFamily="18" charset="0"/>
-              </a:rPr>
-              <a:t>DHT?</a:t>
+              <a:t>What is a DHT?</a:t>
             </a:r>
           </a:p>
         </p:txBody>
@@ -5649,8 +5636,8 @@
         </p:nvSpPr>
         <p:spPr bwMode="auto">
           <a:xfrm>
-            <a:off x="4343400" y="990600"/>
-            <a:ext cx="4800600" cy="2286000"/>
+            <a:off x="4343400" y="647700"/>
+            <a:ext cx="4800600" cy="1905000"/>
           </a:xfrm>
           <a:prstGeom prst="rect">
             <a:avLst/>
@@ -5841,7 +5828,7 @@
         </p:nvCxnSpPr>
         <p:spPr>
           <a:xfrm rot="10800000">
-            <a:off x="0" y="3428999"/>
+            <a:off x="0" y="2857499"/>
             <a:ext cx="9144000" cy="0"/>
           </a:xfrm>
           <a:prstGeom prst="line">
@@ -5871,8 +5858,8 @@
         </p:nvSpPr>
         <p:spPr>
           <a:xfrm>
-            <a:off x="533400" y="3124200"/>
-            <a:ext cx="7543800" cy="3657600"/>
+            <a:off x="533400" y="2603500"/>
+            <a:ext cx="7543800" cy="3048000"/>
           </a:xfrm>
           <a:prstGeom prst="cloud">
             <a:avLst/>
@@ -5911,8 +5898,8 @@
         </p:nvSpPr>
         <p:spPr>
           <a:xfrm>
-            <a:off x="6096000" y="4038600"/>
-            <a:ext cx="1187395" cy="640976"/>
+            <a:off x="6096001" y="3365500"/>
+            <a:ext cx="1187395" cy="534147"/>
           </a:xfrm>
           <a:prstGeom prst="roundRect">
             <a:avLst/>
@@ -5951,8 +5938,8 @@
         </p:nvSpPr>
         <p:spPr>
           <a:xfrm>
-            <a:off x="3657600" y="4191000"/>
-            <a:ext cx="1187395" cy="640976"/>
+            <a:off x="3657601" y="3492500"/>
+            <a:ext cx="1187395" cy="534147"/>
           </a:xfrm>
           <a:prstGeom prst="roundRect">
             <a:avLst/>
@@ -5991,8 +5978,8 @@
         </p:nvSpPr>
         <p:spPr>
           <a:xfrm>
-            <a:off x="1905000" y="5410200"/>
-            <a:ext cx="1187395" cy="640976"/>
+            <a:off x="1905001" y="4508500"/>
+            <a:ext cx="1187395" cy="534147"/>
           </a:xfrm>
           <a:prstGeom prst="roundRect">
             <a:avLst/>
@@ -6031,8 +6018,8 @@
         </p:nvSpPr>
         <p:spPr>
           <a:xfrm>
-            <a:off x="1447800" y="4114800"/>
-            <a:ext cx="1187395" cy="640976"/>
+            <a:off x="1447801" y="3429000"/>
+            <a:ext cx="1187395" cy="534147"/>
           </a:xfrm>
           <a:prstGeom prst="roundRect">
             <a:avLst/>
@@ -6071,8 +6058,8 @@
         </p:nvSpPr>
         <p:spPr>
           <a:xfrm>
-            <a:off x="2133600" y="4267200"/>
-            <a:ext cx="222637" cy="147918"/>
+            <a:off x="2133601" y="3556000"/>
+            <a:ext cx="222637" cy="123265"/>
           </a:xfrm>
           <a:prstGeom prst="triangle">
             <a:avLst/>
@@ -6113,8 +6100,8 @@
         </p:nvSpPr>
         <p:spPr>
           <a:xfrm>
-            <a:off x="3886200" y="4267200"/>
-            <a:ext cx="222637" cy="147918"/>
+            <a:off x="3886201" y="3556000"/>
+            <a:ext cx="222637" cy="123265"/>
           </a:xfrm>
           <a:prstGeom prst="triangle">
             <a:avLst/>
@@ -6155,8 +6142,8 @@
         </p:nvSpPr>
         <p:spPr>
           <a:xfrm>
-            <a:off x="2667000" y="5791200"/>
-            <a:ext cx="222637" cy="147918"/>
+            <a:off x="2667001" y="4826000"/>
+            <a:ext cx="222637" cy="123265"/>
           </a:xfrm>
           <a:prstGeom prst="triangle">
             <a:avLst/>
@@ -6197,8 +6184,8 @@
         </p:nvSpPr>
         <p:spPr>
           <a:xfrm>
-            <a:off x="2362200" y="5638800"/>
-            <a:ext cx="222637" cy="147918"/>
+            <a:off x="2362201" y="4699000"/>
+            <a:ext cx="222637" cy="123265"/>
           </a:xfrm>
           <a:prstGeom prst="triangle">
             <a:avLst/>
@@ -6239,8 +6226,8 @@
         </p:nvSpPr>
         <p:spPr>
           <a:xfrm>
-            <a:off x="2057400" y="5490882"/>
-            <a:ext cx="222637" cy="147918"/>
+            <a:off x="2057401" y="4575735"/>
+            <a:ext cx="222637" cy="123265"/>
           </a:xfrm>
           <a:prstGeom prst="triangle">
             <a:avLst/>
@@ -6281,8 +6268,8 @@
         </p:nvSpPr>
         <p:spPr>
           <a:xfrm>
-            <a:off x="2057400" y="5791200"/>
-            <a:ext cx="222637" cy="147918"/>
+            <a:off x="2057401" y="4826000"/>
+            <a:ext cx="222637" cy="123265"/>
           </a:xfrm>
           <a:prstGeom prst="triangle">
             <a:avLst/>
@@ -6323,8 +6310,8 @@
         </p:nvSpPr>
         <p:spPr>
           <a:xfrm>
-            <a:off x="3733800" y="4572000"/>
-            <a:ext cx="222637" cy="147918"/>
+            <a:off x="3733800" y="3810000"/>
+            <a:ext cx="222637" cy="123265"/>
           </a:xfrm>
           <a:prstGeom prst="triangle">
             <a:avLst/>
@@ -6365,8 +6352,8 @@
         </p:nvSpPr>
         <p:spPr>
           <a:xfrm>
-            <a:off x="1524000" y="4495800"/>
-            <a:ext cx="222637" cy="147918"/>
+            <a:off x="1524001" y="3746500"/>
+            <a:ext cx="222637" cy="123265"/>
           </a:xfrm>
           <a:prstGeom prst="triangle">
             <a:avLst/>
@@ -6407,8 +6394,8 @@
         </p:nvSpPr>
         <p:spPr>
           <a:xfrm>
-            <a:off x="6863963" y="4114800"/>
-            <a:ext cx="222637" cy="147918"/>
+            <a:off x="6863964" y="3429000"/>
+            <a:ext cx="222637" cy="123265"/>
           </a:xfrm>
           <a:prstGeom prst="triangle">
             <a:avLst/>
@@ -6449,8 +6436,8 @@
         </p:nvSpPr>
         <p:spPr>
           <a:xfrm>
-            <a:off x="6272254" y="4195482"/>
-            <a:ext cx="222637" cy="147918"/>
+            <a:off x="6272255" y="3496235"/>
+            <a:ext cx="222637" cy="123265"/>
           </a:xfrm>
           <a:prstGeom prst="triangle">
             <a:avLst/>
@@ -6491,8 +6478,8 @@
         </p:nvSpPr>
         <p:spPr>
           <a:xfrm>
-            <a:off x="5105400" y="5257800"/>
-            <a:ext cx="1187395" cy="640976"/>
+            <a:off x="5105401" y="4381500"/>
+            <a:ext cx="1187395" cy="534147"/>
           </a:xfrm>
           <a:prstGeom prst="roundRect">
             <a:avLst/>
@@ -6531,8 +6518,8 @@
         </p:nvSpPr>
         <p:spPr>
           <a:xfrm>
-            <a:off x="6805654" y="4468750"/>
-            <a:ext cx="222637" cy="147918"/>
+            <a:off x="6805655" y="3723958"/>
+            <a:ext cx="222637" cy="123265"/>
           </a:xfrm>
           <a:prstGeom prst="triangle">
             <a:avLst/>
@@ -6573,8 +6560,8 @@
         </p:nvSpPr>
         <p:spPr>
           <a:xfrm>
-            <a:off x="4495800" y="4343400"/>
-            <a:ext cx="222637" cy="147918"/>
+            <a:off x="4495801" y="3619500"/>
+            <a:ext cx="222637" cy="123265"/>
           </a:xfrm>
           <a:prstGeom prst="triangle">
             <a:avLst/>
@@ -6615,8 +6602,8 @@
         </p:nvSpPr>
         <p:spPr>
           <a:xfrm>
-            <a:off x="6424654" y="4468750"/>
-            <a:ext cx="222637" cy="147918"/>
+            <a:off x="6424655" y="3723958"/>
+            <a:ext cx="222637" cy="123265"/>
           </a:xfrm>
           <a:prstGeom prst="triangle">
             <a:avLst/>
@@ -6657,8 +6644,8 @@
         </p:nvSpPr>
         <p:spPr>
           <a:xfrm>
-            <a:off x="2667000" y="5490882"/>
-            <a:ext cx="222637" cy="147918"/>
+            <a:off x="2667001" y="4575735"/>
+            <a:ext cx="222637" cy="123265"/>
           </a:xfrm>
           <a:prstGeom prst="triangle">
             <a:avLst/>
@@ -6699,8 +6686,8 @@
         </p:nvSpPr>
         <p:spPr>
           <a:xfrm>
-            <a:off x="7731125" y="5741334"/>
-            <a:ext cx="222637" cy="147918"/>
+            <a:off x="7731126" y="4784445"/>
+            <a:ext cx="222637" cy="123265"/>
           </a:xfrm>
           <a:prstGeom prst="triangle">
             <a:avLst/>
@@ -6743,7 +6730,7 @@
         </p:nvSpPr>
         <p:spPr bwMode="auto">
           <a:xfrm>
-            <a:off x="8001000" y="5718922"/>
+            <a:off x="8001000" y="4765768"/>
             <a:ext cx="816334" cy="369332"/>
           </a:xfrm>
           <a:prstGeom prst="rect">
@@ -6778,8 +6765,8 @@
         </p:nvSpPr>
         <p:spPr>
           <a:xfrm>
-            <a:off x="7696200" y="6252322"/>
-            <a:ext cx="296849" cy="246529"/>
+            <a:off x="7696201" y="5210269"/>
+            <a:ext cx="296849" cy="205441"/>
           </a:xfrm>
           <a:prstGeom prst="roundRect">
             <a:avLst/>
@@ -6820,7 +6807,7 @@
         </p:nvSpPr>
         <p:spPr bwMode="auto">
           <a:xfrm>
-            <a:off x="8001000" y="6248400"/>
+            <a:off x="8001000" y="5207000"/>
             <a:ext cx="890546" cy="369332"/>
           </a:xfrm>
           <a:prstGeom prst="rect">
@@ -6855,7 +6842,7 @@
         </p:nvSpPr>
         <p:spPr>
           <a:xfrm>
-            <a:off x="3200400" y="3505200"/>
+            <a:off x="3200400" y="2921000"/>
             <a:ext cx="4038600" cy="430887"/>
           </a:xfrm>
           <a:prstGeom prst="rect">
@@ -6898,7 +6885,7 @@
         </p:nvSpPr>
         <p:spPr>
           <a:xfrm>
-            <a:off x="3200400" y="3505200"/>
+            <a:off x="3200400" y="2933700"/>
             <a:ext cx="4038600" cy="430887"/>
           </a:xfrm>
           <a:prstGeom prst="rect">
@@ -6938,7 +6925,7 @@
   <p:clrMapOvr>
     <a:masterClrMapping/>
   </p:clrMapOvr>
-  <p:transition advClick="0" advTm="2000">
+  <p:transition advClick="0" advTm="10000">
     <p:wedge/>
   </p:transition>
   <p:timing>
@@ -7180,25 +7167,30 @@
                                   </p:childTnLst>
                                 </p:cTn>
                               </p:par>
+                            </p:childTnLst>
+                          </p:cTn>
+                        </p:par>
+                        <p:par>
+                          <p:cTn id="21" fill="hold">
+                            <p:stCondLst>
+                              <p:cond delay="4000"/>
+                            </p:stCondLst>
+                            <p:childTnLst>
                               <p:par>
-                                <p:cTn id="21" presetID="4" presetClass="entr" presetSubtype="16" fill="hold" grpId="0" nodeType="withEffect">
+                                <p:cTn id="22" presetID="4" presetClass="entr" presetSubtype="16" fill="hold" grpId="0" nodeType="afterEffect">
                                   <p:stCondLst>
-                                    <p:cond delay="0"/>
+                                    <p:cond delay="2000"/>
                                   </p:stCondLst>
                                   <p:childTnLst>
                                     <p:set>
                                       <p:cBhvr>
-                                        <p:cTn id="22" dur="1" fill="hold">
+                                        <p:cTn id="23" dur="1" fill="hold">
                                           <p:stCondLst>
                                             <p:cond delay="0"/>
                                           </p:stCondLst>
                                         </p:cTn>
                                         <p:tgtEl>
-                                          <p:spTgt spid="16386">
-                                            <p:txEl>
-                                              <p:pRg st="4" end="4"/>
-                                            </p:txEl>
-                                          </p:spTgt>
+                                          <p:spTgt spid="8"/>
                                         </p:tgtEl>
                                         <p:attrNameLst>
                                           <p:attrName>style.visibility</p:attrName>
@@ -7210,13 +7202,9 @@
                                     </p:set>
                                     <p:animEffect transition="in" filter="box(in)">
                                       <p:cBhvr>
-                                        <p:cTn id="23" dur="2000"/>
-                                        <p:tgtEl>
-                                          <p:spTgt spid="16386">
-                                            <p:txEl>
-                                              <p:pRg st="4" end="4"/>
-                                            </p:txEl>
-                                          </p:spTgt>
+                                        <p:cTn id="24" dur="2000"/>
+                                        <p:tgtEl>
+                                          <p:spTgt spid="8"/>
                                         </p:tgtEl>
                                       </p:cBhvr>
                                     </p:animEffect>
@@ -7227,26 +7215,26 @@
                           </p:cTn>
                         </p:par>
                         <p:par>
-                          <p:cTn id="24" fill="hold">
+                          <p:cTn id="25" fill="hold">
                             <p:stCondLst>
-                              <p:cond delay="4000"/>
+                              <p:cond delay="8000"/>
                             </p:stCondLst>
                             <p:childTnLst>
                               <p:par>
-                                <p:cTn id="25" presetID="4" presetClass="entr" presetSubtype="16" fill="hold" grpId="0" nodeType="afterEffect">
+                                <p:cTn id="26" presetID="4" presetClass="entr" presetSubtype="16" fill="hold" grpId="0" nodeType="afterEffect">
                                   <p:stCondLst>
                                     <p:cond delay="0"/>
                                   </p:stCondLst>
                                   <p:childTnLst>
                                     <p:set>
                                       <p:cBhvr>
-                                        <p:cTn id="26" dur="1" fill="hold">
+                                        <p:cTn id="27" dur="1" fill="hold">
                                           <p:stCondLst>
                                             <p:cond delay="0"/>
                                           </p:stCondLst>
                                         </p:cTn>
                                         <p:tgtEl>
-                                          <p:spTgt spid="8"/>
+                                          <p:spTgt spid="12"/>
                                         </p:tgtEl>
                                         <p:attrNameLst>
                                           <p:attrName>style.visibility</p:attrName>
@@ -7258,9 +7246,9 @@
                                     </p:set>
                                     <p:animEffect transition="in" filter="box(in)">
                                       <p:cBhvr>
-                                        <p:cTn id="27" dur="2000"/>
-                                        <p:tgtEl>
-                                          <p:spTgt spid="8"/>
+                                        <p:cTn id="28" dur="2000"/>
+                                        <p:tgtEl>
+                                          <p:spTgt spid="12"/>
                                         </p:tgtEl>
                                       </p:cBhvr>
                                     </p:animEffect>
@@ -7271,64 +7259,20 @@
                           </p:cTn>
                         </p:par>
                         <p:par>
-                          <p:cTn id="28" fill="hold">
+                          <p:cTn id="29" fill="hold">
                             <p:stCondLst>
-                              <p:cond delay="6000"/>
+                              <p:cond delay="10000"/>
                             </p:stCondLst>
                             <p:childTnLst>
                               <p:par>
-                                <p:cTn id="29" presetID="4" presetClass="entr" presetSubtype="16" fill="hold" grpId="0" nodeType="afterEffect">
+                                <p:cTn id="30" presetID="2" presetClass="entr" presetSubtype="4" fill="hold" grpId="0" nodeType="afterEffect">
                                   <p:stCondLst>
-                                    <p:cond delay="0"/>
+                                    <p:cond delay="2000"/>
                                   </p:stCondLst>
                                   <p:childTnLst>
                                     <p:set>
                                       <p:cBhvr>
-                                        <p:cTn id="30" dur="1" fill="hold">
-                                          <p:stCondLst>
-                                            <p:cond delay="0"/>
-                                          </p:stCondLst>
-                                        </p:cTn>
-                                        <p:tgtEl>
-                                          <p:spTgt spid="12"/>
-                                        </p:tgtEl>
-                                        <p:attrNameLst>
-                                          <p:attrName>style.visibility</p:attrName>
-                                        </p:attrNameLst>
-                                      </p:cBhvr>
-                                      <p:to>
-                                        <p:strVal val="visible"/>
-                                      </p:to>
-                                    </p:set>
-                                    <p:animEffect transition="in" filter="box(in)">
-                                      <p:cBhvr>
-                                        <p:cTn id="31" dur="2000"/>
-                                        <p:tgtEl>
-                                          <p:spTgt spid="12"/>
-                                        </p:tgtEl>
-                                      </p:cBhvr>
-                                    </p:animEffect>
-                                  </p:childTnLst>
-                                </p:cTn>
-                              </p:par>
-                            </p:childTnLst>
-                          </p:cTn>
-                        </p:par>
-                        <p:par>
-                          <p:cTn id="32" fill="hold">
-                            <p:stCondLst>
-                              <p:cond delay="8000"/>
-                            </p:stCondLst>
-                            <p:childTnLst>
-                              <p:par>
-                                <p:cTn id="33" presetID="2" presetClass="entr" presetSubtype="4" fill="hold" grpId="0" nodeType="afterEffect">
-                                  <p:stCondLst>
-                                    <p:cond delay="0"/>
-                                  </p:stCondLst>
-                                  <p:childTnLst>
-                                    <p:set>
-                                      <p:cBhvr>
-                                        <p:cTn id="34" dur="1" fill="hold">
+                                        <p:cTn id="31" dur="1" fill="hold">
                                           <p:stCondLst>
                                             <p:cond delay="0"/>
                                           </p:stCondLst>
@@ -7346,7 +7290,7 @@
                                     </p:set>
                                     <p:anim calcmode="lin" valueType="num">
                                       <p:cBhvr additive="base">
-                                        <p:cTn id="35" dur="1000" fill="hold"/>
+                                        <p:cTn id="32" dur="1000" fill="hold"/>
                                         <p:tgtEl>
                                           <p:spTgt spid="65"/>
                                         </p:tgtEl>
@@ -7369,7 +7313,7 @@
                                     </p:anim>
                                     <p:anim calcmode="lin" valueType="num">
                                       <p:cBhvr additive="base">
-                                        <p:cTn id="36" dur="1000" fill="hold"/>
+                                        <p:cTn id="33" dur="1000" fill="hold"/>
                                         <p:tgtEl>
                                           <p:spTgt spid="65"/>
                                         </p:tgtEl>
@@ -7397,20 +7341,20 @@
                           </p:cTn>
                         </p:par>
                         <p:par>
-                          <p:cTn id="37" fill="hold">
+                          <p:cTn id="34" fill="hold">
                             <p:stCondLst>
-                              <p:cond delay="9000"/>
+                              <p:cond delay="13000"/>
                             </p:stCondLst>
                             <p:childTnLst>
                               <p:par>
-                                <p:cTn id="38" presetID="2" presetClass="entr" presetSubtype="4" fill="hold" grpId="0" nodeType="afterEffect">
+                                <p:cTn id="35" presetID="2" presetClass="entr" presetSubtype="4" fill="hold" grpId="0" nodeType="afterEffect">
                                   <p:stCondLst>
                                     <p:cond delay="0"/>
                                   </p:stCondLst>
                                   <p:childTnLst>
                                     <p:set>
                                       <p:cBhvr>
-                                        <p:cTn id="39" dur="1" fill="hold">
+                                        <p:cTn id="36" dur="1" fill="hold">
                                           <p:stCondLst>
                                             <p:cond delay="0"/>
                                           </p:stCondLst>
@@ -7428,7 +7372,7 @@
                                     </p:set>
                                     <p:anim calcmode="lin" valueType="num">
                                       <p:cBhvr additive="base">
-                                        <p:cTn id="40" dur="2000" fill="hold"/>
+                                        <p:cTn id="37" dur="2000" fill="hold"/>
                                         <p:tgtEl>
                                           <p:spTgt spid="56"/>
                                         </p:tgtEl>
@@ -7451,7 +7395,7 @@
                                     </p:anim>
                                     <p:anim calcmode="lin" valueType="num">
                                       <p:cBhvr additive="base">
-                                        <p:cTn id="41" dur="2000" fill="hold"/>
+                                        <p:cTn id="38" dur="2000" fill="hold"/>
                                         <p:tgtEl>
                                           <p:spTgt spid="56"/>
                                         </p:tgtEl>
@@ -7479,9 +7423,40 @@
                           </p:cTn>
                         </p:par>
                         <p:par>
+                          <p:cTn id="39" fill="hold">
+                            <p:stCondLst>
+                              <p:cond delay="15000"/>
+                            </p:stCondLst>
+                            <p:childTnLst>
+                              <p:par>
+                                <p:cTn id="40" presetID="49" presetClass="path" presetSubtype="0" accel="50000" decel="50000" fill="hold" grpId="0" nodeType="afterEffect">
+                                  <p:stCondLst>
+                                    <p:cond delay="0"/>
+                                  </p:stCondLst>
+                                  <p:childTnLst>
+                                    <p:animMotion origin="layout" path="M -0.02466 -0.00509 L 0.07986 0.15093 " pathEditMode="relative" rAng="0" ptsTypes="AA">
+                                      <p:cBhvr>
+                                        <p:cTn id="41" dur="2000" fill="hold"/>
+                                        <p:tgtEl>
+                                          <p:spTgt spid="58"/>
+                                        </p:tgtEl>
+                                        <p:attrNameLst>
+                                          <p:attrName>ppt_x</p:attrName>
+                                          <p:attrName>ppt_y</p:attrName>
+                                        </p:attrNameLst>
+                                      </p:cBhvr>
+                                      <p:rCtr x="52" y="78"/>
+                                    </p:animMotion>
+                                  </p:childTnLst>
+                                </p:cTn>
+                              </p:par>
+                            </p:childTnLst>
+                          </p:cTn>
+                        </p:par>
+                        <p:par>
                           <p:cTn id="42" fill="hold">
                             <p:stCondLst>
-                              <p:cond delay="11000"/>
+                              <p:cond delay="17000"/>
                             </p:stCondLst>
                             <p:childTnLst>
                               <p:par>
@@ -7490,18 +7465,18 @@
                                     <p:cond delay="0"/>
                                   </p:stCondLst>
                                   <p:childTnLst>
-                                    <p:animMotion origin="layout" path="M -0.02466 -0.00509 L 0.07986 0.15093 " pathEditMode="relative" rAng="0" ptsTypes="AA">
+                                    <p:animMotion origin="layout" path="M -2.77778E-7 4.81481E-6 L -0.05642 0.13773 " pathEditMode="relative" rAng="0" ptsTypes="AA">
                                       <p:cBhvr>
                                         <p:cTn id="44" dur="2000" fill="hold"/>
                                         <p:tgtEl>
-                                          <p:spTgt spid="58"/>
+                                          <p:spTgt spid="59"/>
                                         </p:tgtEl>
                                         <p:attrNameLst>
                                           <p:attrName>ppt_x</p:attrName>
                                           <p:attrName>ppt_y</p:attrName>
                                         </p:attrNameLst>
                                       </p:cBhvr>
-                                      <p:rCtr x="52" y="78"/>
+                                      <p:rCtr x="-28" y="69"/>
                                     </p:animMotion>
                                   </p:childTnLst>
                                 </p:cTn>
@@ -7512,7 +7487,7 @@
                         <p:par>
                           <p:cTn id="45" fill="hold">
                             <p:stCondLst>
-                              <p:cond delay="13000"/>
+                              <p:cond delay="19000"/>
                             </p:stCondLst>
                             <p:childTnLst>
                               <p:par>
@@ -7521,18 +7496,18 @@
                                     <p:cond delay="0"/>
                                   </p:stCondLst>
                                   <p:childTnLst>
-                                    <p:animMotion origin="layout" path="M -2.77778E-7 4.81481E-6 L -0.05642 0.13773 " pathEditMode="relative" rAng="0" ptsTypes="AA">
+                                    <p:animMotion origin="layout" path="M 5.55556E-7 -2.59259E-6 L 0.31285 0.02199 " pathEditMode="relative" rAng="0" ptsTypes="AA">
                                       <p:cBhvr>
                                         <p:cTn id="47" dur="2000" fill="hold"/>
                                         <p:tgtEl>
-                                          <p:spTgt spid="59"/>
+                                          <p:spTgt spid="60"/>
                                         </p:tgtEl>
                                         <p:attrNameLst>
                                           <p:attrName>ppt_x</p:attrName>
                                           <p:attrName>ppt_y</p:attrName>
                                         </p:attrNameLst>
                                       </p:cBhvr>
-                                      <p:rCtr x="-28" y="69"/>
+                                      <p:rCtr x="156" y="11"/>
                                     </p:animMotion>
                                   </p:childTnLst>
                                 </p:cTn>
@@ -7543,49 +7518,18 @@
                         <p:par>
                           <p:cTn id="48" fill="hold">
                             <p:stCondLst>
-                              <p:cond delay="15000"/>
+                              <p:cond delay="21000"/>
                             </p:stCondLst>
                             <p:childTnLst>
                               <p:par>
-                                <p:cTn id="49" presetID="49" presetClass="path" presetSubtype="0" accel="50000" decel="50000" fill="hold" grpId="0" nodeType="afterEffect">
+                                <p:cTn id="49" presetID="2" presetClass="exit" presetSubtype="4" fill="hold" grpId="1" nodeType="afterEffect">
                                   <p:stCondLst>
-                                    <p:cond delay="0"/>
-                                  </p:stCondLst>
-                                  <p:childTnLst>
-                                    <p:animMotion origin="layout" path="M 5.55556E-7 -2.59259E-6 L 0.31285 0.02199 " pathEditMode="relative" rAng="0" ptsTypes="AA">
-                                      <p:cBhvr>
-                                        <p:cTn id="50" dur="2000" fill="hold"/>
-                                        <p:tgtEl>
-                                          <p:spTgt spid="60"/>
-                                        </p:tgtEl>
-                                        <p:attrNameLst>
-                                          <p:attrName>ppt_x</p:attrName>
-                                          <p:attrName>ppt_y</p:attrName>
-                                        </p:attrNameLst>
-                                      </p:cBhvr>
-                                      <p:rCtr x="156" y="11"/>
-                                    </p:animMotion>
-                                  </p:childTnLst>
-                                </p:cTn>
-                              </p:par>
-                            </p:childTnLst>
-                          </p:cTn>
-                        </p:par>
-                        <p:par>
-                          <p:cTn id="51" fill="hold">
-                            <p:stCondLst>
-                              <p:cond delay="17000"/>
-                            </p:stCondLst>
-                            <p:childTnLst>
-                              <p:par>
-                                <p:cTn id="52" presetID="2" presetClass="exit" presetSubtype="4" fill="hold" grpId="1" nodeType="afterEffect">
-                                  <p:stCondLst>
-                                    <p:cond delay="0"/>
+                                    <p:cond delay="2000"/>
                                   </p:stCondLst>
                                   <p:childTnLst>
                                     <p:anim calcmode="lin" valueType="num">
                                       <p:cBhvr additive="base">
-                                        <p:cTn id="53" dur="500"/>
+                                        <p:cTn id="50" dur="500"/>
                                         <p:tgtEl>
                                           <p:spTgt spid="65"/>
                                         </p:tgtEl>
@@ -7608,7 +7552,7 @@
                                     </p:anim>
                                     <p:anim calcmode="lin" valueType="num">
                                       <p:cBhvr additive="base">
-                                        <p:cTn id="54" dur="500"/>
+                                        <p:cTn id="51" dur="500"/>
                                         <p:tgtEl>
                                           <p:spTgt spid="65"/>
                                         </p:tgtEl>
@@ -7631,7 +7575,7 @@
                                     </p:anim>
                                     <p:set>
                                       <p:cBhvr>
-                                        <p:cTn id="55" dur="1" fill="hold">
+                                        <p:cTn id="52" dur="1" fill="hold">
                                           <p:stCondLst>
                                             <p:cond delay="499"/>
                                           </p:stCondLst>
@@ -7654,20 +7598,20 @@
                           </p:cTn>
                         </p:par>
                         <p:par>
-                          <p:cTn id="56" fill="hold">
+                          <p:cTn id="53" fill="hold">
                             <p:stCondLst>
-                              <p:cond delay="17500"/>
+                              <p:cond delay="23500"/>
                             </p:stCondLst>
                             <p:childTnLst>
                               <p:par>
-                                <p:cTn id="57" presetID="2" presetClass="entr" presetSubtype="4" fill="hold" grpId="0" nodeType="afterEffect">
+                                <p:cTn id="54" presetID="2" presetClass="entr" presetSubtype="4" fill="hold" grpId="0" nodeType="afterEffect">
                                   <p:stCondLst>
-                                    <p:cond delay="0"/>
+                                    <p:cond delay="2000"/>
                                   </p:stCondLst>
                                   <p:childTnLst>
                                     <p:set>
                                       <p:cBhvr>
-                                        <p:cTn id="58" dur="1" fill="hold">
+                                        <p:cTn id="55" dur="1" fill="hold">
                                           <p:stCondLst>
                                             <p:cond delay="0"/>
                                           </p:stCondLst>
@@ -7685,7 +7629,7 @@
                                     </p:set>
                                     <p:anim calcmode="lin" valueType="num">
                                       <p:cBhvr additive="base">
-                                        <p:cTn id="59" dur="500" fill="hold"/>
+                                        <p:cTn id="56" dur="500" fill="hold"/>
                                         <p:tgtEl>
                                           <p:spTgt spid="66"/>
                                         </p:tgtEl>
@@ -7708,7 +7652,7 @@
                                     </p:anim>
                                     <p:anim calcmode="lin" valueType="num">
                                       <p:cBhvr additive="base">
-                                        <p:cTn id="60" dur="500" fill="hold"/>
+                                        <p:cTn id="57" dur="500" fill="hold"/>
                                         <p:tgtEl>
                                           <p:spTgt spid="66"/>
                                         </p:tgtEl>
@@ -7736,20 +7680,20 @@
                           </p:cTn>
                         </p:par>
                         <p:par>
-                          <p:cTn id="61" fill="hold">
+                          <p:cTn id="58" fill="hold">
                             <p:stCondLst>
-                              <p:cond delay="18000"/>
+                              <p:cond delay="26000"/>
                             </p:stCondLst>
                             <p:childTnLst>
                               <p:par>
-                                <p:cTn id="62" presetID="2" presetClass="exit" presetSubtype="4" fill="hold" grpId="0" nodeType="afterEffect">
+                                <p:cTn id="59" presetID="2" presetClass="exit" presetSubtype="4" fill="hold" grpId="0" nodeType="afterEffect">
                                   <p:stCondLst>
                                     <p:cond delay="0"/>
                                   </p:stCondLst>
                                   <p:childTnLst>
                                     <p:anim calcmode="lin" valueType="num">
                                       <p:cBhvr additive="base">
-                                        <p:cTn id="63" dur="2000"/>
+                                        <p:cTn id="60" dur="2000"/>
                                         <p:tgtEl>
                                           <p:spTgt spid="45"/>
                                         </p:tgtEl>
@@ -7772,7 +7716,7 @@
                                     </p:anim>
                                     <p:anim calcmode="lin" valueType="num">
                                       <p:cBhvr additive="base">
-                                        <p:cTn id="64" dur="2000"/>
+                                        <p:cTn id="61" dur="2000"/>
                                         <p:tgtEl>
                                           <p:spTgt spid="45"/>
                                         </p:tgtEl>
@@ -7795,7 +7739,7 @@
                                     </p:anim>
                                     <p:set>
                                       <p:cBhvr>
-                                        <p:cTn id="65" dur="1" fill="hold">
+                                        <p:cTn id="62" dur="1" fill="hold">
                                           <p:stCondLst>
                                             <p:cond delay="1999"/>
                                           </p:stCondLst>
@@ -7818,20 +7762,20 @@
                           </p:cTn>
                         </p:par>
                         <p:par>
-                          <p:cTn id="66" fill="hold">
+                          <p:cTn id="63" fill="hold">
                             <p:stCondLst>
-                              <p:cond delay="20000"/>
+                              <p:cond delay="28000"/>
                             </p:stCondLst>
                             <p:childTnLst>
                               <p:par>
-                                <p:cTn id="67" presetID="49" presetClass="path" presetSubtype="0" accel="50000" decel="50000" fill="hold" grpId="0" nodeType="afterEffect">
+                                <p:cTn id="64" presetID="49" presetClass="path" presetSubtype="0" accel="50000" decel="50000" fill="hold" grpId="0" nodeType="afterEffect">
                                   <p:stCondLst>
                                     <p:cond delay="0"/>
                                   </p:stCondLst>
                                   <p:childTnLst>
                                     <p:animMotion origin="layout" path="M 0.00382 -0.01088 L 0.05833 0.17847 " pathEditMode="relative" rAng="0" ptsTypes="AA">
                                       <p:cBhvr>
-                                        <p:cTn id="68" dur="2000" fill="hold"/>
+                                        <p:cTn id="65" dur="2000" fill="hold"/>
                                         <p:tgtEl>
                                           <p:spTgt spid="46"/>
                                         </p:tgtEl>
@@ -7849,20 +7793,20 @@
                           </p:cTn>
                         </p:par>
                         <p:par>
-                          <p:cTn id="69" fill="hold">
+                          <p:cTn id="66" fill="hold">
                             <p:stCondLst>
-                              <p:cond delay="22000"/>
+                              <p:cond delay="30000"/>
                             </p:stCondLst>
                             <p:childTnLst>
                               <p:par>
-                                <p:cTn id="70" presetID="56" presetClass="path" presetSubtype="0" accel="50000" decel="50000" fill="hold" grpId="0" nodeType="afterEffect">
+                                <p:cTn id="67" presetID="56" presetClass="path" presetSubtype="0" accel="50000" decel="50000" fill="hold" grpId="0" nodeType="afterEffect">
                                   <p:stCondLst>
                                     <p:cond delay="0"/>
                                   </p:stCondLst>
                                   <p:childTnLst>
                                     <p:animMotion origin="layout" path="M -2.77778E-6 2.96296E-6 L 0.30035 -0.02732 " pathEditMode="relative" rAng="0" ptsTypes="AA">
                                       <p:cBhvr>
-                                        <p:cTn id="71" dur="2000" fill="hold"/>
+                                        <p:cTn id="68" dur="2000" fill="hold"/>
                                         <p:tgtEl>
                                           <p:spTgt spid="53"/>
                                         </p:tgtEl>
@@ -7952,8 +7896,8 @@
         </p:nvSpPr>
         <p:spPr>
           <a:xfrm>
-            <a:off x="76200" y="457200"/>
-            <a:ext cx="4114800" cy="3124200"/>
+            <a:off x="76200" y="381000"/>
+            <a:ext cx="4114800" cy="2603500"/>
           </a:xfrm>
         </p:spPr>
         <p:txBody>
@@ -7963,7 +7907,7 @@
             <a:pPr algn="ctr">
               <a:buNone/>
             </a:pPr>
-            <a:endParaRPr lang="en-US" b="1" i="1" dirty="0" smtClean="0">
+            <a:endParaRPr lang="en-US" sz="2400" b="1" i="1" dirty="0" smtClean="0">
               <a:latin typeface="Times New Roman" pitchFamily="18" charset="0"/>
               <a:cs typeface="Times New Roman" pitchFamily="18" charset="0"/>
             </a:endParaRPr>
@@ -7973,7 +7917,7 @@
               <a:buNone/>
             </a:pPr>
             <a:r>
-              <a:rPr lang="en-US" b="1" i="1" dirty="0" smtClean="0">
+              <a:rPr lang="en-US" sz="2400" b="1" i="1" dirty="0" smtClean="0">
                 <a:latin typeface="Times New Roman" pitchFamily="18" charset="0"/>
                 <a:cs typeface="Times New Roman" pitchFamily="18" charset="0"/>
               </a:rPr>
@@ -7985,7 +7929,7 @@
               <a:buNone/>
             </a:pPr>
             <a:r>
-              <a:rPr lang="en-US" b="1" i="1" dirty="0" smtClean="0">
+              <a:rPr lang="en-US" sz="2400" b="1" i="1" dirty="0" smtClean="0">
                 <a:latin typeface="Times New Roman" pitchFamily="18" charset="0"/>
                 <a:cs typeface="Times New Roman" pitchFamily="18" charset="0"/>
               </a:rPr>
@@ -7997,7 +7941,7 @@
               <a:buNone/>
             </a:pPr>
             <a:r>
-              <a:rPr lang="en-US" b="1" i="1" dirty="0" smtClean="0">
+              <a:rPr lang="en-US" sz="2400" b="1" i="1" dirty="0" smtClean="0">
                 <a:latin typeface="Times New Roman" pitchFamily="18" charset="0"/>
                 <a:cs typeface="Times New Roman" pitchFamily="18" charset="0"/>
               </a:rPr>
@@ -8005,7 +7949,7 @@
             </a:r>
           </a:p>
           <a:p>
-            <a:endParaRPr lang="en-US" i="1" dirty="0" smtClean="0">
+            <a:endParaRPr lang="en-US" sz="2400" i="1" dirty="0" smtClean="0">
               <a:latin typeface="Times New Roman" pitchFamily="18" charset="0"/>
               <a:cs typeface="Times New Roman" pitchFamily="18" charset="0"/>
             </a:endParaRPr>
@@ -8022,8 +7966,8 @@
         </p:nvSpPr>
         <p:spPr bwMode="auto">
           <a:xfrm>
-            <a:off x="76200" y="285750"/>
-            <a:ext cx="4267200" cy="552450"/>
+            <a:off x="76200" y="238125"/>
+            <a:ext cx="4267200" cy="460375"/>
           </a:xfrm>
           <a:prstGeom prst="rect">
             <a:avLst/>
@@ -8097,8 +8041,8 @@
         </p:nvCxnSpPr>
         <p:spPr>
           <a:xfrm rot="5400000">
-            <a:off x="2628900" y="1714500"/>
-            <a:ext cx="3429000" cy="0"/>
+            <a:off x="2914650" y="1428750"/>
+            <a:ext cx="2857500" cy="0"/>
           </a:xfrm>
           <a:prstGeom prst="line">
             <a:avLst/>
@@ -8129,8 +8073,8 @@
         </p:nvSpPr>
         <p:spPr bwMode="auto">
           <a:xfrm>
-            <a:off x="4343400" y="285750"/>
-            <a:ext cx="4800600" cy="552450"/>
+            <a:off x="4343400" y="238125"/>
+            <a:ext cx="4800600" cy="460375"/>
           </a:xfrm>
           <a:prstGeom prst="rect">
             <a:avLst/>
@@ -8198,8 +8142,8 @@
         </p:nvSpPr>
         <p:spPr bwMode="auto">
           <a:xfrm>
-            <a:off x="4343400" y="990600"/>
-            <a:ext cx="4800600" cy="2286000"/>
+            <a:off x="4343400" y="723900"/>
+            <a:ext cx="4800600" cy="1905000"/>
           </a:xfrm>
           <a:prstGeom prst="rect">
             <a:avLst/>
@@ -8237,14 +8181,14 @@
               <a:defRPr/>
             </a:pPr>
             <a:r>
-              <a:rPr lang="en-US" sz="2400" b="1" dirty="0" smtClean="0">
+              <a:rPr lang="en-US" sz="2300" b="1" dirty="0" smtClean="0">
                 <a:latin typeface="Times New Roman" pitchFamily="18" charset="0"/>
                 <a:cs typeface="Times New Roman" pitchFamily="18" charset="0"/>
               </a:rPr>
               <a:t>Implement: </a:t>
             </a:r>
             <a:r>
-              <a:rPr lang="en-US" sz="2400" dirty="0" smtClean="0">
+              <a:rPr lang="en-US" sz="2300" dirty="0" smtClean="0">
                 <a:latin typeface="Times New Roman" pitchFamily="18" charset="0"/>
                 <a:cs typeface="Times New Roman" pitchFamily="18" charset="0"/>
               </a:rPr>
@@ -8264,7 +8208,7 @@
               <a:buChar char=""/>
             </a:pPr>
             <a:r>
-              <a:rPr lang="en-US" sz="2400" dirty="0" smtClean="0">
+              <a:rPr lang="en-US" sz="2300" dirty="0" smtClean="0">
                 <a:latin typeface="Times New Roman" pitchFamily="18" charset="0"/>
                 <a:cs typeface="Times New Roman" pitchFamily="18" charset="0"/>
               </a:rPr>
@@ -8289,20 +8233,20 @@
               <a:defRPr/>
             </a:pPr>
             <a:r>
-              <a:rPr lang="en-US" sz="2400" b="1" dirty="0" smtClean="0">
+              <a:rPr lang="en-US" sz="2300" b="1" dirty="0" smtClean="0">
                 <a:latin typeface="Times New Roman" pitchFamily="18" charset="0"/>
                 <a:cs typeface="Times New Roman" pitchFamily="18" charset="0"/>
               </a:rPr>
               <a:t>Distribute: </a:t>
             </a:r>
             <a:r>
-              <a:rPr lang="en-US" sz="2400" dirty="0" smtClean="0">
+              <a:rPr lang="en-US" sz="2300" dirty="0" smtClean="0">
                 <a:latin typeface="Times New Roman" pitchFamily="18" charset="0"/>
                 <a:cs typeface="Times New Roman" pitchFamily="18" charset="0"/>
               </a:rPr>
               <a:t>The extension</a:t>
             </a:r>
-            <a:endParaRPr lang="en-US" sz="2400" b="1" dirty="0" smtClean="0">
+            <a:endParaRPr lang="en-US" sz="2300" b="1" dirty="0" smtClean="0">
               <a:latin typeface="Times New Roman" pitchFamily="18" charset="0"/>
               <a:cs typeface="Times New Roman" pitchFamily="18" charset="0"/>
             </a:endParaRPr>
@@ -8325,14 +8269,14 @@
               <a:defRPr/>
             </a:pPr>
             <a:r>
-              <a:rPr lang="en-US" sz="2400" b="1" dirty="0" smtClean="0">
+              <a:rPr lang="en-US" sz="2300" b="1" dirty="0" smtClean="0">
                 <a:latin typeface="Times New Roman" pitchFamily="18" charset="0"/>
                 <a:cs typeface="Times New Roman" pitchFamily="18" charset="0"/>
               </a:rPr>
               <a:t>Analyze: </a:t>
             </a:r>
             <a:r>
-              <a:rPr lang="en-US" sz="2400" dirty="0" smtClean="0">
+              <a:rPr lang="en-US" sz="2300" dirty="0" smtClean="0">
                 <a:latin typeface="Times New Roman" pitchFamily="18" charset="0"/>
                 <a:cs typeface="Times New Roman" pitchFamily="18" charset="0"/>
               </a:rPr>
@@ -8352,7 +8296,7 @@
               <a:buChar char=""/>
             </a:pPr>
             <a:r>
-              <a:rPr lang="en-US" sz="2400" dirty="0" smtClean="0">
+              <a:rPr lang="en-US" sz="2300" dirty="0" smtClean="0">
                 <a:latin typeface="Times New Roman" pitchFamily="18" charset="0"/>
                 <a:cs typeface="Times New Roman" pitchFamily="18" charset="0"/>
               </a:rPr>
@@ -8369,7 +8313,7 @@
         </p:nvCxnSpPr>
         <p:spPr>
           <a:xfrm rot="10800000">
-            <a:off x="0" y="3428999"/>
+            <a:off x="0" y="2857499"/>
             <a:ext cx="9144000" cy="0"/>
           </a:xfrm>
           <a:prstGeom prst="line">
@@ -8399,8 +8343,8 @@
         </p:nvGrpSpPr>
         <p:grpSpPr>
           <a:xfrm>
-            <a:off x="1600200" y="5943600"/>
-            <a:ext cx="5486400" cy="609600"/>
+            <a:off x="1600200" y="4953000"/>
+            <a:ext cx="5486400" cy="508000"/>
             <a:chOff x="1600200" y="5867400"/>
             <a:chExt cx="5486400" cy="609600"/>
           </a:xfrm>
@@ -8606,8 +8550,8 @@
         </p:nvGrpSpPr>
         <p:grpSpPr>
           <a:xfrm>
-            <a:off x="3581400" y="3581400"/>
-            <a:ext cx="2743200" cy="1381165"/>
+            <a:off x="3581400" y="2984500"/>
+            <a:ext cx="2743200" cy="1150971"/>
             <a:chOff x="3581400" y="3581400"/>
             <a:chExt cx="2743200" cy="1381165"/>
           </a:xfrm>
@@ -8647,7 +8591,7 @@
           <p:spPr>
             <a:xfrm>
               <a:off x="4495800" y="3733800"/>
-              <a:ext cx="1828800" cy="553998"/>
+              <a:ext cx="1828800" cy="664798"/>
             </a:xfrm>
             <a:prstGeom prst="rect">
               <a:avLst/>
@@ -8684,8 +8628,8 @@
         </p:nvSpPr>
         <p:spPr>
           <a:xfrm>
-            <a:off x="1066800" y="4669543"/>
-            <a:ext cx="7543800" cy="1883657"/>
+            <a:off x="1066800" y="3891286"/>
+            <a:ext cx="7543800" cy="1938992"/>
           </a:xfrm>
           <a:prstGeom prst="rect">
             <a:avLst/>
@@ -8810,8 +8754,8 @@
         </p:nvGrpSpPr>
         <p:grpSpPr>
           <a:xfrm>
-            <a:off x="1905000" y="4191000"/>
-            <a:ext cx="4876800" cy="1752600"/>
+            <a:off x="1905000" y="3492500"/>
+            <a:ext cx="4876800" cy="1460500"/>
             <a:chOff x="1905000" y="4191000"/>
             <a:chExt cx="4876800" cy="1752600"/>
           </a:xfrm>
@@ -9034,8 +8978,8 @@
         </p:nvSpPr>
         <p:spPr>
           <a:xfrm>
-            <a:off x="1066800" y="4648200"/>
-            <a:ext cx="8305800" cy="1477328"/>
+            <a:off x="1219200" y="3854429"/>
+            <a:ext cx="8305800" cy="1289071"/>
           </a:xfrm>
           <a:prstGeom prst="rect">
             <a:avLst/>
@@ -9056,7 +9000,7 @@
               <a:buChar char="ü"/>
             </a:pPr>
             <a:r>
-              <a:rPr lang="en-US" sz="2000" dirty="0" smtClean="0">
+              <a:rPr lang="en-US" dirty="0" smtClean="0">
                 <a:latin typeface="Times New Roman" pitchFamily="18" charset="0"/>
                 <a:cs typeface="Times New Roman" pitchFamily="18" charset="0"/>
               </a:rPr>
@@ -9072,7 +9016,7 @@
               <a:buChar char="ü"/>
             </a:pPr>
             <a:r>
-              <a:rPr lang="en-US" sz="2000" dirty="0" smtClean="0">
+              <a:rPr lang="en-US" dirty="0" smtClean="0">
                 <a:latin typeface="Times New Roman" pitchFamily="18" charset="0"/>
                 <a:cs typeface="Times New Roman" pitchFamily="18" charset="0"/>
               </a:rPr>
@@ -9088,7 +9032,7 @@
               <a:buChar char="ü"/>
             </a:pPr>
             <a:r>
-              <a:rPr lang="en-US" sz="2000" dirty="0" smtClean="0">
+              <a:rPr lang="en-US" dirty="0" smtClean="0">
                 <a:latin typeface="Times New Roman" pitchFamily="18" charset="0"/>
                 <a:cs typeface="Times New Roman" pitchFamily="18" charset="0"/>
               </a:rPr>
@@ -9102,7 +9046,7 @@
   <p:clrMapOvr>
     <a:masterClrMapping/>
   </p:clrMapOvr>
-  <p:transition advClick="0" advTm="2000">
+  <p:transition advClick="0" advTm="10000">
     <p:wedge/>
   </p:transition>
   <p:timing>
@@ -9313,7 +9257,7 @@
                               <p:par>
                                 <p:cTn id="19" presetID="4" presetClass="entr" presetSubtype="16" fill="hold" grpId="0" nodeType="afterEffect">
                                   <p:stCondLst>
-                                    <p:cond delay="0"/>
+                                    <p:cond delay="2000"/>
                                   </p:stCondLst>
                                   <p:childTnLst>
                                     <p:set>
@@ -9351,7 +9295,7 @@
                         <p:par>
                           <p:cTn id="22" fill="hold">
                             <p:stCondLst>
-                              <p:cond delay="6000"/>
+                              <p:cond delay="8000"/>
                             </p:stCondLst>
                             <p:childTnLst>
                               <p:par>
@@ -9395,13 +9339,13 @@
                         <p:par>
                           <p:cTn id="26" fill="hold">
                             <p:stCondLst>
-                              <p:cond delay="8000"/>
+                              <p:cond delay="10000"/>
                             </p:stCondLst>
                             <p:childTnLst>
                               <p:par>
                                 <p:cTn id="27" presetID="2" presetClass="entr" presetSubtype="4" fill="hold" nodeType="afterEffect">
                                   <p:stCondLst>
-                                    <p:cond delay="0"/>
+                                    <p:cond delay="2000"/>
                                   </p:stCondLst>
                                   <p:childTnLst>
                                     <p:set>
@@ -9477,7 +9421,7 @@
                         <p:par>
                           <p:cTn id="31" fill="hold">
                             <p:stCondLst>
-                              <p:cond delay="10000"/>
+                              <p:cond delay="14000"/>
                             </p:stCondLst>
                             <p:childTnLst>
                               <p:par>
@@ -9559,7 +9503,7 @@
                         <p:par>
                           <p:cTn id="36" fill="hold">
                             <p:stCondLst>
-                              <p:cond delay="12000"/>
+                              <p:cond delay="16000"/>
                             </p:stCondLst>
                             <p:childTnLst>
                               <p:par>
@@ -9641,7 +9585,7 @@
                         <p:par>
                           <p:cTn id="41" fill="hold">
                             <p:stCondLst>
-                              <p:cond delay="18000"/>
+                              <p:cond delay="22000"/>
                             </p:stCondLst>
                             <p:childTnLst>
                               <p:par>
@@ -9723,7 +9667,7 @@
                         <p:par>
                           <p:cTn id="46" fill="hold">
                             <p:stCondLst>
-                              <p:cond delay="20000"/>
+                              <p:cond delay="24000"/>
                             </p:stCondLst>
                             <p:childTnLst>
                               <p:par>
@@ -9767,7 +9711,7 @@
                         <p:par>
                           <p:cTn id="50" fill="hold">
                             <p:stCondLst>
-                              <p:cond delay="22000"/>
+                              <p:cond delay="26000"/>
                             </p:stCondLst>
                             <p:childTnLst>
                               <p:par>
@@ -9849,7 +9793,7 @@
                         <p:par>
                           <p:cTn id="55" fill="hold">
                             <p:stCondLst>
-                              <p:cond delay="28000"/>
+                              <p:cond delay="32000"/>
                             </p:stCondLst>
                             <p:childTnLst>
                               <p:par>
@@ -9931,7 +9875,7 @@
                         <p:par>
                           <p:cTn id="60" fill="hold">
                             <p:stCondLst>
-                              <p:cond delay="30000"/>
+                              <p:cond delay="34000"/>
                             </p:stCondLst>
                             <p:childTnLst>
                               <p:par>
@@ -10040,8 +9984,8 @@
         </p:nvSpPr>
         <p:spPr>
           <a:xfrm>
-            <a:off x="304800" y="-152400"/>
-            <a:ext cx="8229600" cy="1143000"/>
+            <a:off x="304800" y="-127000"/>
+            <a:ext cx="8229600" cy="952500"/>
           </a:xfrm>
         </p:spPr>
         <p:txBody>
@@ -10053,7 +9997,21 @@
                 <a:latin typeface="Times New Roman" pitchFamily="18" charset="0"/>
                 <a:cs typeface="Times New Roman" pitchFamily="18" charset="0"/>
               </a:rPr>
-              <a:t>Conclusion: Can DHT be implemented?</a:t>
+              <a:t>Conclusion: Can </a:t>
+            </a:r>
+            <a:r>
+              <a:rPr lang="en-US" sz="3500" dirty="0" smtClean="0">
+                <a:latin typeface="Times New Roman" pitchFamily="18" charset="0"/>
+                <a:cs typeface="Times New Roman" pitchFamily="18" charset="0"/>
+              </a:rPr>
+              <a:t>a DHT </a:t>
+            </a:r>
+            <a:r>
+              <a:rPr lang="en-US" sz="3500" dirty="0" smtClean="0">
+                <a:latin typeface="Times New Roman" pitchFamily="18" charset="0"/>
+                <a:cs typeface="Times New Roman" pitchFamily="18" charset="0"/>
+              </a:rPr>
+              <a:t>be implemented?</a:t>
             </a:r>
           </a:p>
         </p:txBody>
@@ -10070,8 +10028,8 @@
         </p:nvSpPr>
         <p:spPr>
           <a:xfrm>
-            <a:off x="304800" y="1295401"/>
-            <a:ext cx="8382000" cy="5029200"/>
+            <a:off x="304800" y="1079501"/>
+            <a:ext cx="8382000" cy="4191000"/>
           </a:xfrm>
         </p:spPr>
         <p:txBody>
@@ -10102,21 +10060,7 @@
                 <a:latin typeface="Times New Roman" pitchFamily="18" charset="0"/>
                 <a:cs typeface="Times New Roman" pitchFamily="18" charset="0"/>
               </a:rPr>
-              <a:t> Approach</a:t>
-            </a:r>
-            <a:r>
-              <a:rPr lang="en-US" dirty="0" smtClean="0">
-                <a:latin typeface="Times New Roman" pitchFamily="18" charset="0"/>
-                <a:cs typeface="Times New Roman" pitchFamily="18" charset="0"/>
-              </a:rPr>
-              <a:t>: </a:t>
-            </a:r>
-            <a:r>
-              <a:rPr lang="en-US" dirty="0" smtClean="0">
-                <a:latin typeface="Times New Roman" pitchFamily="18" charset="0"/>
-                <a:cs typeface="Times New Roman" pitchFamily="18" charset="0"/>
-              </a:rPr>
-              <a:t>Standard Deviation</a:t>
+              <a:t> Approach: Standard Deviation</a:t>
             </a:r>
           </a:p>
           <a:p>
@@ -10156,10 +10100,11 @@
             </a:endParaRPr>
           </a:p>
           <a:p>
-            <a:pPr lvl="1">
+            <a:pPr>
               <a:spcBef>
                 <a:spcPct val="0"/>
               </a:spcBef>
+              <a:buNone/>
             </a:pPr>
             <a:endParaRPr lang="en-US" dirty="0" smtClean="0">
               <a:latin typeface="Times New Roman" pitchFamily="18" charset="0"/>
@@ -10172,17 +10117,6 @@
                 <a:spcPct val="0"/>
               </a:spcBef>
             </a:pPr>
-            <a:endParaRPr lang="en-US" dirty="0" smtClean="0">
-              <a:latin typeface="Times New Roman" pitchFamily="18" charset="0"/>
-              <a:cs typeface="Times New Roman" pitchFamily="18" charset="0"/>
-            </a:endParaRPr>
-          </a:p>
-          <a:p>
-            <a:pPr>
-              <a:spcBef>
-                <a:spcPct val="0"/>
-              </a:spcBef>
-            </a:pPr>
             <a:r>
               <a:rPr lang="en-US" dirty="0" smtClean="0">
                 <a:latin typeface="Times New Roman" pitchFamily="18" charset="0"/>
@@ -10202,14 +10136,7 @@
                 <a:latin typeface="Times New Roman" pitchFamily="18" charset="0"/>
                 <a:cs typeface="Times New Roman" pitchFamily="18" charset="0"/>
               </a:rPr>
-              <a:t> Approach: </a:t>
-            </a:r>
-            <a:r>
-              <a:rPr lang="en-US" dirty="0" smtClean="0">
-                <a:latin typeface="Times New Roman" pitchFamily="18" charset="0"/>
-                <a:cs typeface="Times New Roman" pitchFamily="18" charset="0"/>
-              </a:rPr>
-              <a:t>Static Analysis</a:t>
+              <a:t> Approach: Static Analysis</a:t>
             </a:r>
           </a:p>
           <a:p>
@@ -10307,8 +10234,8 @@
         </p:nvSpPr>
         <p:spPr bwMode="auto">
           <a:xfrm>
-            <a:off x="0" y="0"/>
-            <a:ext cx="9144000" cy="0"/>
+            <a:off x="0" y="-184666"/>
+            <a:ext cx="184731" cy="369332"/>
           </a:xfrm>
           <a:prstGeom prst="rect">
             <a:avLst/>
@@ -10376,8 +10303,8 @@
         </p:blipFill>
         <p:spPr bwMode="auto">
           <a:xfrm>
-            <a:off x="2743200" y="2133600"/>
-            <a:ext cx="2886718" cy="1447800"/>
+            <a:off x="2743200" y="1879600"/>
+            <a:ext cx="2886718" cy="1206500"/>
           </a:xfrm>
           <a:prstGeom prst="rect">
             <a:avLst/>
@@ -10408,8 +10335,8 @@
         </p:blipFill>
         <p:spPr bwMode="auto">
           <a:xfrm>
-            <a:off x="1447800" y="4724400"/>
-            <a:ext cx="6019800" cy="1337733"/>
+            <a:off x="769620" y="4229100"/>
+            <a:ext cx="7459980" cy="1381478"/>
           </a:xfrm>
           <a:prstGeom prst="rect">
             <a:avLst/>
@@ -10417,912 +10344,6 @@
           <a:noFill/>
         </p:spPr>
       </p:pic>
-      <p:graphicFrame>
-        <p:nvGraphicFramePr>
-          <p:cNvPr id="7" name="Table 6"/>
-          <p:cNvGraphicFramePr>
-            <a:graphicFrameLocks noGrp="1"/>
-          </p:cNvGraphicFramePr>
-          <p:nvPr/>
-        </p:nvGraphicFramePr>
-        <p:xfrm>
-          <a:off x="1981200" y="6100554"/>
-          <a:ext cx="4949952" cy="741680"/>
-        </p:xfrm>
-        <a:graphic>
-          <a:graphicData uri="http://schemas.openxmlformats.org/drawingml/2006/table">
-            <a:tbl>
-              <a:tblPr firstRow="1" bandRow="1">
-                <a:tableStyleId>{5C22544A-7EE6-4342-B048-85BDC9FD1C3A}</a:tableStyleId>
-              </a:tblPr>
-              <a:tblGrid>
-                <a:gridCol w="353568"/>
-                <a:gridCol w="353568"/>
-                <a:gridCol w="353568"/>
-                <a:gridCol w="353568"/>
-                <a:gridCol w="353568"/>
-                <a:gridCol w="353568"/>
-                <a:gridCol w="353568"/>
-                <a:gridCol w="353568"/>
-                <a:gridCol w="353568"/>
-                <a:gridCol w="353568"/>
-                <a:gridCol w="353568"/>
-                <a:gridCol w="353568"/>
-                <a:gridCol w="353568"/>
-                <a:gridCol w="353568"/>
-              </a:tblGrid>
-              <a:tr h="370840">
-                <a:tc>
-                  <a:txBody>
-                    <a:bodyPr/>
-                    <a:lstStyle/>
-                    <a:p>
-                      <a:pPr marL="0" algn="ctr" rtl="0" eaLnBrk="1" latinLnBrk="0" hangingPunct="1"/>
-                      <a:r>
-                        <a:rPr kumimoji="0" lang="en-US" kern="1200" dirty="0" smtClean="0">
-                          <a:solidFill>
-                            <a:schemeClr val="bg1"/>
-                          </a:solidFill>
-                          <a:latin typeface="+mn-lt"/>
-                          <a:ea typeface="+mn-ea"/>
-                          <a:cs typeface="+mn-cs"/>
-                        </a:rPr>
-                        <a:t>T</a:t>
-                      </a:r>
-                      <a:endParaRPr kumimoji="0" lang="en-US" kern="1200" dirty="0">
-                        <a:solidFill>
-                          <a:schemeClr val="bg1"/>
-                        </a:solidFill>
-                        <a:latin typeface="+mn-lt"/>
-                        <a:ea typeface="+mn-ea"/>
-                        <a:cs typeface="+mn-cs"/>
-                      </a:endParaRPr>
-                    </a:p>
-                  </a:txBody>
-                  <a:tcPr marL="59765" marR="59765" marT="29882" marB="29882" anchor="ctr"/>
-                </a:tc>
-                <a:tc>
-                  <a:txBody>
-                    <a:bodyPr/>
-                    <a:lstStyle/>
-                    <a:p>
-                      <a:pPr marL="0" marR="0" algn="ctr" rtl="0" eaLnBrk="1" latinLnBrk="0" hangingPunct="1">
-                        <a:lnSpc>
-                          <a:spcPct val="115000"/>
-                        </a:lnSpc>
-                        <a:spcBef>
-                          <a:spcPts val="0"/>
-                        </a:spcBef>
-                        <a:spcAft>
-                          <a:spcPts val="0"/>
-                        </a:spcAft>
-                      </a:pPr>
-                      <a:r>
-                        <a:rPr kumimoji="0" lang="en-US" kern="1200" dirty="0">
-                          <a:solidFill>
-                            <a:schemeClr val="bg1"/>
-                          </a:solidFill>
-                          <a:latin typeface="+mn-lt"/>
-                          <a:ea typeface="+mn-ea"/>
-                          <a:cs typeface="+mn-cs"/>
-                        </a:rPr>
-                        <a:t>0</a:t>
-                      </a:r>
-                    </a:p>
-                  </a:txBody>
-                  <a:tcPr marL="9525" marR="9525" marT="9525" marB="9525" anchor="ctr"/>
-                </a:tc>
-                <a:tc>
-                  <a:txBody>
-                    <a:bodyPr/>
-                    <a:lstStyle/>
-                    <a:p>
-                      <a:pPr marL="0" marR="0" algn="ctr" rtl="0" eaLnBrk="1" latinLnBrk="0" hangingPunct="1">
-                        <a:lnSpc>
-                          <a:spcPct val="115000"/>
-                        </a:lnSpc>
-                        <a:spcBef>
-                          <a:spcPts val="0"/>
-                        </a:spcBef>
-                        <a:spcAft>
-                          <a:spcPts val="0"/>
-                        </a:spcAft>
-                      </a:pPr>
-                      <a:r>
-                        <a:rPr kumimoji="0" lang="en-US" kern="1200" dirty="0">
-                          <a:solidFill>
-                            <a:schemeClr val="bg1"/>
-                          </a:solidFill>
-                          <a:latin typeface="+mn-lt"/>
-                          <a:ea typeface="+mn-ea"/>
-                          <a:cs typeface="+mn-cs"/>
-                        </a:rPr>
-                        <a:t>5</a:t>
-                      </a:r>
-                    </a:p>
-                  </a:txBody>
-                  <a:tcPr marL="9525" marR="9525" marT="9525" marB="9525" anchor="ctr"/>
-                </a:tc>
-                <a:tc>
-                  <a:txBody>
-                    <a:bodyPr/>
-                    <a:lstStyle/>
-                    <a:p>
-                      <a:pPr marL="0" marR="0" algn="ctr" rtl="0" eaLnBrk="1" latinLnBrk="0" hangingPunct="1">
-                        <a:lnSpc>
-                          <a:spcPct val="115000"/>
-                        </a:lnSpc>
-                        <a:spcBef>
-                          <a:spcPts val="0"/>
-                        </a:spcBef>
-                        <a:spcAft>
-                          <a:spcPts val="0"/>
-                        </a:spcAft>
-                      </a:pPr>
-                      <a:r>
-                        <a:rPr kumimoji="0" lang="en-US" kern="1200" dirty="0">
-                          <a:solidFill>
-                            <a:schemeClr val="bg1"/>
-                          </a:solidFill>
-                          <a:latin typeface="+mn-lt"/>
-                          <a:ea typeface="+mn-ea"/>
-                          <a:cs typeface="+mn-cs"/>
-                        </a:rPr>
-                        <a:t>10</a:t>
-                      </a:r>
-                    </a:p>
-                  </a:txBody>
-                  <a:tcPr marL="9525" marR="9525" marT="9525" marB="9525" anchor="ctr"/>
-                </a:tc>
-                <a:tc>
-                  <a:txBody>
-                    <a:bodyPr/>
-                    <a:lstStyle/>
-                    <a:p>
-                      <a:pPr marL="0" marR="0" algn="ctr" rtl="0" eaLnBrk="1" latinLnBrk="0" hangingPunct="1">
-                        <a:lnSpc>
-                          <a:spcPct val="115000"/>
-                        </a:lnSpc>
-                        <a:spcBef>
-                          <a:spcPts val="0"/>
-                        </a:spcBef>
-                        <a:spcAft>
-                          <a:spcPts val="0"/>
-                        </a:spcAft>
-                      </a:pPr>
-                      <a:r>
-                        <a:rPr kumimoji="0" lang="en-US" kern="1200" dirty="0">
-                          <a:solidFill>
-                            <a:schemeClr val="bg1"/>
-                          </a:solidFill>
-                          <a:latin typeface="+mn-lt"/>
-                          <a:ea typeface="+mn-ea"/>
-                          <a:cs typeface="+mn-cs"/>
-                        </a:rPr>
-                        <a:t>15</a:t>
-                      </a:r>
-                    </a:p>
-                  </a:txBody>
-                  <a:tcPr marL="9525" marR="9525" marT="9525" marB="9525" anchor="ctr"/>
-                </a:tc>
-                <a:tc>
-                  <a:txBody>
-                    <a:bodyPr/>
-                    <a:lstStyle/>
-                    <a:p>
-                      <a:pPr marL="0" marR="0" algn="ctr" rtl="0" eaLnBrk="1" latinLnBrk="0" hangingPunct="1">
-                        <a:lnSpc>
-                          <a:spcPct val="115000"/>
-                        </a:lnSpc>
-                        <a:spcBef>
-                          <a:spcPts val="0"/>
-                        </a:spcBef>
-                        <a:spcAft>
-                          <a:spcPts val="0"/>
-                        </a:spcAft>
-                      </a:pPr>
-                      <a:r>
-                        <a:rPr kumimoji="0" lang="en-US" kern="1200" dirty="0">
-                          <a:solidFill>
-                            <a:schemeClr val="bg1"/>
-                          </a:solidFill>
-                          <a:latin typeface="+mn-lt"/>
-                          <a:ea typeface="+mn-ea"/>
-                          <a:cs typeface="+mn-cs"/>
-                        </a:rPr>
-                        <a:t>20</a:t>
-                      </a:r>
-                    </a:p>
-                  </a:txBody>
-                  <a:tcPr marL="9525" marR="9525" marT="9525" marB="9525" anchor="ctr"/>
-                </a:tc>
-                <a:tc>
-                  <a:txBody>
-                    <a:bodyPr/>
-                    <a:lstStyle/>
-                    <a:p>
-                      <a:pPr marL="0" marR="0" algn="ctr" rtl="0" eaLnBrk="1" latinLnBrk="0" hangingPunct="1">
-                        <a:lnSpc>
-                          <a:spcPct val="115000"/>
-                        </a:lnSpc>
-                        <a:spcBef>
-                          <a:spcPts val="0"/>
-                        </a:spcBef>
-                        <a:spcAft>
-                          <a:spcPts val="0"/>
-                        </a:spcAft>
-                      </a:pPr>
-                      <a:r>
-                        <a:rPr kumimoji="0" lang="en-US" kern="1200" dirty="0">
-                          <a:solidFill>
-                            <a:schemeClr val="bg1"/>
-                          </a:solidFill>
-                          <a:latin typeface="+mn-lt"/>
-                          <a:ea typeface="+mn-ea"/>
-                          <a:cs typeface="+mn-cs"/>
-                        </a:rPr>
-                        <a:t>25</a:t>
-                      </a:r>
-                    </a:p>
-                  </a:txBody>
-                  <a:tcPr marL="9525" marR="9525" marT="9525" marB="9525" anchor="ctr"/>
-                </a:tc>
-                <a:tc>
-                  <a:txBody>
-                    <a:bodyPr/>
-                    <a:lstStyle/>
-                    <a:p>
-                      <a:pPr marL="0" marR="0" algn="ctr" rtl="0" eaLnBrk="1" latinLnBrk="0" hangingPunct="1">
-                        <a:lnSpc>
-                          <a:spcPct val="115000"/>
-                        </a:lnSpc>
-                        <a:spcBef>
-                          <a:spcPts val="0"/>
-                        </a:spcBef>
-                        <a:spcAft>
-                          <a:spcPts val="0"/>
-                        </a:spcAft>
-                      </a:pPr>
-                      <a:r>
-                        <a:rPr kumimoji="0" lang="en-US" kern="1200" dirty="0">
-                          <a:solidFill>
-                            <a:schemeClr val="bg1"/>
-                          </a:solidFill>
-                          <a:latin typeface="+mn-lt"/>
-                          <a:ea typeface="+mn-ea"/>
-                          <a:cs typeface="+mn-cs"/>
-                        </a:rPr>
-                        <a:t>30</a:t>
-                      </a:r>
-                    </a:p>
-                  </a:txBody>
-                  <a:tcPr marL="9525" marR="9525" marT="9525" marB="9525" anchor="ctr"/>
-                </a:tc>
-                <a:tc>
-                  <a:txBody>
-                    <a:bodyPr/>
-                    <a:lstStyle/>
-                    <a:p>
-                      <a:pPr marL="0" marR="0" algn="ctr" rtl="0" eaLnBrk="1" latinLnBrk="0" hangingPunct="1">
-                        <a:lnSpc>
-                          <a:spcPct val="115000"/>
-                        </a:lnSpc>
-                        <a:spcBef>
-                          <a:spcPts val="0"/>
-                        </a:spcBef>
-                        <a:spcAft>
-                          <a:spcPts val="0"/>
-                        </a:spcAft>
-                      </a:pPr>
-                      <a:r>
-                        <a:rPr kumimoji="0" lang="en-US" kern="1200" dirty="0">
-                          <a:solidFill>
-                            <a:schemeClr val="bg1"/>
-                          </a:solidFill>
-                          <a:latin typeface="+mn-lt"/>
-                          <a:ea typeface="+mn-ea"/>
-                          <a:cs typeface="+mn-cs"/>
-                        </a:rPr>
-                        <a:t>35</a:t>
-                      </a:r>
-                    </a:p>
-                  </a:txBody>
-                  <a:tcPr marL="9525" marR="9525" marT="9525" marB="9525" anchor="ctr"/>
-                </a:tc>
-                <a:tc>
-                  <a:txBody>
-                    <a:bodyPr/>
-                    <a:lstStyle/>
-                    <a:p>
-                      <a:pPr marL="0" marR="0" algn="ctr" rtl="0" eaLnBrk="1" latinLnBrk="0" hangingPunct="1">
-                        <a:lnSpc>
-                          <a:spcPct val="115000"/>
-                        </a:lnSpc>
-                        <a:spcBef>
-                          <a:spcPts val="0"/>
-                        </a:spcBef>
-                        <a:spcAft>
-                          <a:spcPts val="0"/>
-                        </a:spcAft>
-                      </a:pPr>
-                      <a:r>
-                        <a:rPr kumimoji="0" lang="en-US" kern="1200" dirty="0">
-                          <a:solidFill>
-                            <a:schemeClr val="bg1"/>
-                          </a:solidFill>
-                          <a:latin typeface="+mn-lt"/>
-                          <a:ea typeface="+mn-ea"/>
-                          <a:cs typeface="+mn-cs"/>
-                        </a:rPr>
-                        <a:t>40</a:t>
-                      </a:r>
-                    </a:p>
-                  </a:txBody>
-                  <a:tcPr marL="9525" marR="9525" marT="9525" marB="9525" anchor="ctr"/>
-                </a:tc>
-                <a:tc>
-                  <a:txBody>
-                    <a:bodyPr/>
-                    <a:lstStyle/>
-                    <a:p>
-                      <a:pPr marL="0" marR="0" algn="ctr" rtl="0" eaLnBrk="1" latinLnBrk="0" hangingPunct="1">
-                        <a:lnSpc>
-                          <a:spcPct val="115000"/>
-                        </a:lnSpc>
-                        <a:spcBef>
-                          <a:spcPts val="0"/>
-                        </a:spcBef>
-                        <a:spcAft>
-                          <a:spcPts val="0"/>
-                        </a:spcAft>
-                      </a:pPr>
-                      <a:r>
-                        <a:rPr kumimoji="0" lang="en-US" kern="1200" dirty="0">
-                          <a:solidFill>
-                            <a:schemeClr val="bg1"/>
-                          </a:solidFill>
-                          <a:latin typeface="+mn-lt"/>
-                          <a:ea typeface="+mn-ea"/>
-                          <a:cs typeface="+mn-cs"/>
-                        </a:rPr>
-                        <a:t>45</a:t>
-                      </a:r>
-                    </a:p>
-                  </a:txBody>
-                  <a:tcPr marL="9525" marR="9525" marT="9525" marB="9525" anchor="ctr"/>
-                </a:tc>
-                <a:tc>
-                  <a:txBody>
-                    <a:bodyPr/>
-                    <a:lstStyle/>
-                    <a:p>
-                      <a:pPr marL="0" marR="0" algn="ctr" rtl="0" eaLnBrk="1" latinLnBrk="0" hangingPunct="1">
-                        <a:lnSpc>
-                          <a:spcPct val="115000"/>
-                        </a:lnSpc>
-                        <a:spcBef>
-                          <a:spcPts val="0"/>
-                        </a:spcBef>
-                        <a:spcAft>
-                          <a:spcPts val="0"/>
-                        </a:spcAft>
-                      </a:pPr>
-                      <a:r>
-                        <a:rPr kumimoji="0" lang="en-US" kern="1200" dirty="0">
-                          <a:solidFill>
-                            <a:schemeClr val="bg1"/>
-                          </a:solidFill>
-                          <a:latin typeface="+mn-lt"/>
-                          <a:ea typeface="+mn-ea"/>
-                          <a:cs typeface="+mn-cs"/>
-                        </a:rPr>
-                        <a:t>50</a:t>
-                      </a:r>
-                    </a:p>
-                  </a:txBody>
-                  <a:tcPr marL="9525" marR="9525" marT="9525" marB="9525" anchor="ctr"/>
-                </a:tc>
-                <a:tc>
-                  <a:txBody>
-                    <a:bodyPr/>
-                    <a:lstStyle/>
-                    <a:p>
-                      <a:pPr marL="0" marR="0" algn="ctr" rtl="0" eaLnBrk="1" latinLnBrk="0" hangingPunct="1">
-                        <a:lnSpc>
-                          <a:spcPct val="115000"/>
-                        </a:lnSpc>
-                        <a:spcBef>
-                          <a:spcPts val="0"/>
-                        </a:spcBef>
-                        <a:spcAft>
-                          <a:spcPts val="0"/>
-                        </a:spcAft>
-                      </a:pPr>
-                      <a:r>
-                        <a:rPr kumimoji="0" lang="en-US" kern="1200" dirty="0">
-                          <a:solidFill>
-                            <a:schemeClr val="bg1"/>
-                          </a:solidFill>
-                          <a:latin typeface="+mn-lt"/>
-                          <a:ea typeface="+mn-ea"/>
-                          <a:cs typeface="+mn-cs"/>
-                        </a:rPr>
-                        <a:t>55</a:t>
-                      </a:r>
-                    </a:p>
-                  </a:txBody>
-                  <a:tcPr marL="9525" marR="9525" marT="9525" marB="9525" anchor="ctr"/>
-                </a:tc>
-                <a:tc>
-                  <a:txBody>
-                    <a:bodyPr/>
-                    <a:lstStyle/>
-                    <a:p>
-                      <a:pPr marL="0" marR="0" algn="ctr" rtl="0" eaLnBrk="1" latinLnBrk="0" hangingPunct="1">
-                        <a:lnSpc>
-                          <a:spcPct val="115000"/>
-                        </a:lnSpc>
-                        <a:spcBef>
-                          <a:spcPts val="0"/>
-                        </a:spcBef>
-                        <a:spcAft>
-                          <a:spcPts val="0"/>
-                        </a:spcAft>
-                      </a:pPr>
-                      <a:r>
-                        <a:rPr kumimoji="0" lang="en-US" kern="1200" dirty="0">
-                          <a:solidFill>
-                            <a:schemeClr val="bg1"/>
-                          </a:solidFill>
-                          <a:latin typeface="+mn-lt"/>
-                          <a:ea typeface="+mn-ea"/>
-                          <a:cs typeface="+mn-cs"/>
-                        </a:rPr>
-                        <a:t>60</a:t>
-                      </a:r>
-                    </a:p>
-                  </a:txBody>
-                  <a:tcPr marL="9525" marR="9525" marT="9525" marB="9525" anchor="ctr"/>
-                </a:tc>
-              </a:tr>
-              <a:tr h="370840">
-                <a:tc>
-                  <a:txBody>
-                    <a:bodyPr/>
-                    <a:lstStyle/>
-                    <a:p>
-                      <a:pPr marL="0" algn="ctr" rtl="0" eaLnBrk="1" latinLnBrk="0" hangingPunct="1"/>
-                      <a:r>
-                        <a:rPr kumimoji="0" lang="en-US" kern="1200" dirty="0" smtClean="0">
-                          <a:solidFill>
-                            <a:schemeClr val="dk1"/>
-                          </a:solidFill>
-                          <a:latin typeface="+mn-lt"/>
-                          <a:ea typeface="+mn-ea"/>
-                          <a:cs typeface="+mn-cs"/>
-                        </a:rPr>
-                        <a:t>P</a:t>
-                      </a:r>
-                      <a:endParaRPr kumimoji="0" lang="en-US" kern="1200" dirty="0">
-                        <a:solidFill>
-                          <a:schemeClr val="dk1"/>
-                        </a:solidFill>
-                        <a:latin typeface="+mn-lt"/>
-                        <a:ea typeface="+mn-ea"/>
-                        <a:cs typeface="+mn-cs"/>
-                      </a:endParaRPr>
-                    </a:p>
-                  </a:txBody>
-                  <a:tcPr marL="59765" marR="59765" marT="29882" marB="29882" anchor="ctr"/>
-                </a:tc>
-                <a:tc>
-                  <a:txBody>
-                    <a:bodyPr/>
-                    <a:lstStyle/>
-                    <a:p>
-                      <a:pPr marL="0" marR="0" algn="ctr" rtl="0" eaLnBrk="1" latinLnBrk="0" hangingPunct="1">
-                        <a:lnSpc>
-                          <a:spcPct val="115000"/>
-                        </a:lnSpc>
-                        <a:spcBef>
-                          <a:spcPts val="0"/>
-                        </a:spcBef>
-                        <a:spcAft>
-                          <a:spcPts val="0"/>
-                        </a:spcAft>
-                      </a:pPr>
-                      <a:r>
-                        <a:rPr kumimoji="0" lang="en-US" kern="1200" dirty="0">
-                          <a:solidFill>
-                            <a:schemeClr val="dk1"/>
-                          </a:solidFill>
-                          <a:latin typeface="+mn-lt"/>
-                          <a:ea typeface="+mn-ea"/>
-                          <a:cs typeface="+mn-cs"/>
-                        </a:rPr>
-                        <a:t>100</a:t>
-                      </a:r>
-                    </a:p>
-                  </a:txBody>
-                  <a:tcPr marL="9525" marR="9525" marT="9525" marB="9525" anchor="ctr"/>
-                </a:tc>
-                <a:tc>
-                  <a:txBody>
-                    <a:bodyPr/>
-                    <a:lstStyle/>
-                    <a:p>
-                      <a:pPr marL="0" marR="0" algn="ctr" rtl="0" eaLnBrk="1" latinLnBrk="0" hangingPunct="1">
-                        <a:lnSpc>
-                          <a:spcPct val="115000"/>
-                        </a:lnSpc>
-                        <a:spcBef>
-                          <a:spcPts val="0"/>
-                        </a:spcBef>
-                        <a:spcAft>
-                          <a:spcPts val="0"/>
-                        </a:spcAft>
-                      </a:pPr>
-                      <a:r>
-                        <a:rPr kumimoji="0" lang="en-US" kern="1200" dirty="0">
-                          <a:solidFill>
-                            <a:schemeClr val="dk1"/>
-                          </a:solidFill>
-                          <a:latin typeface="+mn-lt"/>
-                          <a:ea typeface="+mn-ea"/>
-                          <a:cs typeface="+mn-cs"/>
-                        </a:rPr>
-                        <a:t>48</a:t>
-                      </a:r>
-                    </a:p>
-                  </a:txBody>
-                  <a:tcPr marL="9525" marR="9525" marT="9525" marB="9525" anchor="ctr"/>
-                </a:tc>
-                <a:tc>
-                  <a:txBody>
-                    <a:bodyPr/>
-                    <a:lstStyle/>
-                    <a:p>
-                      <a:pPr marL="0" marR="0" algn="ctr" rtl="0" eaLnBrk="1" latinLnBrk="0" hangingPunct="1">
-                        <a:lnSpc>
-                          <a:spcPct val="115000"/>
-                        </a:lnSpc>
-                        <a:spcBef>
-                          <a:spcPts val="0"/>
-                        </a:spcBef>
-                        <a:spcAft>
-                          <a:spcPts val="0"/>
-                        </a:spcAft>
-                      </a:pPr>
-                      <a:r>
-                        <a:rPr kumimoji="0" lang="en-US" kern="1200" dirty="0">
-                          <a:solidFill>
-                            <a:schemeClr val="dk1"/>
-                          </a:solidFill>
-                          <a:latin typeface="+mn-lt"/>
-                          <a:ea typeface="+mn-ea"/>
-                          <a:cs typeface="+mn-cs"/>
-                        </a:rPr>
-                        <a:t>41</a:t>
-                      </a:r>
-                    </a:p>
-                  </a:txBody>
-                  <a:tcPr marL="9525" marR="9525" marT="9525" marB="9525" anchor="ctr"/>
-                </a:tc>
-                <a:tc>
-                  <a:txBody>
-                    <a:bodyPr/>
-                    <a:lstStyle/>
-                    <a:p>
-                      <a:pPr marL="0" marR="0" algn="ctr" rtl="0" eaLnBrk="1" latinLnBrk="0" hangingPunct="1">
-                        <a:lnSpc>
-                          <a:spcPct val="115000"/>
-                        </a:lnSpc>
-                        <a:spcBef>
-                          <a:spcPts val="0"/>
-                        </a:spcBef>
-                        <a:spcAft>
-                          <a:spcPts val="0"/>
-                        </a:spcAft>
-                      </a:pPr>
-                      <a:r>
-                        <a:rPr kumimoji="0" lang="en-US" kern="1200" dirty="0">
-                          <a:solidFill>
-                            <a:schemeClr val="dk1"/>
-                          </a:solidFill>
-                          <a:latin typeface="+mn-lt"/>
-                          <a:ea typeface="+mn-ea"/>
-                          <a:cs typeface="+mn-cs"/>
-                        </a:rPr>
-                        <a:t>36</a:t>
-                      </a:r>
-                    </a:p>
-                  </a:txBody>
-                  <a:tcPr marL="9525" marR="9525" marT="9525" marB="9525" anchor="ctr"/>
-                </a:tc>
-                <a:tc>
-                  <a:txBody>
-                    <a:bodyPr/>
-                    <a:lstStyle/>
-                    <a:p>
-                      <a:pPr marL="0" marR="0" algn="ctr" rtl="0" eaLnBrk="1" latinLnBrk="0" hangingPunct="1">
-                        <a:lnSpc>
-                          <a:spcPct val="115000"/>
-                        </a:lnSpc>
-                        <a:spcBef>
-                          <a:spcPts val="0"/>
-                        </a:spcBef>
-                        <a:spcAft>
-                          <a:spcPts val="0"/>
-                        </a:spcAft>
-                      </a:pPr>
-                      <a:r>
-                        <a:rPr kumimoji="0" lang="en-US" kern="1200" dirty="0">
-                          <a:solidFill>
-                            <a:schemeClr val="dk1"/>
-                          </a:solidFill>
-                          <a:latin typeface="+mn-lt"/>
-                          <a:ea typeface="+mn-ea"/>
-                          <a:cs typeface="+mn-cs"/>
-                        </a:rPr>
-                        <a:t>33</a:t>
-                      </a:r>
-                    </a:p>
-                  </a:txBody>
-                  <a:tcPr marL="9525" marR="9525" marT="9525" marB="9525" anchor="ctr"/>
-                </a:tc>
-                <a:tc>
-                  <a:txBody>
-                    <a:bodyPr/>
-                    <a:lstStyle/>
-                    <a:p>
-                      <a:pPr marL="0" marR="0" algn="ctr" rtl="0" eaLnBrk="1" latinLnBrk="0" hangingPunct="1">
-                        <a:lnSpc>
-                          <a:spcPct val="115000"/>
-                        </a:lnSpc>
-                        <a:spcBef>
-                          <a:spcPts val="0"/>
-                        </a:spcBef>
-                        <a:spcAft>
-                          <a:spcPts val="0"/>
-                        </a:spcAft>
-                      </a:pPr>
-                      <a:r>
-                        <a:rPr kumimoji="0" lang="en-US" kern="1200" dirty="0">
-                          <a:solidFill>
-                            <a:schemeClr val="dk1"/>
-                          </a:solidFill>
-                          <a:latin typeface="+mn-lt"/>
-                          <a:ea typeface="+mn-ea"/>
-                          <a:cs typeface="+mn-cs"/>
-                        </a:rPr>
-                        <a:t>30</a:t>
-                      </a:r>
-                    </a:p>
-                  </a:txBody>
-                  <a:tcPr marL="9525" marR="9525" marT="9525" marB="9525" anchor="ctr"/>
-                </a:tc>
-                <a:tc>
-                  <a:txBody>
-                    <a:bodyPr/>
-                    <a:lstStyle/>
-                    <a:p>
-                      <a:pPr marL="0" marR="0" algn="ctr" rtl="0" eaLnBrk="1" latinLnBrk="0" hangingPunct="1">
-                        <a:lnSpc>
-                          <a:spcPct val="115000"/>
-                        </a:lnSpc>
-                        <a:spcBef>
-                          <a:spcPts val="0"/>
-                        </a:spcBef>
-                        <a:spcAft>
-                          <a:spcPts val="0"/>
-                        </a:spcAft>
-                      </a:pPr>
-                      <a:r>
-                        <a:rPr kumimoji="0" lang="en-US" kern="1200" dirty="0">
-                          <a:solidFill>
-                            <a:schemeClr val="dk1"/>
-                          </a:solidFill>
-                          <a:latin typeface="+mn-lt"/>
-                          <a:ea typeface="+mn-ea"/>
-                          <a:cs typeface="+mn-cs"/>
-                        </a:rPr>
-                        <a:t>28</a:t>
-                      </a:r>
-                    </a:p>
-                  </a:txBody>
-                  <a:tcPr marL="9525" marR="9525" marT="9525" marB="9525" anchor="ctr"/>
-                </a:tc>
-                <a:tc>
-                  <a:txBody>
-                    <a:bodyPr/>
-                    <a:lstStyle/>
-                    <a:p>
-                      <a:pPr marL="0" marR="0" algn="ctr" rtl="0" eaLnBrk="1" latinLnBrk="0" hangingPunct="1">
-                        <a:lnSpc>
-                          <a:spcPct val="115000"/>
-                        </a:lnSpc>
-                        <a:spcBef>
-                          <a:spcPts val="0"/>
-                        </a:spcBef>
-                        <a:spcAft>
-                          <a:spcPts val="0"/>
-                        </a:spcAft>
-                      </a:pPr>
-                      <a:r>
-                        <a:rPr kumimoji="0" lang="en-US" kern="1200" dirty="0">
-                          <a:solidFill>
-                            <a:schemeClr val="dk1"/>
-                          </a:solidFill>
-                          <a:latin typeface="+mn-lt"/>
-                          <a:ea typeface="+mn-ea"/>
-                          <a:cs typeface="+mn-cs"/>
-                        </a:rPr>
-                        <a:t>26</a:t>
-                      </a:r>
-                    </a:p>
-                  </a:txBody>
-                  <a:tcPr marL="9525" marR="9525" marT="9525" marB="9525" anchor="ctr"/>
-                </a:tc>
-                <a:tc>
-                  <a:txBody>
-                    <a:bodyPr/>
-                    <a:lstStyle/>
-                    <a:p>
-                      <a:pPr marL="0" marR="0" algn="ctr" rtl="0" eaLnBrk="1" latinLnBrk="0" hangingPunct="1">
-                        <a:lnSpc>
-                          <a:spcPct val="115000"/>
-                        </a:lnSpc>
-                        <a:spcBef>
-                          <a:spcPts val="0"/>
-                        </a:spcBef>
-                        <a:spcAft>
-                          <a:spcPts val="0"/>
-                        </a:spcAft>
-                      </a:pPr>
-                      <a:r>
-                        <a:rPr kumimoji="0" lang="en-US" kern="1200" dirty="0">
-                          <a:solidFill>
-                            <a:schemeClr val="dk1"/>
-                          </a:solidFill>
-                          <a:latin typeface="+mn-lt"/>
-                          <a:ea typeface="+mn-ea"/>
-                          <a:cs typeface="+mn-cs"/>
-                        </a:rPr>
-                        <a:t>25</a:t>
-                      </a:r>
-                    </a:p>
-                  </a:txBody>
-                  <a:tcPr marL="9525" marR="9525" marT="9525" marB="9525" anchor="ctr"/>
-                </a:tc>
-                <a:tc>
-                  <a:txBody>
-                    <a:bodyPr/>
-                    <a:lstStyle/>
-                    <a:p>
-                      <a:pPr marL="0" marR="0" algn="ctr" rtl="0" eaLnBrk="1" latinLnBrk="0" hangingPunct="1">
-                        <a:lnSpc>
-                          <a:spcPct val="115000"/>
-                        </a:lnSpc>
-                        <a:spcBef>
-                          <a:spcPts val="0"/>
-                        </a:spcBef>
-                        <a:spcAft>
-                          <a:spcPts val="0"/>
-                        </a:spcAft>
-                      </a:pPr>
-                      <a:r>
-                        <a:rPr kumimoji="0" lang="en-US" kern="1200" dirty="0">
-                          <a:solidFill>
-                            <a:schemeClr val="dk1"/>
-                          </a:solidFill>
-                          <a:latin typeface="+mn-lt"/>
-                          <a:ea typeface="+mn-ea"/>
-                          <a:cs typeface="+mn-cs"/>
-                        </a:rPr>
-                        <a:t>23</a:t>
-                      </a:r>
-                    </a:p>
-                  </a:txBody>
-                  <a:tcPr marL="9525" marR="9525" marT="9525" marB="9525" anchor="ctr"/>
-                </a:tc>
-                <a:tc>
-                  <a:txBody>
-                    <a:bodyPr/>
-                    <a:lstStyle/>
-                    <a:p>
-                      <a:pPr marL="0" marR="0" algn="ctr" rtl="0" eaLnBrk="1" latinLnBrk="0" hangingPunct="1">
-                        <a:lnSpc>
-                          <a:spcPct val="115000"/>
-                        </a:lnSpc>
-                        <a:spcBef>
-                          <a:spcPts val="0"/>
-                        </a:spcBef>
-                        <a:spcAft>
-                          <a:spcPts val="0"/>
-                        </a:spcAft>
-                      </a:pPr>
-                      <a:r>
-                        <a:rPr kumimoji="0" lang="en-US" kern="1200" dirty="0">
-                          <a:solidFill>
-                            <a:schemeClr val="dk1"/>
-                          </a:solidFill>
-                          <a:latin typeface="+mn-lt"/>
-                          <a:ea typeface="+mn-ea"/>
-                          <a:cs typeface="+mn-cs"/>
-                        </a:rPr>
-                        <a:t>22</a:t>
-                      </a:r>
-                    </a:p>
-                  </a:txBody>
-                  <a:tcPr marL="9525" marR="9525" marT="9525" marB="9525" anchor="ctr"/>
-                </a:tc>
-                <a:tc>
-                  <a:txBody>
-                    <a:bodyPr/>
-                    <a:lstStyle/>
-                    <a:p>
-                      <a:pPr marL="0" marR="0" algn="ctr" rtl="0" eaLnBrk="1" latinLnBrk="0" hangingPunct="1">
-                        <a:lnSpc>
-                          <a:spcPct val="115000"/>
-                        </a:lnSpc>
-                        <a:spcBef>
-                          <a:spcPts val="0"/>
-                        </a:spcBef>
-                        <a:spcAft>
-                          <a:spcPts val="0"/>
-                        </a:spcAft>
-                      </a:pPr>
-                      <a:r>
-                        <a:rPr kumimoji="0" lang="en-US" kern="1200" dirty="0">
-                          <a:solidFill>
-                            <a:schemeClr val="dk1"/>
-                          </a:solidFill>
-                          <a:latin typeface="+mn-lt"/>
-                          <a:ea typeface="+mn-ea"/>
-                          <a:cs typeface="+mn-cs"/>
-                        </a:rPr>
-                        <a:t>21</a:t>
-                      </a:r>
-                    </a:p>
-                  </a:txBody>
-                  <a:tcPr marL="9525" marR="9525" marT="9525" marB="9525" anchor="ctr"/>
-                </a:tc>
-                <a:tc>
-                  <a:txBody>
-                    <a:bodyPr/>
-                    <a:lstStyle/>
-                    <a:p>
-                      <a:pPr marL="0" marR="0" algn="ctr" rtl="0" eaLnBrk="1" latinLnBrk="0" hangingPunct="1">
-                        <a:lnSpc>
-                          <a:spcPct val="115000"/>
-                        </a:lnSpc>
-                        <a:spcBef>
-                          <a:spcPts val="0"/>
-                        </a:spcBef>
-                        <a:spcAft>
-                          <a:spcPts val="0"/>
-                        </a:spcAft>
-                      </a:pPr>
-                      <a:r>
-                        <a:rPr kumimoji="0" lang="en-US" kern="1200" dirty="0">
-                          <a:solidFill>
-                            <a:schemeClr val="dk1"/>
-                          </a:solidFill>
-                          <a:latin typeface="+mn-lt"/>
-                          <a:ea typeface="+mn-ea"/>
-                          <a:cs typeface="+mn-cs"/>
-                        </a:rPr>
-                        <a:t>20</a:t>
-                      </a:r>
-                    </a:p>
-                  </a:txBody>
-                  <a:tcPr marL="9525" marR="9525" marT="9525" marB="9525" anchor="ctr"/>
-                </a:tc>
-              </a:tr>
-            </a:tbl>
-          </a:graphicData>
-        </a:graphic>
-      </p:graphicFrame>
       <p:pic>
         <p:nvPicPr>
           <p:cNvPr id="2050" name="Picture 2" descr="C:\Users\hayoub\Downloads\blue-smiley-md.png"/>
@@ -11340,8 +10361,8 @@
         </p:blipFill>
         <p:spPr bwMode="auto">
           <a:xfrm>
-            <a:off x="1066800" y="2438400"/>
-            <a:ext cx="839035" cy="822325"/>
+            <a:off x="1066801" y="2032000"/>
+            <a:ext cx="839035" cy="685271"/>
           </a:xfrm>
           <a:prstGeom prst="rect">
             <a:avLst/>
@@ -11366,8 +10387,8 @@
         </p:blipFill>
         <p:spPr bwMode="auto">
           <a:xfrm>
-            <a:off x="7848600" y="5105400"/>
-            <a:ext cx="690562" cy="922548"/>
+            <a:off x="8153400" y="3467100"/>
+            <a:ext cx="690562" cy="768790"/>
           </a:xfrm>
           <a:prstGeom prst="rect">
             <a:avLst/>
@@ -11380,7 +10401,7 @@
   <p:clrMapOvr>
     <a:masterClrMapping/>
   </p:clrMapOvr>
-  <p:transition advClick="0" advTm="2000">
+  <p:transition advClick="0" advTm="10000">
     <p:wedge/>
   </p:transition>
   <p:timing>
@@ -11453,7 +10474,7 @@
                               <p:par>
                                 <p:cTn id="9" presetID="3" presetClass="entr" presetSubtype="10" fill="hold" nodeType="afterEffect">
                                   <p:stCondLst>
-                                    <p:cond delay="0"/>
+                                    <p:cond delay="3000"/>
                                   </p:stCondLst>
                                   <p:childTnLst>
                                     <p:set>
@@ -11499,13 +10520,13 @@
                         <p:par>
                           <p:cTn id="12" fill="hold">
                             <p:stCondLst>
-                              <p:cond delay="4000"/>
+                              <p:cond delay="7000"/>
                             </p:stCondLst>
                             <p:childTnLst>
                               <p:par>
                                 <p:cTn id="13" presetID="3" presetClass="entr" presetSubtype="10" fill="hold" nodeType="afterEffect">
                                   <p:stCondLst>
-                                    <p:cond delay="0"/>
+                                    <p:cond delay="3000"/>
                                   </p:stCondLst>
                                   <p:childTnLst>
                                     <p:set>
@@ -11551,7 +10572,7 @@
                         <p:par>
                           <p:cTn id="16" fill="hold">
                             <p:stCondLst>
-                              <p:cond delay="6000"/>
+                              <p:cond delay="12000"/>
                             </p:stCondLst>
                             <p:childTnLst>
                               <p:par>
@@ -11633,7 +10654,7 @@
                         <p:par>
                           <p:cTn id="21" fill="hold">
                             <p:stCondLst>
-                              <p:cond delay="8000"/>
+                              <p:cond delay="14000"/>
                             </p:stCondLst>
                             <p:childTnLst>
                               <p:par>
@@ -11677,13 +10698,13 @@
                         <p:par>
                           <p:cTn id="25" fill="hold">
                             <p:stCondLst>
-                              <p:cond delay="10000"/>
+                              <p:cond delay="16000"/>
                             </p:stCondLst>
                             <p:childTnLst>
                               <p:par>
                                 <p:cTn id="26" presetID="4" presetClass="entr" presetSubtype="16" fill="hold" nodeType="afterEffect">
                                   <p:stCondLst>
-                                    <p:cond delay="0"/>
+                                    <p:cond delay="3000"/>
                                   </p:stCondLst>
                                   <p:childTnLst>
                                     <p:set>
@@ -11696,7 +10717,7 @@
                                         <p:tgtEl>
                                           <p:spTgt spid="3">
                                             <p:txEl>
-                                              <p:pRg st="6" end="6"/>
+                                              <p:pRg st="5" end="5"/>
                                             </p:txEl>
                                           </p:spTgt>
                                         </p:tgtEl>
@@ -11714,7 +10735,7 @@
                                         <p:tgtEl>
                                           <p:spTgt spid="3">
                                             <p:txEl>
-                                              <p:pRg st="6" end="6"/>
+                                              <p:pRg st="5" end="5"/>
                                             </p:txEl>
                                           </p:spTgt>
                                         </p:tgtEl>
@@ -11729,13 +10750,13 @@
                         <p:par>
                           <p:cTn id="29" fill="hold">
                             <p:stCondLst>
-                              <p:cond delay="12000"/>
+                              <p:cond delay="21000"/>
                             </p:stCondLst>
                             <p:childTnLst>
                               <p:par>
                                 <p:cTn id="30" presetID="4" presetClass="entr" presetSubtype="16" fill="hold" nodeType="afterEffect">
                                   <p:stCondLst>
-                                    <p:cond delay="0"/>
+                                    <p:cond delay="3000"/>
                                   </p:stCondLst>
                                   <p:childTnLst>
                                     <p:set>
@@ -11748,7 +10769,7 @@
                                         <p:tgtEl>
                                           <p:spTgt spid="3">
                                             <p:txEl>
-                                              <p:pRg st="7" end="7"/>
+                                              <p:pRg st="6" end="6"/>
                                             </p:txEl>
                                           </p:spTgt>
                                         </p:tgtEl>
@@ -11766,7 +10787,7 @@
                                         <p:tgtEl>
                                           <p:spTgt spid="3">
                                             <p:txEl>
-                                              <p:pRg st="7" end="7"/>
+                                              <p:pRg st="6" end="6"/>
                                             </p:txEl>
                                           </p:spTgt>
                                         </p:tgtEl>
@@ -11781,13 +10802,13 @@
                         <p:par>
                           <p:cTn id="33" fill="hold">
                             <p:stCondLst>
-                              <p:cond delay="14000"/>
+                              <p:cond delay="26000"/>
                             </p:stCondLst>
                             <p:childTnLst>
                               <p:par>
                                 <p:cTn id="34" presetID="4" presetClass="entr" presetSubtype="16" fill="hold" nodeType="afterEffect">
                                   <p:stCondLst>
-                                    <p:cond delay="0"/>
+                                    <p:cond delay="3000"/>
                                   </p:stCondLst>
                                   <p:childTnLst>
                                     <p:set>
@@ -11800,7 +10821,7 @@
                                         <p:tgtEl>
                                           <p:spTgt spid="3">
                                             <p:txEl>
-                                              <p:pRg st="8" end="8"/>
+                                              <p:pRg st="7" end="7"/>
                                             </p:txEl>
                                           </p:spTgt>
                                         </p:tgtEl>
@@ -11818,7 +10839,7 @@
                                         <p:tgtEl>
                                           <p:spTgt spid="3">
                                             <p:txEl>
-                                              <p:pRg st="8" end="8"/>
+                                              <p:pRg st="7" end="7"/>
                                             </p:txEl>
                                           </p:spTgt>
                                         </p:tgtEl>
@@ -11833,7 +10854,7 @@
                         <p:par>
                           <p:cTn id="37" fill="hold">
                             <p:stCondLst>
-                              <p:cond delay="16000"/>
+                              <p:cond delay="31000"/>
                             </p:stCondLst>
                             <p:childTnLst>
                               <p:par>
@@ -11915,11 +10936,11 @@
                         <p:par>
                           <p:cTn id="42" fill="hold">
                             <p:stCondLst>
-                              <p:cond delay="18000"/>
+                              <p:cond delay="33000"/>
                             </p:stCondLst>
                             <p:childTnLst>
                               <p:par>
-                                <p:cTn id="43" presetID="2" presetClass="entr" presetSubtype="4" fill="hold" nodeType="afterEffect">
+                                <p:cTn id="43" presetID="4" presetClass="entr" presetSubtype="16" fill="hold" nodeType="afterEffect">
                                   <p:stCondLst>
                                     <p:cond delay="0"/>
                                   </p:stCondLst>
@@ -11932,88 +10953,6 @@
                                           </p:stCondLst>
                                         </p:cTn>
                                         <p:tgtEl>
-                                          <p:spTgt spid="7"/>
-                                        </p:tgtEl>
-                                        <p:attrNameLst>
-                                          <p:attrName>style.visibility</p:attrName>
-                                        </p:attrNameLst>
-                                      </p:cBhvr>
-                                      <p:to>
-                                        <p:strVal val="visible"/>
-                                      </p:to>
-                                    </p:set>
-                                    <p:anim calcmode="lin" valueType="num">
-                                      <p:cBhvr additive="base">
-                                        <p:cTn id="45" dur="2000" fill="hold"/>
-                                        <p:tgtEl>
-                                          <p:spTgt spid="7"/>
-                                        </p:tgtEl>
-                                        <p:attrNameLst>
-                                          <p:attrName>ppt_x</p:attrName>
-                                        </p:attrNameLst>
-                                      </p:cBhvr>
-                                      <p:tavLst>
-                                        <p:tav tm="0">
-                                          <p:val>
-                                            <p:strVal val="#ppt_x"/>
-                                          </p:val>
-                                        </p:tav>
-                                        <p:tav tm="100000">
-                                          <p:val>
-                                            <p:strVal val="#ppt_x"/>
-                                          </p:val>
-                                        </p:tav>
-                                      </p:tavLst>
-                                    </p:anim>
-                                    <p:anim calcmode="lin" valueType="num">
-                                      <p:cBhvr additive="base">
-                                        <p:cTn id="46" dur="2000" fill="hold"/>
-                                        <p:tgtEl>
-                                          <p:spTgt spid="7"/>
-                                        </p:tgtEl>
-                                        <p:attrNameLst>
-                                          <p:attrName>ppt_y</p:attrName>
-                                        </p:attrNameLst>
-                                      </p:cBhvr>
-                                      <p:tavLst>
-                                        <p:tav tm="0">
-                                          <p:val>
-                                            <p:strVal val="1+#ppt_h/2"/>
-                                          </p:val>
-                                        </p:tav>
-                                        <p:tav tm="100000">
-                                          <p:val>
-                                            <p:strVal val="#ppt_y"/>
-                                          </p:val>
-                                        </p:tav>
-                                      </p:tavLst>
-                                    </p:anim>
-                                  </p:childTnLst>
-                                </p:cTn>
-                              </p:par>
-                            </p:childTnLst>
-                          </p:cTn>
-                        </p:par>
-                        <p:par>
-                          <p:cTn id="47" fill="hold">
-                            <p:stCondLst>
-                              <p:cond delay="20000"/>
-                            </p:stCondLst>
-                            <p:childTnLst>
-                              <p:par>
-                                <p:cTn id="48" presetID="4" presetClass="entr" presetSubtype="16" fill="hold" nodeType="afterEffect">
-                                  <p:stCondLst>
-                                    <p:cond delay="0"/>
-                                  </p:stCondLst>
-                                  <p:childTnLst>
-                                    <p:set>
-                                      <p:cBhvr>
-                                        <p:cTn id="49" dur="1" fill="hold">
-                                          <p:stCondLst>
-                                            <p:cond delay="0"/>
-                                          </p:stCondLst>
-                                        </p:cTn>
-                                        <p:tgtEl>
                                           <p:spTgt spid="2051"/>
                                         </p:tgtEl>
                                         <p:attrNameLst>
@@ -12026,7 +10965,7 @@
                                     </p:set>
                                     <p:animEffect transition="in" filter="box(in)">
                                       <p:cBhvr>
-                                        <p:cTn id="50" dur="2000"/>
+                                        <p:cTn id="45" dur="2000"/>
                                         <p:tgtEl>
                                           <p:spTgt spid="2051"/>
                                         </p:tgtEl>
@@ -12098,8 +11037,8 @@
         </p:nvSpPr>
         <p:spPr>
           <a:xfrm>
-            <a:off x="304800" y="-152400"/>
-            <a:ext cx="8229600" cy="1143000"/>
+            <a:off x="304800" y="-127000"/>
+            <a:ext cx="8229600" cy="952500"/>
           </a:xfrm>
         </p:spPr>
         <p:txBody>
@@ -12111,7 +11050,21 @@
                 <a:latin typeface="Times New Roman" pitchFamily="18" charset="0"/>
                 <a:cs typeface="Times New Roman" pitchFamily="18" charset="0"/>
               </a:rPr>
-              <a:t>Conclusion: Can DHT be implemented?</a:t>
+              <a:t>Conclusion: Can </a:t>
+            </a:r>
+            <a:r>
+              <a:rPr lang="en-US" sz="3500" dirty="0" smtClean="0">
+                <a:latin typeface="Times New Roman" pitchFamily="18" charset="0"/>
+                <a:cs typeface="Times New Roman" pitchFamily="18" charset="0"/>
+              </a:rPr>
+              <a:t>a DHT </a:t>
+            </a:r>
+            <a:r>
+              <a:rPr lang="en-US" sz="3500" dirty="0" smtClean="0">
+                <a:latin typeface="Times New Roman" pitchFamily="18" charset="0"/>
+                <a:cs typeface="Times New Roman" pitchFamily="18" charset="0"/>
+              </a:rPr>
+              <a:t>be implemented?</a:t>
             </a:r>
           </a:p>
         </p:txBody>
@@ -12128,8 +11081,8 @@
         </p:nvSpPr>
         <p:spPr>
           <a:xfrm>
-            <a:off x="304800" y="1295401"/>
-            <a:ext cx="8382000" cy="5029200"/>
+            <a:off x="304800" y="1079501"/>
+            <a:ext cx="8382000" cy="4191000"/>
           </a:xfrm>
         </p:spPr>
         <p:txBody>
@@ -12160,14 +11113,7 @@
                 <a:latin typeface="Times New Roman" pitchFamily="18" charset="0"/>
                 <a:cs typeface="Times New Roman" pitchFamily="18" charset="0"/>
               </a:rPr>
-              <a:t> Approach: </a:t>
-            </a:r>
-            <a:r>
-              <a:rPr lang="en-US" dirty="0" smtClean="0">
-                <a:latin typeface="Times New Roman" pitchFamily="18" charset="0"/>
-                <a:cs typeface="Times New Roman" pitchFamily="18" charset="0"/>
-              </a:rPr>
-              <a:t>Dynamic Analysis</a:t>
+              <a:t> Approach: Dynamic Analysis</a:t>
             </a:r>
           </a:p>
           <a:p>
@@ -12263,8 +11209,8 @@
         </p:nvSpPr>
         <p:spPr bwMode="auto">
           <a:xfrm>
-            <a:off x="0" y="0"/>
-            <a:ext cx="9144000" cy="0"/>
+            <a:off x="0" y="-184666"/>
+            <a:ext cx="184731" cy="369332"/>
           </a:xfrm>
           <a:prstGeom prst="rect">
             <a:avLst/>
@@ -12334,8 +11280,8 @@
         </p:blipFill>
         <p:spPr bwMode="auto">
           <a:xfrm>
-            <a:off x="7391400" y="3581400"/>
-            <a:ext cx="909637" cy="891739"/>
+            <a:off x="7391400" y="2984500"/>
+            <a:ext cx="909637" cy="743116"/>
           </a:xfrm>
           <a:prstGeom prst="rect">
             <a:avLst/>
@@ -12352,8 +11298,8 @@
           <p:nvPr/>
         </p:nvGraphicFramePr>
         <p:xfrm>
-          <a:off x="3124200" y="3429000"/>
-          <a:ext cx="2183130" cy="1809878"/>
+          <a:off x="3124200" y="2857500"/>
+          <a:ext cx="2183130" cy="1508232"/>
         </p:xfrm>
         <a:graphic>
           <a:graphicData uri="http://schemas.openxmlformats.org/drawingml/2006/table">
@@ -12362,7 +11308,7 @@
               <a:tblGrid>
                 <a:gridCol w="2183130"/>
               </a:tblGrid>
-              <a:tr h="297115">
+              <a:tr h="247596">
                 <a:tc>
                   <a:txBody>
                     <a:bodyPr/>
@@ -12380,14 +11326,14 @@
                         </a:spcAft>
                       </a:pPr>
                       <a:r>
-                        <a:rPr lang="en-US" sz="1200" b="1" i="1" dirty="0">
+                        <a:rPr lang="en-US" sz="1000" b="1" i="1" dirty="0">
                           <a:latin typeface="Times New Roman"/>
                           <a:ea typeface="Times New Roman"/>
                           <a:cs typeface="Arial"/>
                         </a:rPr>
                         <a:t>Heaviest Overlay Network</a:t>
                       </a:r>
-                      <a:endParaRPr lang="en-US" sz="1100" b="1" dirty="0">
+                      <a:endParaRPr lang="en-US" sz="900" b="1" dirty="0">
                         <a:latin typeface="Calibri"/>
                         <a:ea typeface="Times New Roman"/>
                         <a:cs typeface="Arial"/>
@@ -12437,7 +11383,7 @@
                   </a:tcPr>
                 </a:tc>
               </a:tr>
-              <a:tr h="290698">
+              <a:tr h="242248">
                 <a:tc>
                   <a:txBody>
                     <a:bodyPr/>
@@ -12454,7 +11400,7 @@
                           <a:spcPts val="0"/>
                         </a:spcAft>
                       </a:pPr>
-                      <a:endParaRPr lang="en-US" sz="1100" dirty="0">
+                      <a:endParaRPr lang="en-US" sz="900" dirty="0">
                         <a:latin typeface="Calibri"/>
                         <a:ea typeface="Times New Roman"/>
                         <a:cs typeface="Arial"/>
@@ -12504,7 +11450,7 @@
                   </a:tcPr>
                 </a:tc>
               </a:tr>
-              <a:tr h="290698">
+              <a:tr h="242248">
                 <a:tc>
                   <a:txBody>
                     <a:bodyPr/>
@@ -12521,7 +11467,7 @@
                           <a:spcPts val="0"/>
                         </a:spcAft>
                       </a:pPr>
-                      <a:endParaRPr lang="en-US" sz="1100" dirty="0">
+                      <a:endParaRPr lang="en-US" sz="900" dirty="0">
                         <a:latin typeface="Calibri"/>
                         <a:ea typeface="Times New Roman"/>
                         <a:cs typeface="Arial"/>
@@ -12571,7 +11517,7 @@
                   </a:tcPr>
                 </a:tc>
               </a:tr>
-              <a:tr h="317126">
+              <a:tr h="264272">
                 <a:tc>
                   <a:txBody>
                     <a:bodyPr/>
@@ -12589,14 +11535,14 @@
                         </a:spcAft>
                       </a:pPr>
                       <a:r>
-                        <a:rPr lang="en-US" sz="1200" i="1" dirty="0">
+                        <a:rPr lang="en-US" sz="1000" i="1" dirty="0">
                           <a:latin typeface="Times New Roman"/>
                           <a:ea typeface="Times New Roman"/>
                           <a:cs typeface="Arial"/>
                         </a:rPr>
                         <a:t>…</a:t>
                       </a:r>
-                      <a:endParaRPr lang="en-US" sz="1100" dirty="0">
+                      <a:endParaRPr lang="en-US" sz="900" dirty="0">
                         <a:latin typeface="Calibri"/>
                         <a:ea typeface="Times New Roman"/>
                         <a:cs typeface="Arial"/>
@@ -12646,7 +11592,7 @@
                   </a:tcPr>
                 </a:tc>
               </a:tr>
-              <a:tr h="317126">
+              <a:tr h="264272">
                 <a:tc>
                   <a:txBody>
                     <a:bodyPr/>
@@ -12664,14 +11610,14 @@
                         </a:spcAft>
                       </a:pPr>
                       <a:r>
-                        <a:rPr lang="en-US" sz="1200" i="1">
+                        <a:rPr lang="en-US" sz="1000" i="1">
                           <a:latin typeface="Times New Roman"/>
                           <a:ea typeface="Times New Roman"/>
                           <a:cs typeface="Arial"/>
                         </a:rPr>
                         <a:t>…</a:t>
                       </a:r>
-                      <a:endParaRPr lang="en-US" sz="1100">
+                      <a:endParaRPr lang="en-US" sz="900">
                         <a:latin typeface="Calibri"/>
                         <a:ea typeface="Times New Roman"/>
                         <a:cs typeface="Arial"/>
@@ -12721,7 +11667,7 @@
                   </a:tcPr>
                 </a:tc>
               </a:tr>
-              <a:tr h="297115">
+              <a:tr h="247596">
                 <a:tc>
                   <a:txBody>
                     <a:bodyPr/>
@@ -12739,14 +11685,14 @@
                         </a:spcAft>
                       </a:pPr>
                       <a:r>
-                        <a:rPr lang="en-US" sz="1200" b="1" i="1" dirty="0">
+                        <a:rPr lang="en-US" sz="1000" b="1" i="1" dirty="0">
                           <a:latin typeface="Times New Roman"/>
                           <a:ea typeface="Times New Roman"/>
                           <a:cs typeface="Arial"/>
                         </a:rPr>
                         <a:t>Lightest Overlay Network</a:t>
                       </a:r>
-                      <a:endParaRPr lang="en-US" sz="1100" b="1" dirty="0">
+                      <a:endParaRPr lang="en-US" sz="900" b="1" dirty="0">
                         <a:latin typeface="Calibri"/>
                         <a:ea typeface="Times New Roman"/>
                         <a:cs typeface="Arial"/>
@@ -12810,7 +11756,7 @@
         </p:nvSpPr>
         <p:spPr bwMode="auto">
           <a:xfrm>
-            <a:off x="1725930" y="5829300"/>
+            <a:off x="1725930" y="4857750"/>
             <a:ext cx="5047692" cy="0"/>
           </a:xfrm>
           <a:prstGeom prst="straightConnector1">
@@ -12849,8 +11795,8 @@
         </p:nvSpPr>
         <p:spPr bwMode="auto">
           <a:xfrm>
-            <a:off x="2497370" y="5619750"/>
-            <a:ext cx="0" cy="400050"/>
+            <a:off x="2497370" y="4683125"/>
+            <a:ext cx="0" cy="333375"/>
           </a:xfrm>
           <a:prstGeom prst="straightConnector1">
             <a:avLst/>
@@ -12889,8 +11835,8 @@
         </p:nvSpPr>
         <p:spPr bwMode="auto">
           <a:xfrm>
-            <a:off x="6621239" y="5715635"/>
-            <a:ext cx="851441" cy="284480"/>
+            <a:off x="6621240" y="4763029"/>
+            <a:ext cx="851441" cy="237067"/>
           </a:xfrm>
           <a:prstGeom prst="rect">
             <a:avLst/>
@@ -12966,8 +11912,8 @@
         </p:nvSpPr>
         <p:spPr bwMode="auto">
           <a:xfrm rot="10501126" flipV="1">
-            <a:off x="2501713" y="5130115"/>
-            <a:ext cx="584200" cy="342900"/>
+            <a:off x="2501713" y="4275096"/>
+            <a:ext cx="584200" cy="285750"/>
           </a:xfrm>
           <a:custGeom>
             <a:avLst/>
@@ -13054,8 +12000,8 @@
         </p:nvSpPr>
         <p:spPr bwMode="auto">
           <a:xfrm>
-            <a:off x="3630930" y="5619750"/>
-            <a:ext cx="0" cy="400050"/>
+            <a:off x="3630930" y="4683125"/>
+            <a:ext cx="0" cy="333375"/>
           </a:xfrm>
           <a:prstGeom prst="straightConnector1">
             <a:avLst/>
@@ -13094,8 +12040,8 @@
         </p:nvSpPr>
         <p:spPr bwMode="auto">
           <a:xfrm>
-            <a:off x="5383530" y="5619750"/>
-            <a:ext cx="0" cy="400050"/>
+            <a:off x="5383530" y="4683125"/>
+            <a:ext cx="0" cy="333375"/>
           </a:xfrm>
           <a:prstGeom prst="straightConnector1">
             <a:avLst/>
@@ -13134,8 +12080,8 @@
         </p:nvSpPr>
         <p:spPr bwMode="auto">
           <a:xfrm>
-            <a:off x="2487930" y="4800600"/>
-            <a:ext cx="1123951" cy="819150"/>
+            <a:off x="2487931" y="4000500"/>
+            <a:ext cx="1123951" cy="682625"/>
           </a:xfrm>
           <a:custGeom>
             <a:avLst/>
@@ -13203,8 +12149,8 @@
         </p:nvSpPr>
         <p:spPr bwMode="auto">
           <a:xfrm rot="21281171">
-            <a:off x="5355819" y="4398658"/>
-            <a:ext cx="1244600" cy="1104900"/>
+            <a:off x="5355819" y="3665548"/>
+            <a:ext cx="1244600" cy="920750"/>
           </a:xfrm>
           <a:custGeom>
             <a:avLst/>
@@ -13270,7 +12216,7 @@
         </p:nvSpPr>
         <p:spPr>
           <a:xfrm>
-            <a:off x="2030730" y="5879068"/>
+            <a:off x="2030731" y="4899223"/>
             <a:ext cx="915315" cy="369332"/>
           </a:xfrm>
           <a:prstGeom prst="rect">
@@ -13313,7 +12259,7 @@
         </p:nvSpPr>
         <p:spPr>
           <a:xfrm>
-            <a:off x="3361581" y="5889701"/>
+            <a:off x="3361581" y="4908084"/>
             <a:ext cx="389850" cy="369332"/>
           </a:xfrm>
           <a:prstGeom prst="rect">
@@ -13356,7 +12302,7 @@
         </p:nvSpPr>
         <p:spPr>
           <a:xfrm>
-            <a:off x="5110629" y="5879802"/>
+            <a:off x="5110629" y="4899835"/>
             <a:ext cx="389850" cy="369332"/>
           </a:xfrm>
           <a:prstGeom prst="rect">
@@ -13399,7 +12345,7 @@
         </p:nvSpPr>
         <p:spPr>
           <a:xfrm>
-            <a:off x="822367" y="3352800"/>
+            <a:off x="822368" y="2794000"/>
             <a:ext cx="1768433" cy="369332"/>
           </a:xfrm>
           <a:prstGeom prst="rect">
@@ -13435,8 +12381,8 @@
         </p:nvSpPr>
         <p:spPr>
           <a:xfrm>
-            <a:off x="2209800" y="6324600"/>
-            <a:ext cx="3926203" cy="369332"/>
+            <a:off x="2462517" y="5270500"/>
+            <a:ext cx="3862083" cy="369332"/>
           </a:xfrm>
           <a:prstGeom prst="rect">
             <a:avLst/>
@@ -13492,7 +12438,7 @@
         </p:nvSpPr>
         <p:spPr>
           <a:xfrm>
-            <a:off x="2667000" y="6324600"/>
+            <a:off x="2743200" y="5295900"/>
             <a:ext cx="3283976" cy="369332"/>
           </a:xfrm>
           <a:prstGeom prst="rect">
@@ -13511,14 +12457,28 @@
                 <a:latin typeface="Times New Roman" pitchFamily="18" charset="0"/>
                 <a:cs typeface="Times New Roman" pitchFamily="18" charset="0"/>
               </a:rPr>
-              <a:t>After T</a:t>
+              <a:t>After </a:t>
+            </a:r>
+            <a:r>
+              <a:rPr lang="en-US" i="1" dirty="0" smtClean="0">
+                <a:latin typeface="Times New Roman" pitchFamily="18" charset="0"/>
+                <a:cs typeface="Times New Roman" pitchFamily="18" charset="0"/>
+              </a:rPr>
+              <a:t>T</a:t>
             </a:r>
             <a:r>
               <a:rPr lang="en-US" i="1" baseline="-25000" dirty="0" smtClean="0">
                 <a:latin typeface="Times New Roman" pitchFamily="18" charset="0"/>
                 <a:cs typeface="Times New Roman" pitchFamily="18" charset="0"/>
               </a:rPr>
-              <a:t>3  </a:t>
+              <a:t>2</a:t>
+            </a:r>
+            <a:r>
+              <a:rPr lang="en-US" i="1" baseline="-25000" dirty="0" smtClean="0">
+                <a:latin typeface="Times New Roman" pitchFamily="18" charset="0"/>
+                <a:cs typeface="Times New Roman" pitchFamily="18" charset="0"/>
+              </a:rPr>
+              <a:t>  </a:t>
             </a:r>
             <a:r>
               <a:rPr lang="en-US" i="1" dirty="0" smtClean="0">
@@ -13556,7 +12516,7 @@
         </p:nvSpPr>
         <p:spPr>
           <a:xfrm>
-            <a:off x="3200400" y="6336268"/>
+            <a:off x="3581400" y="5295900"/>
             <a:ext cx="1697901" cy="369332"/>
           </a:xfrm>
           <a:prstGeom prst="rect">
@@ -13606,7 +12566,7 @@
         </p:nvSpPr>
         <p:spPr>
           <a:xfrm>
-            <a:off x="2514600" y="6324600"/>
+            <a:off x="2819400" y="5295900"/>
             <a:ext cx="3288080" cy="369332"/>
           </a:xfrm>
           <a:prstGeom prst="rect">
@@ -13625,21 +12585,35 @@
                 <a:latin typeface="Times New Roman" pitchFamily="18" charset="0"/>
                 <a:cs typeface="Times New Roman" pitchFamily="18" charset="0"/>
               </a:rPr>
-              <a:t>After T</a:t>
+              <a:t>After </a:t>
+            </a:r>
+            <a:r>
+              <a:rPr lang="en-US" i="1" dirty="0" smtClean="0">
+                <a:latin typeface="Times New Roman" pitchFamily="18" charset="0"/>
+                <a:cs typeface="Times New Roman" pitchFamily="18" charset="0"/>
+              </a:rPr>
+              <a:t>T</a:t>
             </a:r>
             <a:r>
               <a:rPr lang="en-US" i="1" baseline="-25000" dirty="0" smtClean="0">
                 <a:latin typeface="Times New Roman" pitchFamily="18" charset="0"/>
                 <a:cs typeface="Times New Roman" pitchFamily="18" charset="0"/>
               </a:rPr>
-              <a:t>2</a:t>
+              <a:t>1</a:t>
             </a:r>
             <a:r>
               <a:rPr lang="en-US" i="1" dirty="0" smtClean="0">
                 <a:latin typeface="Times New Roman" pitchFamily="18" charset="0"/>
                 <a:cs typeface="Times New Roman" pitchFamily="18" charset="0"/>
               </a:rPr>
-              <a:t> the user joins 2</a:t>
+              <a:t> </a:t>
+            </a:r>
+            <a:r>
+              <a:rPr lang="en-US" i="1" dirty="0" smtClean="0">
+                <a:latin typeface="Times New Roman" pitchFamily="18" charset="0"/>
+                <a:cs typeface="Times New Roman" pitchFamily="18" charset="0"/>
+              </a:rPr>
+              <a:t>the user joins 2</a:t>
             </a:r>
             <a:r>
               <a:rPr lang="en-US" i="1" baseline="30000" dirty="0" smtClean="0">
@@ -13667,7 +12641,7 @@
   <p:clrMapOvr>
     <a:masterClrMapping/>
   </p:clrMapOvr>
-  <p:transition advClick="0" advTm="2000">
+  <p:transition advClick="0" advTm="10000">
     <p:wedge/>
   </p:transition>
   <p:timing>
@@ -13852,7 +12826,7 @@
                               <p:par>
                                 <p:cTn id="17" presetID="2" presetClass="entr" presetSubtype="4" fill="hold" nodeType="afterEffect">
                                   <p:stCondLst>
-                                    <p:cond delay="0"/>
+                                    <p:cond delay="3000"/>
                                   </p:stCondLst>
                                   <p:childTnLst>
                                     <p:set>
@@ -13925,7 +12899,7 @@
                               <p:par>
                                 <p:cTn id="21" presetID="2" presetClass="entr" presetSubtype="4" fill="hold" grpId="0" nodeType="withEffect">
                                   <p:stCondLst>
-                                    <p:cond delay="0"/>
+                                    <p:cond delay="3000"/>
                                   </p:stCondLst>
                                   <p:childTnLst>
                                     <p:set>
@@ -14001,7 +12975,7 @@
                         <p:par>
                           <p:cTn id="25" fill="hold">
                             <p:stCondLst>
-                              <p:cond delay="8000"/>
+                              <p:cond delay="11000"/>
                             </p:stCondLst>
                             <p:childTnLst>
                               <p:par>
@@ -14156,13 +13130,13 @@
                         <p:par>
                           <p:cTn id="34" fill="hold">
                             <p:stCondLst>
-                              <p:cond delay="10000"/>
+                              <p:cond delay="13000"/>
                             </p:stCondLst>
                             <p:childTnLst>
                               <p:par>
                                 <p:cTn id="35" presetID="2" presetClass="entr" presetSubtype="4" fill="hold" grpId="0" nodeType="afterEffect">
                                   <p:stCondLst>
-                                    <p:cond delay="0"/>
+                                    <p:cond delay="3000"/>
                                   </p:stCondLst>
                                   <p:childTnLst>
                                     <p:set>
@@ -14235,7 +13209,7 @@
                               <p:par>
                                 <p:cTn id="39" presetID="2" presetClass="entr" presetSubtype="4" fill="hold" grpId="0" nodeType="withEffect">
                                   <p:stCondLst>
-                                    <p:cond delay="0"/>
+                                    <p:cond delay="3000"/>
                                   </p:stCondLst>
                                   <p:childTnLst>
                                     <p:set>
@@ -14311,7 +13285,7 @@
                         <p:par>
                           <p:cTn id="43" fill="hold">
                             <p:stCondLst>
-                              <p:cond delay="12000"/>
+                              <p:cond delay="18000"/>
                             </p:stCondLst>
                             <p:childTnLst>
                               <p:par>
@@ -14393,7 +13367,7 @@
                         <p:par>
                           <p:cTn id="48" fill="hold">
                             <p:stCondLst>
-                              <p:cond delay="14000"/>
+                              <p:cond delay="20000"/>
                             </p:stCondLst>
                             <p:childTnLst>
                               <p:par>
@@ -14475,7 +13449,7 @@
                         <p:par>
                           <p:cTn id="53" fill="hold">
                             <p:stCondLst>
-                              <p:cond delay="19000"/>
+                              <p:cond delay="25000"/>
                             </p:stCondLst>
                             <p:childTnLst>
                               <p:par>
@@ -14557,7 +13531,7 @@
                         <p:par>
                           <p:cTn id="58" fill="hold">
                             <p:stCondLst>
-                              <p:cond delay="21000"/>
+                              <p:cond delay="27000"/>
                             </p:stCondLst>
                             <p:childTnLst>
                               <p:par>
@@ -14601,7 +13575,7 @@
                         <p:par>
                           <p:cTn id="62" fill="hold">
                             <p:stCondLst>
-                              <p:cond delay="23000"/>
+                              <p:cond delay="29000"/>
                             </p:stCondLst>
                             <p:childTnLst>
                               <p:par>
@@ -14683,7 +13657,7 @@
                         <p:par>
                           <p:cTn id="67" fill="hold">
                             <p:stCondLst>
-                              <p:cond delay="28000"/>
+                              <p:cond delay="34000"/>
                             </p:stCondLst>
                             <p:childTnLst>
                               <p:par>
@@ -14838,13 +13812,13 @@
                         <p:par>
                           <p:cTn id="76" fill="hold">
                             <p:stCondLst>
-                              <p:cond delay="30000"/>
+                              <p:cond delay="36000"/>
                             </p:stCondLst>
                             <p:childTnLst>
                               <p:par>
                                 <p:cTn id="77" presetID="2" presetClass="entr" presetSubtype="4" fill="hold" grpId="0" nodeType="afterEffect">
                                   <p:stCondLst>
-                                    <p:cond delay="0"/>
+                                    <p:cond delay="3000"/>
                                   </p:stCondLst>
                                   <p:childTnLst>
                                     <p:set>
@@ -14920,18 +13894,62 @@
                         <p:par>
                           <p:cTn id="81" fill="hold">
                             <p:stCondLst>
-                              <p:cond delay="32000"/>
+                              <p:cond delay="41000"/>
                             </p:stCondLst>
                             <p:childTnLst>
                               <p:par>
-                                <p:cTn id="82" presetID="2" presetClass="exit" presetSubtype="4" fill="hold" grpId="1" nodeType="afterEffect">
+                                <p:cTn id="82" presetID="4" presetClass="entr" presetSubtype="16" fill="hold" grpId="0" nodeType="afterEffect">
+                                  <p:stCondLst>
+                                    <p:cond delay="3000"/>
+                                  </p:stCondLst>
+                                  <p:childTnLst>
+                                    <p:set>
+                                      <p:cBhvr>
+                                        <p:cTn id="83" dur="1" fill="hold">
+                                          <p:stCondLst>
+                                            <p:cond delay="0"/>
+                                          </p:stCondLst>
+                                        </p:cTn>
+                                        <p:tgtEl>
+                                          <p:spTgt spid="17"/>
+                                        </p:tgtEl>
+                                        <p:attrNameLst>
+                                          <p:attrName>style.visibility</p:attrName>
+                                        </p:attrNameLst>
+                                      </p:cBhvr>
+                                      <p:to>
+                                        <p:strVal val="visible"/>
+                                      </p:to>
+                                    </p:set>
+                                    <p:animEffect transition="in" filter="box(in)">
+                                      <p:cBhvr>
+                                        <p:cTn id="84" dur="2000"/>
+                                        <p:tgtEl>
+                                          <p:spTgt spid="17"/>
+                                        </p:tgtEl>
+                                      </p:cBhvr>
+                                    </p:animEffect>
+                                  </p:childTnLst>
+                                </p:cTn>
+                              </p:par>
+                            </p:childTnLst>
+                          </p:cTn>
+                        </p:par>
+                        <p:par>
+                          <p:cTn id="85" fill="hold">
+                            <p:stCondLst>
+                              <p:cond delay="46000"/>
+                            </p:stCondLst>
+                            <p:childTnLst>
+                              <p:par>
+                                <p:cTn id="86" presetID="2" presetClass="exit" presetSubtype="4" fill="hold" grpId="1" nodeType="afterEffect">
                                   <p:stCondLst>
                                     <p:cond delay="3000"/>
                                   </p:stCondLst>
                                   <p:childTnLst>
                                     <p:anim calcmode="lin" valueType="num">
                                       <p:cBhvr additive="base">
-                                        <p:cTn id="83" dur="2000"/>
+                                        <p:cTn id="87" dur="2000"/>
                                         <p:tgtEl>
                                           <p:spTgt spid="26"/>
                                         </p:tgtEl>
@@ -14954,7 +13972,7 @@
                                     </p:anim>
                                     <p:anim calcmode="lin" valueType="num">
                                       <p:cBhvr additive="base">
-                                        <p:cTn id="84" dur="2000"/>
+                                        <p:cTn id="88" dur="2000"/>
                                         <p:tgtEl>
                                           <p:spTgt spid="26"/>
                                         </p:tgtEl>
@@ -14977,7 +13995,7 @@
                                     </p:anim>
                                     <p:set>
                                       <p:cBhvr>
-                                        <p:cTn id="85" dur="1" fill="hold">
+                                        <p:cTn id="89" dur="1" fill="hold">
                                           <p:stCondLst>
                                             <p:cond delay="1999"/>
                                           </p:stCondLst>
@@ -15000,55 +14018,20 @@
                           </p:cTn>
                         </p:par>
                         <p:par>
-                          <p:cTn id="86" fill="hold">
+                          <p:cTn id="90" fill="hold">
                             <p:stCondLst>
-                              <p:cond delay="37000"/>
+                              <p:cond delay="51000"/>
                             </p:stCondLst>
                             <p:childTnLst>
                               <p:par>
-                                <p:cTn id="87" presetID="4" presetClass="entr" presetSubtype="16" fill="hold" grpId="0" nodeType="afterEffect">
+                                <p:cTn id="91" presetID="2" presetClass="entr" presetSubtype="4" fill="hold" grpId="0" nodeType="afterEffect">
                                   <p:stCondLst>
-                                    <p:cond delay="0"/>
+                                    <p:cond delay="2000"/>
                                   </p:stCondLst>
                                   <p:childTnLst>
                                     <p:set>
                                       <p:cBhvr>
-                                        <p:cTn id="88" dur="1" fill="hold">
-                                          <p:stCondLst>
-                                            <p:cond delay="0"/>
-                                          </p:stCondLst>
-                                        </p:cTn>
-                                        <p:tgtEl>
-                                          <p:spTgt spid="17"/>
-                                        </p:tgtEl>
-                                        <p:attrNameLst>
-                                          <p:attrName>style.visibility</p:attrName>
-                                        </p:attrNameLst>
-                                      </p:cBhvr>
-                                      <p:to>
-                                        <p:strVal val="visible"/>
-                                      </p:to>
-                                    </p:set>
-                                    <p:animEffect transition="in" filter="box(in)">
-                                      <p:cBhvr>
-                                        <p:cTn id="89" dur="2000"/>
-                                        <p:tgtEl>
-                                          <p:spTgt spid="17"/>
-                                        </p:tgtEl>
-                                      </p:cBhvr>
-                                    </p:animEffect>
-                                  </p:childTnLst>
-                                </p:cTn>
-                              </p:par>
-                              <p:par>
-                                <p:cTn id="90" presetID="2" presetClass="entr" presetSubtype="4" fill="hold" grpId="0" nodeType="withEffect">
-                                  <p:stCondLst>
-                                    <p:cond delay="0"/>
-                                  </p:stCondLst>
-                                  <p:childTnLst>
-                                    <p:set>
-                                      <p:cBhvr>
-                                        <p:cTn id="91" dur="1" fill="hold">
+                                        <p:cTn id="92" dur="1" fill="hold">
                                           <p:stCondLst>
                                             <p:cond delay="0"/>
                                           </p:stCondLst>
@@ -15066,7 +14049,7 @@
                                     </p:set>
                                     <p:anim calcmode="lin" valueType="num">
                                       <p:cBhvr additive="base">
-                                        <p:cTn id="92" dur="2000" fill="hold"/>
+                                        <p:cTn id="93" dur="2000" fill="hold"/>
                                         <p:tgtEl>
                                           <p:spTgt spid="16"/>
                                         </p:tgtEl>
@@ -15089,7 +14072,7 @@
                                     </p:anim>
                                     <p:anim calcmode="lin" valueType="num">
                                       <p:cBhvr additive="base">
-                                        <p:cTn id="93" dur="2000" fill="hold"/>
+                                        <p:cTn id="94" dur="2000" fill="hold"/>
                                         <p:tgtEl>
                                           <p:spTgt spid="16"/>
                                         </p:tgtEl>
@@ -15114,14 +14097,14 @@
                                 </p:cTn>
                               </p:par>
                               <p:par>
-                                <p:cTn id="94" presetID="2" presetClass="entr" presetSubtype="4" fill="hold" grpId="0" nodeType="withEffect">
+                                <p:cTn id="95" presetID="2" presetClass="entr" presetSubtype="4" fill="hold" grpId="0" nodeType="withEffect">
                                   <p:stCondLst>
-                                    <p:cond delay="0"/>
+                                    <p:cond delay="2000"/>
                                   </p:stCondLst>
                                   <p:childTnLst>
                                     <p:set>
                                       <p:cBhvr>
-                                        <p:cTn id="95" dur="1" fill="hold">
+                                        <p:cTn id="96" dur="1" fill="hold">
                                           <p:stCondLst>
                                             <p:cond delay="0"/>
                                           </p:stCondLst>
@@ -15139,7 +14122,7 @@
                                     </p:set>
                                     <p:anim calcmode="lin" valueType="num">
                                       <p:cBhvr additive="base">
-                                        <p:cTn id="96" dur="2000" fill="hold"/>
+                                        <p:cTn id="97" dur="2000" fill="hold"/>
                                         <p:tgtEl>
                                           <p:spTgt spid="21"/>
                                         </p:tgtEl>
@@ -15162,7 +14145,7 @@
                                     </p:anim>
                                     <p:anim calcmode="lin" valueType="num">
                                       <p:cBhvr additive="base">
-                                        <p:cTn id="97" dur="2000" fill="hold"/>
+                                        <p:cTn id="98" dur="2000" fill="hold"/>
                                         <p:tgtEl>
                                           <p:spTgt spid="21"/>
                                         </p:tgtEl>
@@ -15190,20 +14173,20 @@
                           </p:cTn>
                         </p:par>
                         <p:par>
-                          <p:cTn id="98" fill="hold">
+                          <p:cTn id="99" fill="hold">
                             <p:stCondLst>
-                              <p:cond delay="39000"/>
+                              <p:cond delay="55000"/>
                             </p:stCondLst>
                             <p:childTnLst>
                               <p:par>
-                                <p:cTn id="99" presetID="2" presetClass="entr" presetSubtype="4" fill="hold" grpId="0" nodeType="afterEffect">
+                                <p:cTn id="100" presetID="2" presetClass="entr" presetSubtype="4" fill="hold" grpId="0" nodeType="afterEffect">
                                   <p:stCondLst>
                                     <p:cond delay="0"/>
                                   </p:stCondLst>
                                   <p:childTnLst>
                                     <p:set>
                                       <p:cBhvr>
-                                        <p:cTn id="100" dur="1" fill="hold">
+                                        <p:cTn id="101" dur="1" fill="hold">
                                           <p:stCondLst>
                                             <p:cond delay="0"/>
                                           </p:stCondLst>
@@ -15221,7 +14204,7 @@
                                     </p:set>
                                     <p:anim calcmode="lin" valueType="num">
                                       <p:cBhvr additive="base">
-                                        <p:cTn id="101" dur="2000" fill="hold"/>
+                                        <p:cTn id="102" dur="2000" fill="hold"/>
                                         <p:tgtEl>
                                           <p:spTgt spid="24"/>
                                         </p:tgtEl>
@@ -15244,7 +14227,7 @@
                                     </p:anim>
                                     <p:anim calcmode="lin" valueType="num">
                                       <p:cBhvr additive="base">
-                                        <p:cTn id="102" dur="2000" fill="hold"/>
+                                        <p:cTn id="103" dur="2000" fill="hold"/>
                                         <p:tgtEl>
                                           <p:spTgt spid="24"/>
                                         </p:tgtEl>
@@ -15272,20 +14255,20 @@
                           </p:cTn>
                         </p:par>
                         <p:par>
-                          <p:cTn id="103" fill="hold">
+                          <p:cTn id="104" fill="hold">
                             <p:stCondLst>
-                              <p:cond delay="41000"/>
+                              <p:cond delay="57000"/>
                             </p:stCondLst>
                             <p:childTnLst>
                               <p:par>
-                                <p:cTn id="104" presetID="4" presetClass="entr" presetSubtype="16" fill="hold" grpId="0" nodeType="afterEffect">
+                                <p:cTn id="105" presetID="4" presetClass="entr" presetSubtype="16" fill="hold" grpId="0" nodeType="afterEffect">
                                   <p:stCondLst>
-                                    <p:cond delay="0"/>
+                                    <p:cond delay="3000"/>
                                   </p:stCondLst>
                                   <p:childTnLst>
                                     <p:set>
                                       <p:cBhvr>
-                                        <p:cTn id="105" dur="1" fill="hold">
+                                        <p:cTn id="106" dur="1" fill="hold">
                                           <p:stCondLst>
                                             <p:cond delay="0"/>
                                           </p:stCondLst>
@@ -15303,7 +14286,7 @@
                                     </p:set>
                                     <p:animEffect transition="in" filter="box(in)">
                                       <p:cBhvr>
-                                        <p:cTn id="106" dur="2000"/>
+                                        <p:cTn id="107" dur="2000"/>
                                         <p:tgtEl>
                                           <p:spTgt spid="18"/>
                                         </p:tgtEl>
@@ -15316,20 +14299,20 @@
                           </p:cTn>
                         </p:par>
                         <p:par>
-                          <p:cTn id="107" fill="hold">
+                          <p:cTn id="108" fill="hold">
                             <p:stCondLst>
-                              <p:cond delay="43000"/>
+                              <p:cond delay="62000"/>
                             </p:stCondLst>
                             <p:childTnLst>
                               <p:par>
-                                <p:cTn id="108" presetID="4" presetClass="entr" presetSubtype="16" fill="hold" nodeType="afterEffect">
+                                <p:cTn id="109" presetID="4" presetClass="entr" presetSubtype="16" fill="hold" nodeType="afterEffect">
                                   <p:stCondLst>
                                     <p:cond delay="0"/>
                                   </p:stCondLst>
                                   <p:childTnLst>
                                     <p:set>
                                       <p:cBhvr>
-                                        <p:cTn id="109" dur="1" fill="hold">
+                                        <p:cTn id="110" dur="1" fill="hold">
                                           <p:stCondLst>
                                             <p:cond delay="0"/>
                                           </p:stCondLst>
@@ -15347,7 +14330,7 @@
                                     </p:set>
                                     <p:animEffect transition="in" filter="box(in)">
                                       <p:cBhvr>
-                                        <p:cTn id="110" dur="2000"/>
+                                        <p:cTn id="111" dur="2000"/>
                                         <p:tgtEl>
                                           <p:spTgt spid="3074"/>
                                         </p:tgtEl>
@@ -15404,1330 +14387,6 @@
       <p:bldP spid="26" grpId="0"/>
       <p:bldP spid="26" grpId="1"/>
     </p:bldLst>
-  </p:timing>
-</p:sld>
-</file>
-
-<file path=ppt/slides/slide5.xml><?xml version="1.0" encoding="utf-8"?>
-<p:sld xmlns:a="http://schemas.openxmlformats.org/drawingml/2006/main" xmlns:r="http://schemas.openxmlformats.org/officeDocument/2006/relationships" xmlns:p="http://schemas.openxmlformats.org/presentationml/2006/main">
-  <p:cSld>
-    <p:spTree>
-      <p:nvGrpSpPr>
-        <p:cNvPr id="1" name=""/>
-        <p:cNvGrpSpPr/>
-        <p:nvPr/>
-      </p:nvGrpSpPr>
-      <p:grpSpPr>
-        <a:xfrm>
-          <a:off x="0" y="0"/>
-          <a:ext cx="0" cy="0"/>
-          <a:chOff x="0" y="0"/>
-          <a:chExt cx="0" cy="0"/>
-        </a:xfrm>
-      </p:grpSpPr>
-      <p:graphicFrame>
-        <p:nvGraphicFramePr>
-          <p:cNvPr id="4" name="Table 3"/>
-          <p:cNvGraphicFramePr>
-            <a:graphicFrameLocks noGrp="1"/>
-          </p:cNvGraphicFramePr>
-          <p:nvPr/>
-        </p:nvGraphicFramePr>
-        <p:xfrm>
-          <a:off x="2922270" y="3048000"/>
-          <a:ext cx="2183130" cy="1809878"/>
-        </p:xfrm>
-        <a:graphic>
-          <a:graphicData uri="http://schemas.openxmlformats.org/drawingml/2006/table">
-            <a:tbl>
-              <a:tblPr/>
-              <a:tblGrid>
-                <a:gridCol w="2183130"/>
-              </a:tblGrid>
-              <a:tr h="297115">
-                <a:tc>
-                  <a:txBody>
-                    <a:bodyPr/>
-                    <a:lstStyle/>
-                    <a:p>
-                      <a:pPr marL="0" marR="0" algn="ctr" rtl="0">
-                        <a:lnSpc>
-                          <a:spcPct val="115000"/>
-                        </a:lnSpc>
-                        <a:spcBef>
-                          <a:spcPts val="0"/>
-                        </a:spcBef>
-                        <a:spcAft>
-                          <a:spcPts val="0"/>
-                        </a:spcAft>
-                      </a:pPr>
-                      <a:r>
-                        <a:rPr lang="en-US" sz="1200" b="1" i="1" dirty="0">
-                          <a:latin typeface="Times New Roman"/>
-                          <a:ea typeface="Times New Roman"/>
-                          <a:cs typeface="Arial"/>
-                        </a:rPr>
-                        <a:t>Heaviest Overlay Network</a:t>
-                      </a:r>
-                      <a:endParaRPr lang="en-US" sz="1100" b="1" dirty="0">
-                        <a:latin typeface="Calibri"/>
-                        <a:ea typeface="Times New Roman"/>
-                        <a:cs typeface="Arial"/>
-                      </a:endParaRPr>
-                    </a:p>
-                  </a:txBody>
-                  <a:tcPr marL="68580" marR="68580" marT="0" marB="0" anchor="ctr">
-                    <a:lnL w="12700" cap="flat" cmpd="sng" algn="ctr">
-                      <a:solidFill>
-                        <a:srgbClr val="7BA0CD"/>
-                      </a:solidFill>
-                      <a:prstDash val="solid"/>
-                      <a:round/>
-                      <a:headEnd type="none" w="med" len="med"/>
-                      <a:tailEnd type="none" w="med" len="med"/>
-                    </a:lnL>
-                    <a:lnR w="12700" cap="flat" cmpd="sng" algn="ctr">
-                      <a:solidFill>
-                        <a:srgbClr val="7BA0CD"/>
-                      </a:solidFill>
-                      <a:prstDash val="solid"/>
-                      <a:round/>
-                      <a:headEnd type="none" w="med" len="med"/>
-                      <a:tailEnd type="none" w="med" len="med"/>
-                    </a:lnR>
-                    <a:lnT w="12700" cap="flat" cmpd="sng" algn="ctr">
-                      <a:solidFill>
-                        <a:srgbClr val="7BA0CD"/>
-                      </a:solidFill>
-                      <a:prstDash val="solid"/>
-                      <a:round/>
-                      <a:headEnd type="none" w="med" len="med"/>
-                      <a:tailEnd type="none" w="med" len="med"/>
-                    </a:lnT>
-                    <a:lnB w="12700" cap="flat" cmpd="sng" algn="ctr">
-                      <a:solidFill>
-                        <a:srgbClr val="7BA0CD"/>
-                      </a:solidFill>
-                      <a:prstDash val="solid"/>
-                      <a:round/>
-                      <a:headEnd type="none" w="med" len="med"/>
-                      <a:tailEnd type="none" w="med" len="med"/>
-                    </a:lnB>
-                    <a:solidFill>
-                      <a:srgbClr val="D3DFEE"/>
-                    </a:solidFill>
-                  </a:tcPr>
-                </a:tc>
-              </a:tr>
-              <a:tr h="290698">
-                <a:tc>
-                  <a:txBody>
-                    <a:bodyPr/>
-                    <a:lstStyle/>
-                    <a:p>
-                      <a:pPr marL="0" marR="0" algn="ctr" rtl="0">
-                        <a:lnSpc>
-                          <a:spcPct val="115000"/>
-                        </a:lnSpc>
-                        <a:spcBef>
-                          <a:spcPts val="0"/>
-                        </a:spcBef>
-                        <a:spcAft>
-                          <a:spcPts val="0"/>
-                        </a:spcAft>
-                      </a:pPr>
-                      <a:endParaRPr lang="en-US" sz="1100">
-                        <a:latin typeface="Calibri"/>
-                        <a:ea typeface="Times New Roman"/>
-                        <a:cs typeface="Arial"/>
-                      </a:endParaRPr>
-                    </a:p>
-                  </a:txBody>
-                  <a:tcPr marL="68580" marR="68580" marT="0" marB="0" anchor="ctr">
-                    <a:lnL w="12700" cap="flat" cmpd="sng" algn="ctr">
-                      <a:solidFill>
-                        <a:srgbClr val="7BA0CD"/>
-                      </a:solidFill>
-                      <a:prstDash val="solid"/>
-                      <a:round/>
-                      <a:headEnd type="none" w="med" len="med"/>
-                      <a:tailEnd type="none" w="med" len="med"/>
-                    </a:lnL>
-                    <a:lnR w="12700" cap="flat" cmpd="sng" algn="ctr">
-                      <a:solidFill>
-                        <a:srgbClr val="7BA0CD"/>
-                      </a:solidFill>
-                      <a:prstDash val="solid"/>
-                      <a:round/>
-                      <a:headEnd type="none" w="med" len="med"/>
-                      <a:tailEnd type="none" w="med" len="med"/>
-                    </a:lnR>
-                    <a:lnT w="12700" cap="flat" cmpd="sng" algn="ctr">
-                      <a:solidFill>
-                        <a:srgbClr val="7BA0CD"/>
-                      </a:solidFill>
-                      <a:prstDash val="solid"/>
-                      <a:round/>
-                      <a:headEnd type="none" w="med" len="med"/>
-                      <a:tailEnd type="none" w="med" len="med"/>
-                    </a:lnT>
-                    <a:lnB w="12700" cap="flat" cmpd="sng" algn="ctr">
-                      <a:solidFill>
-                        <a:srgbClr val="7BA0CD"/>
-                      </a:solidFill>
-                      <a:prstDash val="solid"/>
-                      <a:round/>
-                      <a:headEnd type="none" w="med" len="med"/>
-                      <a:tailEnd type="none" w="med" len="med"/>
-                    </a:lnB>
-                    <a:solidFill>
-                      <a:srgbClr val="A7BFDE"/>
-                    </a:solidFill>
-                  </a:tcPr>
-                </a:tc>
-              </a:tr>
-              <a:tr h="290698">
-                <a:tc>
-                  <a:txBody>
-                    <a:bodyPr/>
-                    <a:lstStyle/>
-                    <a:p>
-                      <a:pPr marL="0" marR="0" algn="ctr" rtl="0">
-                        <a:lnSpc>
-                          <a:spcPct val="115000"/>
-                        </a:lnSpc>
-                        <a:spcBef>
-                          <a:spcPts val="0"/>
-                        </a:spcBef>
-                        <a:spcAft>
-                          <a:spcPts val="0"/>
-                        </a:spcAft>
-                      </a:pPr>
-                      <a:endParaRPr lang="en-US" sz="1100" dirty="0">
-                        <a:latin typeface="Calibri"/>
-                        <a:ea typeface="Times New Roman"/>
-                        <a:cs typeface="Arial"/>
-                      </a:endParaRPr>
-                    </a:p>
-                  </a:txBody>
-                  <a:tcPr marL="68580" marR="68580" marT="0" marB="0" anchor="ctr">
-                    <a:lnL w="12700" cap="flat" cmpd="sng" algn="ctr">
-                      <a:solidFill>
-                        <a:srgbClr val="7BA0CD"/>
-                      </a:solidFill>
-                      <a:prstDash val="solid"/>
-                      <a:round/>
-                      <a:headEnd type="none" w="med" len="med"/>
-                      <a:tailEnd type="none" w="med" len="med"/>
-                    </a:lnL>
-                    <a:lnR w="12700" cap="flat" cmpd="sng" algn="ctr">
-                      <a:solidFill>
-                        <a:srgbClr val="7BA0CD"/>
-                      </a:solidFill>
-                      <a:prstDash val="solid"/>
-                      <a:round/>
-                      <a:headEnd type="none" w="med" len="med"/>
-                      <a:tailEnd type="none" w="med" len="med"/>
-                    </a:lnR>
-                    <a:lnT w="12700" cap="flat" cmpd="sng" algn="ctr">
-                      <a:solidFill>
-                        <a:srgbClr val="7BA0CD"/>
-                      </a:solidFill>
-                      <a:prstDash val="solid"/>
-                      <a:round/>
-                      <a:headEnd type="none" w="med" len="med"/>
-                      <a:tailEnd type="none" w="med" len="med"/>
-                    </a:lnT>
-                    <a:lnB w="12700" cap="flat" cmpd="sng" algn="ctr">
-                      <a:solidFill>
-                        <a:srgbClr val="7BA0CD"/>
-                      </a:solidFill>
-                      <a:prstDash val="solid"/>
-                      <a:round/>
-                      <a:headEnd type="none" w="med" len="med"/>
-                      <a:tailEnd type="none" w="med" len="med"/>
-                    </a:lnB>
-                    <a:solidFill>
-                      <a:srgbClr val="D3DFEE"/>
-                    </a:solidFill>
-                  </a:tcPr>
-                </a:tc>
-              </a:tr>
-              <a:tr h="317126">
-                <a:tc>
-                  <a:txBody>
-                    <a:bodyPr/>
-                    <a:lstStyle/>
-                    <a:p>
-                      <a:pPr marL="0" marR="0" algn="ctr" rtl="0">
-                        <a:lnSpc>
-                          <a:spcPct val="115000"/>
-                        </a:lnSpc>
-                        <a:spcBef>
-                          <a:spcPts val="0"/>
-                        </a:spcBef>
-                        <a:spcAft>
-                          <a:spcPts val="0"/>
-                        </a:spcAft>
-                      </a:pPr>
-                      <a:r>
-                        <a:rPr lang="en-US" sz="1200" i="1">
-                          <a:latin typeface="Times New Roman"/>
-                          <a:ea typeface="Times New Roman"/>
-                          <a:cs typeface="Arial"/>
-                        </a:rPr>
-                        <a:t>…</a:t>
-                      </a:r>
-                      <a:endParaRPr lang="en-US" sz="1100">
-                        <a:latin typeface="Calibri"/>
-                        <a:ea typeface="Times New Roman"/>
-                        <a:cs typeface="Arial"/>
-                      </a:endParaRPr>
-                    </a:p>
-                  </a:txBody>
-                  <a:tcPr marL="68580" marR="68580" marT="0" marB="0" anchor="ctr">
-                    <a:lnL w="12700" cap="flat" cmpd="sng" algn="ctr">
-                      <a:solidFill>
-                        <a:srgbClr val="7BA0CD"/>
-                      </a:solidFill>
-                      <a:prstDash val="solid"/>
-                      <a:round/>
-                      <a:headEnd type="none" w="med" len="med"/>
-                      <a:tailEnd type="none" w="med" len="med"/>
-                    </a:lnL>
-                    <a:lnR w="12700" cap="flat" cmpd="sng" algn="ctr">
-                      <a:solidFill>
-                        <a:srgbClr val="7BA0CD"/>
-                      </a:solidFill>
-                      <a:prstDash val="solid"/>
-                      <a:round/>
-                      <a:headEnd type="none" w="med" len="med"/>
-                      <a:tailEnd type="none" w="med" len="med"/>
-                    </a:lnR>
-                    <a:lnT w="12700" cap="flat" cmpd="sng" algn="ctr">
-                      <a:solidFill>
-                        <a:srgbClr val="7BA0CD"/>
-                      </a:solidFill>
-                      <a:prstDash val="solid"/>
-                      <a:round/>
-                      <a:headEnd type="none" w="med" len="med"/>
-                      <a:tailEnd type="none" w="med" len="med"/>
-                    </a:lnT>
-                    <a:lnB w="12700" cap="flat" cmpd="sng" algn="ctr">
-                      <a:solidFill>
-                        <a:srgbClr val="7BA0CD"/>
-                      </a:solidFill>
-                      <a:prstDash val="solid"/>
-                      <a:round/>
-                      <a:headEnd type="none" w="med" len="med"/>
-                      <a:tailEnd type="none" w="med" len="med"/>
-                    </a:lnB>
-                    <a:solidFill>
-                      <a:srgbClr val="A7BFDE"/>
-                    </a:solidFill>
-                  </a:tcPr>
-                </a:tc>
-              </a:tr>
-              <a:tr h="317126">
-                <a:tc>
-                  <a:txBody>
-                    <a:bodyPr/>
-                    <a:lstStyle/>
-                    <a:p>
-                      <a:pPr marL="0" marR="0" algn="ctr" rtl="0">
-                        <a:lnSpc>
-                          <a:spcPct val="115000"/>
-                        </a:lnSpc>
-                        <a:spcBef>
-                          <a:spcPts val="0"/>
-                        </a:spcBef>
-                        <a:spcAft>
-                          <a:spcPts val="0"/>
-                        </a:spcAft>
-                      </a:pPr>
-                      <a:r>
-                        <a:rPr lang="en-US" sz="1200" i="1">
-                          <a:latin typeface="Times New Roman"/>
-                          <a:ea typeface="Times New Roman"/>
-                          <a:cs typeface="Arial"/>
-                        </a:rPr>
-                        <a:t>…</a:t>
-                      </a:r>
-                      <a:endParaRPr lang="en-US" sz="1100">
-                        <a:latin typeface="Calibri"/>
-                        <a:ea typeface="Times New Roman"/>
-                        <a:cs typeface="Arial"/>
-                      </a:endParaRPr>
-                    </a:p>
-                  </a:txBody>
-                  <a:tcPr marL="68580" marR="68580" marT="0" marB="0" anchor="ctr">
-                    <a:lnL w="12700" cap="flat" cmpd="sng" algn="ctr">
-                      <a:solidFill>
-                        <a:srgbClr val="7BA0CD"/>
-                      </a:solidFill>
-                      <a:prstDash val="solid"/>
-                      <a:round/>
-                      <a:headEnd type="none" w="med" len="med"/>
-                      <a:tailEnd type="none" w="med" len="med"/>
-                    </a:lnL>
-                    <a:lnR w="12700" cap="flat" cmpd="sng" algn="ctr">
-                      <a:solidFill>
-                        <a:srgbClr val="7BA0CD"/>
-                      </a:solidFill>
-                      <a:prstDash val="solid"/>
-                      <a:round/>
-                      <a:headEnd type="none" w="med" len="med"/>
-                      <a:tailEnd type="none" w="med" len="med"/>
-                    </a:lnR>
-                    <a:lnT w="12700" cap="flat" cmpd="sng" algn="ctr">
-                      <a:solidFill>
-                        <a:srgbClr val="7BA0CD"/>
-                      </a:solidFill>
-                      <a:prstDash val="solid"/>
-                      <a:round/>
-                      <a:headEnd type="none" w="med" len="med"/>
-                      <a:tailEnd type="none" w="med" len="med"/>
-                    </a:lnT>
-                    <a:lnB w="12700" cap="flat" cmpd="sng" algn="ctr">
-                      <a:solidFill>
-                        <a:srgbClr val="7BA0CD"/>
-                      </a:solidFill>
-                      <a:prstDash val="solid"/>
-                      <a:round/>
-                      <a:headEnd type="none" w="med" len="med"/>
-                      <a:tailEnd type="none" w="med" len="med"/>
-                    </a:lnB>
-                    <a:solidFill>
-                      <a:srgbClr val="D3DFEE"/>
-                    </a:solidFill>
-                  </a:tcPr>
-                </a:tc>
-              </a:tr>
-              <a:tr h="297115">
-                <a:tc>
-                  <a:txBody>
-                    <a:bodyPr/>
-                    <a:lstStyle/>
-                    <a:p>
-                      <a:pPr marL="0" marR="0" algn="ctr" rtl="0">
-                        <a:lnSpc>
-                          <a:spcPct val="115000"/>
-                        </a:lnSpc>
-                        <a:spcBef>
-                          <a:spcPts val="0"/>
-                        </a:spcBef>
-                        <a:spcAft>
-                          <a:spcPts val="0"/>
-                        </a:spcAft>
-                      </a:pPr>
-                      <a:r>
-                        <a:rPr lang="en-US" sz="1200" b="1" i="1" dirty="0">
-                          <a:latin typeface="Times New Roman"/>
-                          <a:ea typeface="Times New Roman"/>
-                          <a:cs typeface="Arial"/>
-                        </a:rPr>
-                        <a:t>Lightest Overlay Network</a:t>
-                      </a:r>
-                      <a:endParaRPr lang="en-US" sz="1100" b="1" dirty="0">
-                        <a:latin typeface="Calibri"/>
-                        <a:ea typeface="Times New Roman"/>
-                        <a:cs typeface="Arial"/>
-                      </a:endParaRPr>
-                    </a:p>
-                  </a:txBody>
-                  <a:tcPr marL="68580" marR="68580" marT="0" marB="0" anchor="ctr">
-                    <a:lnL w="12700" cap="flat" cmpd="sng" algn="ctr">
-                      <a:solidFill>
-                        <a:srgbClr val="7BA0CD"/>
-                      </a:solidFill>
-                      <a:prstDash val="solid"/>
-                      <a:round/>
-                      <a:headEnd type="none" w="med" len="med"/>
-                      <a:tailEnd type="none" w="med" len="med"/>
-                    </a:lnL>
-                    <a:lnR w="12700" cap="flat" cmpd="sng" algn="ctr">
-                      <a:solidFill>
-                        <a:srgbClr val="7BA0CD"/>
-                      </a:solidFill>
-                      <a:prstDash val="solid"/>
-                      <a:round/>
-                      <a:headEnd type="none" w="med" len="med"/>
-                      <a:tailEnd type="none" w="med" len="med"/>
-                    </a:lnR>
-                    <a:lnT w="12700" cap="flat" cmpd="sng" algn="ctr">
-                      <a:solidFill>
-                        <a:srgbClr val="7BA0CD"/>
-                      </a:solidFill>
-                      <a:prstDash val="solid"/>
-                      <a:round/>
-                      <a:headEnd type="none" w="med" len="med"/>
-                      <a:tailEnd type="none" w="med" len="med"/>
-                    </a:lnT>
-                    <a:lnB w="12700" cap="flat" cmpd="sng" algn="ctr">
-                      <a:solidFill>
-                        <a:srgbClr val="7BA0CD"/>
-                      </a:solidFill>
-                      <a:prstDash val="solid"/>
-                      <a:round/>
-                      <a:headEnd type="none" w="med" len="med"/>
-                      <a:tailEnd type="none" w="med" len="med"/>
-                    </a:lnB>
-                    <a:solidFill>
-                      <a:srgbClr val="A7BFDE"/>
-                    </a:solidFill>
-                  </a:tcPr>
-                </a:tc>
-              </a:tr>
-            </a:tbl>
-          </a:graphicData>
-        </a:graphic>
-      </p:graphicFrame>
-      <p:grpSp>
-        <p:nvGrpSpPr>
-          <p:cNvPr id="2051" name="Group 3"/>
-          <p:cNvGrpSpPr>
-            <a:grpSpLocks/>
-          </p:cNvGrpSpPr>
-          <p:nvPr/>
-        </p:nvGrpSpPr>
-        <p:grpSpPr bwMode="auto">
-          <a:xfrm>
-            <a:off x="1524000" y="5257800"/>
-            <a:ext cx="5746750" cy="400050"/>
-            <a:chOff x="2085" y="11513"/>
-            <a:chExt cx="9051" cy="630"/>
-          </a:xfrm>
-        </p:grpSpPr>
-        <p:grpSp>
-          <p:nvGrpSpPr>
-            <p:cNvPr id="2053" name="Group 5"/>
-            <p:cNvGrpSpPr>
-              <a:grpSpLocks/>
-            </p:cNvGrpSpPr>
-            <p:nvPr/>
-          </p:nvGrpSpPr>
-          <p:grpSpPr bwMode="auto">
-            <a:xfrm>
-              <a:off x="2085" y="11513"/>
-              <a:ext cx="7950" cy="630"/>
-              <a:chOff x="2085" y="11513"/>
-              <a:chExt cx="7950" cy="630"/>
-            </a:xfrm>
-          </p:grpSpPr>
-          <p:sp>
-            <p:nvSpPr>
-              <p:cNvPr id="2055" name="AutoShape 7"/>
-              <p:cNvSpPr>
-                <a:spLocks noChangeShapeType="1"/>
-              </p:cNvSpPr>
-              <p:nvPr/>
-            </p:nvSpPr>
-            <p:spPr bwMode="auto">
-              <a:xfrm>
-                <a:off x="2085" y="11843"/>
-                <a:ext cx="7950" cy="0"/>
-              </a:xfrm>
-              <a:prstGeom prst="straightConnector1">
-                <a:avLst/>
-              </a:prstGeom>
-              <a:noFill/>
-              <a:ln w="31750">
-                <a:solidFill>
-                  <a:srgbClr val="4F81BD"/>
-                </a:solidFill>
-                <a:round/>
-                <a:headEnd/>
-                <a:tailEnd type="triangle" w="med" len="med"/>
-              </a:ln>
-              <a:effectLst/>
-            </p:spPr>
-            <p:txBody>
-              <a:bodyPr vert="horz" wrap="square" lIns="91440" tIns="45720" rIns="91440" bIns="45720" numCol="1" anchor="t" anchorCtr="0" compatLnSpc="1">
-                <a:prstTxWarp prst="textNoShape">
-                  <a:avLst/>
-                </a:prstTxWarp>
-              </a:bodyPr>
-              <a:lstStyle/>
-              <a:p>
-                <a:endParaRPr lang="en-US"/>
-              </a:p>
-            </p:txBody>
-          </p:sp>
-          <p:sp>
-            <p:nvSpPr>
-              <p:cNvPr id="2054" name="AutoShape 6"/>
-              <p:cNvSpPr>
-                <a:spLocks noChangeShapeType="1"/>
-              </p:cNvSpPr>
-              <p:nvPr/>
-            </p:nvSpPr>
-            <p:spPr bwMode="auto">
-              <a:xfrm>
-                <a:off x="3300" y="11513"/>
-                <a:ext cx="0" cy="630"/>
-              </a:xfrm>
-              <a:prstGeom prst="straightConnector1">
-                <a:avLst/>
-              </a:prstGeom>
-              <a:noFill/>
-              <a:ln w="12700">
-                <a:solidFill>
-                  <a:srgbClr val="4F81BD"/>
-                </a:solidFill>
-                <a:prstDash val="dash"/>
-                <a:round/>
-                <a:headEnd/>
-                <a:tailEnd/>
-              </a:ln>
-              <a:effectLst/>
-            </p:spPr>
-            <p:txBody>
-              <a:bodyPr vert="horz" wrap="square" lIns="91440" tIns="45720" rIns="91440" bIns="45720" numCol="1" anchor="t" anchorCtr="0" compatLnSpc="1">
-                <a:prstTxWarp prst="textNoShape">
-                  <a:avLst/>
-                </a:prstTxWarp>
-              </a:bodyPr>
-              <a:lstStyle/>
-              <a:p>
-                <a:endParaRPr lang="en-US"/>
-              </a:p>
-            </p:txBody>
-          </p:sp>
-        </p:grpSp>
-        <p:sp>
-          <p:nvSpPr>
-            <p:cNvPr id="2052" name="Text Box 4"/>
-            <p:cNvSpPr txBox="1">
-              <a:spLocks noChangeArrowheads="1"/>
-            </p:cNvSpPr>
-            <p:nvPr/>
-          </p:nvSpPr>
-          <p:spPr bwMode="auto">
-            <a:xfrm>
-              <a:off x="9795" y="11634"/>
-              <a:ext cx="1341" cy="448"/>
-            </a:xfrm>
-            <a:prstGeom prst="rect">
-              <a:avLst/>
-            </a:prstGeom>
-            <a:noFill/>
-            <a:ln w="9525">
-              <a:noFill/>
-              <a:miter lim="800000"/>
-              <a:headEnd/>
-              <a:tailEnd/>
-            </a:ln>
-          </p:spPr>
-          <p:txBody>
-            <a:bodyPr vert="horz" wrap="square" lIns="91440" tIns="45720" rIns="91440" bIns="45720" numCol="1" anchor="t" anchorCtr="0" compatLnSpc="1">
-              <a:prstTxWarp prst="textNoShape">
-                <a:avLst/>
-              </a:prstTxWarp>
-            </a:bodyPr>
-            <a:lstStyle/>
-            <a:p>
-              <a:pPr marL="0" marR="0" lvl="0" indent="0" algn="r" defTabSz="914400" rtl="1" eaLnBrk="1" fontAlgn="base" latinLnBrk="0" hangingPunct="1">
-                <a:lnSpc>
-                  <a:spcPct val="100000"/>
-                </a:lnSpc>
-                <a:spcBef>
-                  <a:spcPct val="0"/>
-                </a:spcBef>
-                <a:spcAft>
-                  <a:spcPct val="0"/>
-                </a:spcAft>
-                <a:buClrTx/>
-                <a:buSzTx/>
-                <a:buFontTx/>
-                <a:buNone/>
-                <a:tabLst/>
-              </a:pPr>
-              <a:r>
-                <a:rPr kumimoji="0" lang="en-US" sz="1200" b="0" i="1" u="none" strike="noStrike" cap="none" normalizeH="0" baseline="0" dirty="0" smtClean="0">
-                  <a:ln>
-                    <a:noFill/>
-                  </a:ln>
-                  <a:solidFill>
-                    <a:schemeClr val="tx1"/>
-                  </a:solidFill>
-                  <a:effectLst/>
-                  <a:latin typeface="Times New Roman" pitchFamily="18" charset="0"/>
-                  <a:ea typeface="Times New Roman" pitchFamily="18" charset="0"/>
-                  <a:cs typeface="Times New Roman" pitchFamily="18" charset="0"/>
-                </a:rPr>
-                <a:t>Time Line</a:t>
-              </a:r>
-              <a:endParaRPr kumimoji="0" lang="en-US" sz="1800" b="0" i="0" u="none" strike="noStrike" cap="none" normalizeH="0" baseline="0" dirty="0" smtClean="0">
-                <a:ln>
-                  <a:noFill/>
-                </a:ln>
-                <a:solidFill>
-                  <a:schemeClr val="tx1"/>
-                </a:solidFill>
-                <a:effectLst/>
-                <a:latin typeface="Arial" pitchFamily="34" charset="0"/>
-                <a:cs typeface="Arial" pitchFamily="34" charset="0"/>
-              </a:endParaRPr>
-            </a:p>
-          </p:txBody>
-        </p:sp>
-      </p:grpSp>
-      <p:sp>
-        <p:nvSpPr>
-          <p:cNvPr id="2057" name="Arc 9"/>
-          <p:cNvSpPr>
-            <a:spLocks/>
-          </p:cNvSpPr>
-          <p:nvPr/>
-        </p:nvSpPr>
-        <p:spPr bwMode="auto">
-          <a:xfrm rot="10501126" flipV="1">
-            <a:off x="2299783" y="4749115"/>
-            <a:ext cx="584200" cy="342900"/>
-          </a:xfrm>
-          <a:custGeom>
-            <a:avLst/>
-            <a:gdLst>
-              <a:gd name="G0" fmla="+- 0 0 0"/>
-              <a:gd name="G1" fmla="+- 21600 0 0"/>
-              <a:gd name="G2" fmla="+- 21600 0 0"/>
-              <a:gd name="T0" fmla="*/ 0 w 21600"/>
-              <a:gd name="T1" fmla="*/ 0 h 21600"/>
-              <a:gd name="T2" fmla="*/ 21600 w 21600"/>
-              <a:gd name="T3" fmla="*/ 21600 h 21600"/>
-              <a:gd name="T4" fmla="*/ 0 w 21600"/>
-              <a:gd name="T5" fmla="*/ 21600 h 21600"/>
-            </a:gdLst>
-            <a:ahLst/>
-            <a:cxnLst>
-              <a:cxn ang="0">
-                <a:pos x="T0" y="T1"/>
-              </a:cxn>
-              <a:cxn ang="0">
-                <a:pos x="T2" y="T3"/>
-              </a:cxn>
-              <a:cxn ang="0">
-                <a:pos x="T4" y="T5"/>
-              </a:cxn>
-            </a:cxnLst>
-            <a:rect l="0" t="0" r="r" b="b"/>
-            <a:pathLst>
-              <a:path w="21600" h="21600" fill="none" extrusionOk="0">
-                <a:moveTo>
-                  <a:pt x="-1" y="0"/>
-                </a:moveTo>
-                <a:cubicBezTo>
-                  <a:pt x="11929" y="0"/>
-                  <a:pt x="21600" y="9670"/>
-                  <a:pt x="21600" y="21600"/>
-                </a:cubicBezTo>
-              </a:path>
-              <a:path w="21600" h="21600" stroke="0" extrusionOk="0">
-                <a:moveTo>
-                  <a:pt x="-1" y="0"/>
-                </a:moveTo>
-                <a:cubicBezTo>
-                  <a:pt x="11929" y="0"/>
-                  <a:pt x="21600" y="9670"/>
-                  <a:pt x="21600" y="21600"/>
-                </a:cubicBezTo>
-                <a:lnTo>
-                  <a:pt x="0" y="21600"/>
-                </a:lnTo>
-                <a:close/>
-              </a:path>
-            </a:pathLst>
-          </a:custGeom>
-          <a:noFill/>
-          <a:ln w="9525">
-            <a:solidFill>
-              <a:srgbClr val="000000"/>
-            </a:solidFill>
-            <a:round/>
-            <a:headEnd type="arrow" w="med" len="med"/>
-            <a:tailEnd/>
-          </a:ln>
-        </p:spPr>
-        <p:txBody>
-          <a:bodyPr vert="horz" wrap="square" lIns="91440" tIns="45720" rIns="91440" bIns="45720" numCol="1" anchor="t" anchorCtr="0" compatLnSpc="1">
-            <a:prstTxWarp prst="textNoShape">
-              <a:avLst/>
-            </a:prstTxWarp>
-          </a:bodyPr>
-          <a:lstStyle/>
-          <a:p>
-            <a:endParaRPr lang="en-US"/>
-          </a:p>
-        </p:txBody>
-      </p:sp>
-      <p:sp>
-        <p:nvSpPr>
-          <p:cNvPr id="2050" name="AutoShape 2"/>
-          <p:cNvSpPr>
-            <a:spLocks noChangeShapeType="1"/>
-          </p:cNvSpPr>
-          <p:nvPr/>
-        </p:nvSpPr>
-        <p:spPr bwMode="auto">
-          <a:xfrm>
-            <a:off x="3429000" y="5238750"/>
-            <a:ext cx="0" cy="400050"/>
-          </a:xfrm>
-          <a:prstGeom prst="straightConnector1">
-            <a:avLst/>
-          </a:prstGeom>
-          <a:noFill/>
-          <a:ln w="12700">
-            <a:solidFill>
-              <a:srgbClr val="4F81BD"/>
-            </a:solidFill>
-            <a:prstDash val="dash"/>
-            <a:round/>
-            <a:headEnd/>
-            <a:tailEnd/>
-          </a:ln>
-          <a:effectLst/>
-        </p:spPr>
-        <p:txBody>
-          <a:bodyPr vert="horz" wrap="square" lIns="91440" tIns="45720" rIns="91440" bIns="45720" numCol="1" anchor="t" anchorCtr="0" compatLnSpc="1">
-            <a:prstTxWarp prst="textNoShape">
-              <a:avLst/>
-            </a:prstTxWarp>
-          </a:bodyPr>
-          <a:lstStyle/>
-          <a:p>
-            <a:endParaRPr lang="en-US"/>
-          </a:p>
-        </p:txBody>
-      </p:sp>
-      <p:sp>
-        <p:nvSpPr>
-          <p:cNvPr id="2049" name="AutoShape 1"/>
-          <p:cNvSpPr>
-            <a:spLocks noChangeShapeType="1"/>
-          </p:cNvSpPr>
-          <p:nvPr/>
-        </p:nvSpPr>
-        <p:spPr bwMode="auto">
-          <a:xfrm>
-            <a:off x="5181600" y="5238750"/>
-            <a:ext cx="0" cy="400050"/>
-          </a:xfrm>
-          <a:prstGeom prst="straightConnector1">
-            <a:avLst/>
-          </a:prstGeom>
-          <a:noFill/>
-          <a:ln w="12700">
-            <a:solidFill>
-              <a:srgbClr val="4F81BD"/>
-            </a:solidFill>
-            <a:prstDash val="dash"/>
-            <a:round/>
-            <a:headEnd/>
-            <a:tailEnd/>
-          </a:ln>
-          <a:effectLst/>
-        </p:spPr>
-        <p:txBody>
-          <a:bodyPr vert="horz" wrap="square" lIns="91440" tIns="45720" rIns="91440" bIns="45720" numCol="1" anchor="t" anchorCtr="0" compatLnSpc="1">
-            <a:prstTxWarp prst="textNoShape">
-              <a:avLst/>
-            </a:prstTxWarp>
-          </a:bodyPr>
-          <a:lstStyle/>
-          <a:p>
-            <a:endParaRPr lang="en-US"/>
-          </a:p>
-        </p:txBody>
-      </p:sp>
-      <p:sp>
-        <p:nvSpPr>
-          <p:cNvPr id="2058" name="Freeform 10"/>
-          <p:cNvSpPr>
-            <a:spLocks/>
-          </p:cNvSpPr>
-          <p:nvPr/>
-        </p:nvSpPr>
-        <p:spPr bwMode="auto">
-          <a:xfrm>
-            <a:off x="2286000" y="4419600"/>
-            <a:ext cx="1123951" cy="819150"/>
-          </a:xfrm>
-          <a:custGeom>
-            <a:avLst/>
-            <a:gdLst/>
-            <a:ahLst/>
-            <a:cxnLst>
-              <a:cxn ang="0">
-                <a:pos x="1770" y="1290"/>
-              </a:cxn>
-              <a:cxn ang="0">
-                <a:pos x="165" y="225"/>
-              </a:cxn>
-              <a:cxn ang="0">
-                <a:pos x="780" y="0"/>
-              </a:cxn>
-            </a:cxnLst>
-            <a:rect l="0" t="0" r="r" b="b"/>
-            <a:pathLst>
-              <a:path w="1770" h="1290">
-                <a:moveTo>
-                  <a:pt x="1770" y="1290"/>
-                </a:moveTo>
-                <a:cubicBezTo>
-                  <a:pt x="1050" y="865"/>
-                  <a:pt x="330" y="440"/>
-                  <a:pt x="165" y="225"/>
-                </a:cubicBezTo>
-                <a:cubicBezTo>
-                  <a:pt x="0" y="10"/>
-                  <a:pt x="675" y="38"/>
-                  <a:pt x="780" y="0"/>
-                </a:cubicBezTo>
-              </a:path>
-            </a:pathLst>
-          </a:custGeom>
-          <a:noFill/>
-          <a:ln w="9525">
-            <a:solidFill>
-              <a:srgbClr val="000000"/>
-            </a:solidFill>
-            <a:round/>
-            <a:headEnd/>
-            <a:tailEnd type="arrow" w="med" len="med"/>
-          </a:ln>
-        </p:spPr>
-        <p:txBody>
-          <a:bodyPr vert="horz" wrap="square" lIns="91440" tIns="45720" rIns="91440" bIns="45720" numCol="1" anchor="t" anchorCtr="0" compatLnSpc="1">
-            <a:prstTxWarp prst="textNoShape">
-              <a:avLst/>
-            </a:prstTxWarp>
-          </a:bodyPr>
-          <a:lstStyle/>
-          <a:p>
-            <a:endParaRPr lang="en-US"/>
-          </a:p>
-        </p:txBody>
-      </p:sp>
-      <p:sp>
-        <p:nvSpPr>
-          <p:cNvPr id="2059" name="Freeform 11"/>
-          <p:cNvSpPr>
-            <a:spLocks/>
-          </p:cNvSpPr>
-          <p:nvPr/>
-        </p:nvSpPr>
-        <p:spPr bwMode="auto">
-          <a:xfrm rot="21281171">
-            <a:off x="5153889" y="4017658"/>
-            <a:ext cx="1244600" cy="1104900"/>
-          </a:xfrm>
-          <a:custGeom>
-            <a:avLst/>
-            <a:gdLst/>
-            <a:ahLst/>
-            <a:cxnLst>
-              <a:cxn ang="0">
-                <a:pos x="0" y="862"/>
-              </a:cxn>
-              <a:cxn ang="0">
-                <a:pos x="1215" y="143"/>
-              </a:cxn>
-              <a:cxn ang="0">
-                <a:pos x="150" y="1"/>
-              </a:cxn>
-            </a:cxnLst>
-            <a:rect l="0" t="0" r="r" b="b"/>
-            <a:pathLst>
-              <a:path w="1240" h="862">
-                <a:moveTo>
-                  <a:pt x="0" y="862"/>
-                </a:moveTo>
-                <a:cubicBezTo>
-                  <a:pt x="595" y="574"/>
-                  <a:pt x="1190" y="286"/>
-                  <a:pt x="1215" y="143"/>
-                </a:cubicBezTo>
-                <a:cubicBezTo>
-                  <a:pt x="1240" y="0"/>
-                  <a:pt x="695" y="0"/>
-                  <a:pt x="150" y="1"/>
-                </a:cubicBezTo>
-              </a:path>
-            </a:pathLst>
-          </a:custGeom>
-          <a:noFill/>
-          <a:ln w="9525">
-            <a:solidFill>
-              <a:srgbClr val="000000"/>
-            </a:solidFill>
-            <a:round/>
-            <a:headEnd/>
-            <a:tailEnd type="arrow" w="med" len="med"/>
-          </a:ln>
-        </p:spPr>
-        <p:txBody>
-          <a:bodyPr vert="horz" wrap="square" lIns="91440" tIns="45720" rIns="91440" bIns="45720" numCol="1" anchor="t" anchorCtr="0" compatLnSpc="1">
-            <a:prstTxWarp prst="textNoShape">
-              <a:avLst/>
-            </a:prstTxWarp>
-          </a:bodyPr>
-          <a:lstStyle/>
-          <a:p>
-            <a:endParaRPr lang="en-US"/>
-          </a:p>
-        </p:txBody>
-      </p:sp>
-      <p:sp>
-        <p:nvSpPr>
-          <p:cNvPr id="2060" name="Rectangle 12"/>
-          <p:cNvSpPr>
-            <a:spLocks noChangeArrowheads="1"/>
-          </p:cNvSpPr>
-          <p:nvPr/>
-        </p:nvSpPr>
-        <p:spPr bwMode="auto">
-          <a:xfrm>
-            <a:off x="0" y="0"/>
-            <a:ext cx="9144000" cy="457200"/>
-          </a:xfrm>
-          <a:prstGeom prst="rect">
-            <a:avLst/>
-          </a:prstGeom>
-          <a:noFill/>
-          <a:ln w="9525">
-            <a:noFill/>
-            <a:miter lim="800000"/>
-            <a:headEnd/>
-            <a:tailEnd/>
-          </a:ln>
-          <a:effectLst/>
-        </p:spPr>
-        <p:txBody>
-          <a:bodyPr vert="horz" wrap="none" lIns="91440" tIns="45720" rIns="91440" bIns="45720" numCol="1" anchor="ctr" anchorCtr="0" compatLnSpc="1">
-            <a:prstTxWarp prst="textNoShape">
-              <a:avLst/>
-            </a:prstTxWarp>
-            <a:spAutoFit/>
-          </a:bodyPr>
-          <a:lstStyle/>
-          <a:p>
-            <a:pPr marL="0" marR="0" lvl="0" indent="0" algn="justLow" defTabSz="914400" rtl="0" eaLnBrk="1" fontAlgn="base" latinLnBrk="0" hangingPunct="1">
-              <a:lnSpc>
-                <a:spcPct val="100000"/>
-              </a:lnSpc>
-              <a:spcBef>
-                <a:spcPct val="0"/>
-              </a:spcBef>
-              <a:spcAft>
-                <a:spcPct val="0"/>
-              </a:spcAft>
-              <a:buClrTx/>
-              <a:buSzTx/>
-              <a:buFontTx/>
-              <a:buNone/>
-              <a:tabLst/>
-            </a:pPr>
-            <a:endParaRPr kumimoji="0" lang="en-US" sz="1800" b="0" i="0" u="none" strike="noStrike" cap="none" normalizeH="0" baseline="0" smtClean="0">
-              <a:ln>
-                <a:noFill/>
-              </a:ln>
-              <a:solidFill>
-                <a:schemeClr val="tx1"/>
-              </a:solidFill>
-              <a:effectLst/>
-              <a:latin typeface="Arial" pitchFamily="34" charset="0"/>
-              <a:cs typeface="Arial" pitchFamily="34" charset="0"/>
-            </a:endParaRPr>
-          </a:p>
-        </p:txBody>
-      </p:sp>
-      <p:sp>
-        <p:nvSpPr>
-          <p:cNvPr id="2061" name="Rectangle 13"/>
-          <p:cNvSpPr>
-            <a:spLocks noChangeArrowheads="1"/>
-          </p:cNvSpPr>
-          <p:nvPr/>
-        </p:nvSpPr>
-        <p:spPr bwMode="auto">
-          <a:xfrm>
-            <a:off x="0" y="457200"/>
-            <a:ext cx="9144000" cy="457200"/>
-          </a:xfrm>
-          <a:prstGeom prst="rect">
-            <a:avLst/>
-          </a:prstGeom>
-          <a:noFill/>
-          <a:ln w="9525">
-            <a:noFill/>
-            <a:miter lim="800000"/>
-            <a:headEnd/>
-            <a:tailEnd/>
-          </a:ln>
-          <a:effectLst/>
-        </p:spPr>
-        <p:txBody>
-          <a:bodyPr vert="horz" wrap="none" lIns="91440" tIns="45720" rIns="91440" bIns="45720" numCol="1" anchor="ctr" anchorCtr="0" compatLnSpc="1">
-            <a:prstTxWarp prst="textNoShape">
-              <a:avLst/>
-            </a:prstTxWarp>
-            <a:spAutoFit/>
-          </a:bodyPr>
-          <a:lstStyle/>
-          <a:p>
-            <a:pPr marL="0" marR="0" lvl="0" indent="0" algn="justLow" defTabSz="914400" rtl="0" eaLnBrk="1" fontAlgn="base" latinLnBrk="0" hangingPunct="1">
-              <a:lnSpc>
-                <a:spcPct val="100000"/>
-              </a:lnSpc>
-              <a:spcBef>
-                <a:spcPct val="0"/>
-              </a:spcBef>
-              <a:spcAft>
-                <a:spcPct val="0"/>
-              </a:spcAft>
-              <a:buClrTx/>
-              <a:buSzTx/>
-              <a:buFontTx/>
-              <a:buNone/>
-              <a:tabLst/>
-            </a:pPr>
-            <a:r>
-              <a:rPr kumimoji="0" lang="en-US" sz="1200" b="0" i="0" u="none" strike="noStrike" cap="none" normalizeH="0" baseline="0" smtClean="0">
-                <a:ln>
-                  <a:noFill/>
-                </a:ln>
-                <a:solidFill>
-                  <a:schemeClr val="tx1"/>
-                </a:solidFill>
-                <a:effectLst/>
-                <a:latin typeface="Times New Roman" pitchFamily="18" charset="0"/>
-                <a:ea typeface="Times New Roman" pitchFamily="18" charset="0"/>
-                <a:cs typeface="Times New Roman" pitchFamily="18" charset="0"/>
-              </a:rPr>
-              <a:t>                </a:t>
-            </a:r>
-            <a:endParaRPr kumimoji="0" lang="en-US" sz="1800" b="0" i="0" u="none" strike="noStrike" cap="none" normalizeH="0" baseline="0" smtClean="0">
-              <a:ln>
-                <a:noFill/>
-              </a:ln>
-              <a:solidFill>
-                <a:schemeClr val="tx1"/>
-              </a:solidFill>
-              <a:effectLst/>
-              <a:latin typeface="Arial" pitchFamily="34" charset="0"/>
-              <a:cs typeface="Arial" pitchFamily="34" charset="0"/>
-            </a:endParaRPr>
-          </a:p>
-        </p:txBody>
-      </p:sp>
-      <p:sp>
-        <p:nvSpPr>
-          <p:cNvPr id="2062" name="Rectangle 14"/>
-          <p:cNvSpPr>
-            <a:spLocks noChangeArrowheads="1"/>
-          </p:cNvSpPr>
-          <p:nvPr/>
-        </p:nvSpPr>
-        <p:spPr bwMode="auto">
-          <a:xfrm>
-            <a:off x="0" y="1123950"/>
-            <a:ext cx="9144000" cy="0"/>
-          </a:xfrm>
-          <a:prstGeom prst="rect">
-            <a:avLst/>
-          </a:prstGeom>
-          <a:noFill/>
-          <a:ln w="9525">
-            <a:noFill/>
-            <a:miter lim="800000"/>
-            <a:headEnd/>
-            <a:tailEnd/>
-          </a:ln>
-          <a:effectLst/>
-        </p:spPr>
-        <p:txBody>
-          <a:bodyPr vert="horz" wrap="none" lIns="91440" tIns="45720" rIns="91440" bIns="45720" numCol="1" anchor="ctr" anchorCtr="0" compatLnSpc="1">
-            <a:prstTxWarp prst="textNoShape">
-              <a:avLst/>
-            </a:prstTxWarp>
-            <a:spAutoFit/>
-          </a:bodyPr>
-          <a:lstStyle/>
-          <a:p>
-            <a:pPr marL="0" marR="0" lvl="0" indent="0" algn="l" defTabSz="914400" rtl="0" eaLnBrk="1" fontAlgn="base" latinLnBrk="0" hangingPunct="1">
-              <a:lnSpc>
-                <a:spcPct val="100000"/>
-              </a:lnSpc>
-              <a:spcBef>
-                <a:spcPct val="0"/>
-              </a:spcBef>
-              <a:spcAft>
-                <a:spcPct val="0"/>
-              </a:spcAft>
-              <a:buClrTx/>
-              <a:buSzTx/>
-              <a:buFontTx/>
-              <a:buNone/>
-              <a:tabLst/>
-            </a:pPr>
-            <a:endParaRPr kumimoji="0" lang="en-US" sz="1800" b="0" i="0" u="none" strike="noStrike" cap="none" normalizeH="0" baseline="0" smtClean="0">
-              <a:ln>
-                <a:noFill/>
-              </a:ln>
-              <a:solidFill>
-                <a:schemeClr val="tx1"/>
-              </a:solidFill>
-              <a:effectLst/>
-              <a:latin typeface="Arial" pitchFamily="34" charset="0"/>
-              <a:cs typeface="Arial" pitchFamily="34" charset="0"/>
-            </a:endParaRPr>
-          </a:p>
-        </p:txBody>
-      </p:sp>
-      <p:sp>
-        <p:nvSpPr>
-          <p:cNvPr id="20" name="TextBox 19"/>
-          <p:cNvSpPr txBox="1"/>
-          <p:nvPr/>
-        </p:nvSpPr>
-        <p:spPr>
-          <a:xfrm>
-            <a:off x="1828800" y="5498068"/>
-            <a:ext cx="915315" cy="369332"/>
-          </a:xfrm>
-          <a:prstGeom prst="rect">
-            <a:avLst/>
-          </a:prstGeom>
-          <a:noFill/>
-        </p:spPr>
-        <p:txBody>
-          <a:bodyPr wrap="none" rtlCol="0">
-            <a:spAutoFit/>
-          </a:bodyPr>
-          <a:lstStyle/>
-          <a:p>
-            <a:r>
-              <a:rPr lang="en-US" i="1" dirty="0" err="1" smtClean="0">
-                <a:latin typeface="Times New Roman" pitchFamily="18" charset="0"/>
-                <a:cs typeface="Times New Roman" pitchFamily="18" charset="0"/>
-              </a:rPr>
-              <a:t>T</a:t>
-            </a:r>
-            <a:r>
-              <a:rPr lang="en-US" i="1" baseline="-25000" dirty="0" err="1" smtClean="0">
-                <a:latin typeface="Times New Roman" pitchFamily="18" charset="0"/>
-                <a:cs typeface="Times New Roman" pitchFamily="18" charset="0"/>
-              </a:rPr>
-              <a:t>enterDHT</a:t>
-            </a:r>
-            <a:endParaRPr lang="en-US" i="1" baseline="-25000" dirty="0">
-              <a:latin typeface="Times New Roman" pitchFamily="18" charset="0"/>
-              <a:cs typeface="Times New Roman" pitchFamily="18" charset="0"/>
-            </a:endParaRPr>
-          </a:p>
-        </p:txBody>
-      </p:sp>
-      <p:sp>
-        <p:nvSpPr>
-          <p:cNvPr id="21" name="TextBox 20"/>
-          <p:cNvSpPr txBox="1"/>
-          <p:nvPr/>
-        </p:nvSpPr>
-        <p:spPr>
-          <a:xfrm>
-            <a:off x="3159651" y="5508701"/>
-            <a:ext cx="389850" cy="369332"/>
-          </a:xfrm>
-          <a:prstGeom prst="rect">
-            <a:avLst/>
-          </a:prstGeom>
-          <a:noFill/>
-        </p:spPr>
-        <p:txBody>
-          <a:bodyPr wrap="none" rtlCol="0">
-            <a:spAutoFit/>
-          </a:bodyPr>
-          <a:lstStyle/>
-          <a:p>
-            <a:r>
-              <a:rPr lang="en-US" i="1" dirty="0" smtClean="0">
-                <a:latin typeface="Times New Roman" pitchFamily="18" charset="0"/>
-                <a:cs typeface="Times New Roman" pitchFamily="18" charset="0"/>
-              </a:rPr>
-              <a:t>T</a:t>
-            </a:r>
-            <a:r>
-              <a:rPr lang="en-US" i="1" baseline="-25000" dirty="0" smtClean="0">
-                <a:latin typeface="Times New Roman" pitchFamily="18" charset="0"/>
-                <a:cs typeface="Times New Roman" pitchFamily="18" charset="0"/>
-              </a:rPr>
-              <a:t>1</a:t>
-            </a:r>
-            <a:endParaRPr lang="en-US" i="1" baseline="-25000" dirty="0">
-              <a:latin typeface="Times New Roman" pitchFamily="18" charset="0"/>
-              <a:cs typeface="Times New Roman" pitchFamily="18" charset="0"/>
-            </a:endParaRPr>
-          </a:p>
-        </p:txBody>
-      </p:sp>
-      <p:sp>
-        <p:nvSpPr>
-          <p:cNvPr id="22" name="TextBox 21"/>
-          <p:cNvSpPr txBox="1"/>
-          <p:nvPr/>
-        </p:nvSpPr>
-        <p:spPr>
-          <a:xfrm>
-            <a:off x="4908699" y="5498802"/>
-            <a:ext cx="389850" cy="369332"/>
-          </a:xfrm>
-          <a:prstGeom prst="rect">
-            <a:avLst/>
-          </a:prstGeom>
-          <a:noFill/>
-        </p:spPr>
-        <p:txBody>
-          <a:bodyPr wrap="none" rtlCol="0">
-            <a:spAutoFit/>
-          </a:bodyPr>
-          <a:lstStyle/>
-          <a:p>
-            <a:r>
-              <a:rPr lang="en-US" i="1" dirty="0" smtClean="0">
-                <a:latin typeface="Times New Roman" pitchFamily="18" charset="0"/>
-                <a:cs typeface="Times New Roman" pitchFamily="18" charset="0"/>
-              </a:rPr>
-              <a:t>T</a:t>
-            </a:r>
-            <a:r>
-              <a:rPr lang="en-US" i="1" baseline="-25000" dirty="0" smtClean="0">
-                <a:latin typeface="Times New Roman" pitchFamily="18" charset="0"/>
-                <a:cs typeface="Times New Roman" pitchFamily="18" charset="0"/>
-              </a:rPr>
-              <a:t>2</a:t>
-            </a:r>
-            <a:endParaRPr lang="en-US" i="1" baseline="-25000" dirty="0">
-              <a:latin typeface="Times New Roman" pitchFamily="18" charset="0"/>
-              <a:cs typeface="Times New Roman" pitchFamily="18" charset="0"/>
-            </a:endParaRPr>
-          </a:p>
-        </p:txBody>
-      </p:sp>
-    </p:spTree>
-  </p:cSld>
-  <p:clrMapOvr>
-    <a:masterClrMapping/>
-  </p:clrMapOvr>
-  <p:transition>
-    <p:fade thruBlk="1"/>
-  </p:transition>
-  <p:timing>
-    <p:tnLst>
-      <p:par>
-        <p:cTn id="1" dur="indefinite" restart="never" nodeType="tmRoot"/>
-      </p:par>
-    </p:tnLst>
   </p:timing>
 </p:sld>
 </file>
